--- a/automated_functional_testing.pptx
+++ b/automated_functional_testing.pptx
@@ -5,46 +5,48 @@
     <p:sldMasterId id="2147483659" r:id="rId1"/>
   </p:sldMasterIdLst>
   <p:notesMasterIdLst>
-    <p:notesMasterId r:id="rId10"/>
+    <p:notesMasterId r:id="rId12"/>
   </p:notesMasterIdLst>
   <p:sldIdLst>
     <p:sldId id="256" r:id="rId2"/>
-    <p:sldId id="257" r:id="rId3"/>
-    <p:sldId id="258" r:id="rId4"/>
-    <p:sldId id="264" r:id="rId5"/>
-    <p:sldId id="259" r:id="rId6"/>
-    <p:sldId id="260" r:id="rId7"/>
-    <p:sldId id="261" r:id="rId8"/>
-    <p:sldId id="263" r:id="rId9"/>
+    <p:sldId id="266" r:id="rId3"/>
+    <p:sldId id="265" r:id="rId4"/>
+    <p:sldId id="258" r:id="rId5"/>
+    <p:sldId id="264" r:id="rId6"/>
+    <p:sldId id="259" r:id="rId7"/>
+    <p:sldId id="267" r:id="rId8"/>
+    <p:sldId id="260" r:id="rId9"/>
+    <p:sldId id="268" r:id="rId10"/>
+    <p:sldId id="263" r:id="rId11"/>
   </p:sldIdLst>
   <p:sldSz cx="9144000" cy="5143500" type="screen16x9"/>
   <p:notesSz cx="6858000" cy="9144000"/>
   <p:embeddedFontLst>
     <p:embeddedFont>
-      <p:font typeface="Syncopate" panose="020B0604020202020204" charset="0"/>
-      <p:regular r:id="rId11"/>
-      <p:bold r:id="rId12"/>
-    </p:embeddedFont>
-    <p:embeddedFont>
-      <p:font typeface="Montserrat" panose="020B0604020202020204" charset="0"/>
+      <p:font typeface="Calibri" panose="020F0502020204030204" pitchFamily="34" charset="0"/>
       <p:regular r:id="rId13"/>
       <p:bold r:id="rId14"/>
       <p:italic r:id="rId15"/>
       <p:boldItalic r:id="rId16"/>
     </p:embeddedFont>
     <p:embeddedFont>
-      <p:font typeface="Calibri" panose="020F0502020204030204" pitchFamily="34" charset="0"/>
+      <p:font typeface="Lato" panose="020F0502020204030203" pitchFamily="34" charset="77"/>
       <p:regular r:id="rId17"/>
       <p:bold r:id="rId18"/>
       <p:italic r:id="rId19"/>
       <p:boldItalic r:id="rId20"/>
     </p:embeddedFont>
     <p:embeddedFont>
-      <p:font typeface="Lato" panose="020B0604020202020204" charset="0"/>
+      <p:font typeface="Montserrat" pitchFamily="2" charset="77"/>
       <p:regular r:id="rId21"/>
       <p:bold r:id="rId22"/>
       <p:italic r:id="rId23"/>
       <p:boldItalic r:id="rId24"/>
+    </p:embeddedFont>
+    <p:embeddedFont>
+      <p:font typeface="Syncopate" panose="02000505000000020003" pitchFamily="2" charset="0"/>
+      <p:regular r:id="rId25"/>
+      <p:bold r:id="rId26"/>
     </p:embeddedFont>
   </p:embeddedFontLst>
   <p:defaultTextStyle>
@@ -643,7 +645,261 @@
 </p:notes>
 </file>
 
+<file path=ppt/notesSlides/notesSlide10.xml><?xml version="1.0" encoding="utf-8"?>
+<p:notes xmlns:a="http://schemas.openxmlformats.org/drawingml/2006/main" xmlns:r="http://schemas.openxmlformats.org/officeDocument/2006/relationships" xmlns:p="http://schemas.openxmlformats.org/presentationml/2006/main" showMasterSp="0" showMasterPhAnim="0">
+  <p:cSld>
+    <p:spTree>
+      <p:nvGrpSpPr>
+        <p:cNvPr id="1" name="Shape 185"/>
+        <p:cNvGrpSpPr/>
+        <p:nvPr/>
+      </p:nvGrpSpPr>
+      <p:grpSpPr>
+        <a:xfrm>
+          <a:off x="0" y="0"/>
+          <a:ext cx="0" cy="0"/>
+          <a:chOff x="0" y="0"/>
+          <a:chExt cx="0" cy="0"/>
+        </a:xfrm>
+      </p:grpSpPr>
+      <p:sp>
+        <p:nvSpPr>
+          <p:cNvPr id="186" name="Shape 186"/>
+          <p:cNvSpPr>
+            <a:spLocks noGrp="1" noRot="1" noChangeAspect="1"/>
+          </p:cNvSpPr>
+          <p:nvPr>
+            <p:ph type="sldImg" idx="2"/>
+          </p:nvPr>
+        </p:nvSpPr>
+        <p:spPr>
+          <a:xfrm>
+            <a:off x="381000" y="685800"/>
+            <a:ext cx="6096000" cy="3429000"/>
+          </a:xfrm>
+          <a:custGeom>
+            <a:avLst/>
+            <a:gdLst/>
+            <a:ahLst/>
+            <a:cxnLst/>
+            <a:rect l="0" t="0" r="0" b="0"/>
+            <a:pathLst>
+              <a:path w="120000" h="120000" extrusionOk="0">
+                <a:moveTo>
+                  <a:pt x="0" y="0"/>
+                </a:moveTo>
+                <a:lnTo>
+                  <a:pt x="120000" y="0"/>
+                </a:lnTo>
+                <a:lnTo>
+                  <a:pt x="120000" y="120000"/>
+                </a:lnTo>
+                <a:lnTo>
+                  <a:pt x="0" y="120000"/>
+                </a:lnTo>
+                <a:close/>
+              </a:path>
+            </a:pathLst>
+          </a:custGeom>
+        </p:spPr>
+      </p:sp>
+      <p:sp>
+        <p:nvSpPr>
+          <p:cNvPr id="187" name="Shape 187"/>
+          <p:cNvSpPr txBox="1">
+            <a:spLocks noGrp="1"/>
+          </p:cNvSpPr>
+          <p:nvPr>
+            <p:ph type="body" idx="1"/>
+          </p:nvPr>
+        </p:nvSpPr>
+        <p:spPr>
+          <a:xfrm>
+            <a:off x="685800" y="4343400"/>
+            <a:ext cx="5486400" cy="4114800"/>
+          </a:xfrm>
+          <a:prstGeom prst="rect">
+            <a:avLst/>
+          </a:prstGeom>
+        </p:spPr>
+        <p:txBody>
+          <a:bodyPr wrap="square" lIns="91425" tIns="91425" rIns="91425" bIns="91425" anchor="t" anchorCtr="0">
+            <a:noAutofit/>
+          </a:bodyPr>
+          <a:lstStyle/>
+          <a:p>
+            <a:pPr marL="0" lvl="0" indent="0" rtl="0">
+              <a:spcBef>
+                <a:spcPts val="0"/>
+              </a:spcBef>
+              <a:buNone/>
+            </a:pPr>
+            <a:endParaRPr/>
+          </a:p>
+        </p:txBody>
+      </p:sp>
+    </p:spTree>
+    <p:extLst>
+      <p:ext uri="{BB962C8B-B14F-4D97-AF65-F5344CB8AC3E}">
+        <p14:creationId xmlns:p14="http://schemas.microsoft.com/office/powerpoint/2010/main" val="2114643431"/>
+      </p:ext>
+    </p:extLst>
+  </p:cSld>
+  <p:clrMapOvr>
+    <a:masterClrMapping/>
+  </p:clrMapOvr>
+</p:notes>
+</file>
+
 <file path=ppt/notesSlides/notesSlide2.xml><?xml version="1.0" encoding="utf-8"?>
+<p:notes xmlns:a="http://schemas.openxmlformats.org/drawingml/2006/main" xmlns:r="http://schemas.openxmlformats.org/officeDocument/2006/relationships" xmlns:p="http://schemas.openxmlformats.org/presentationml/2006/main" showMasterSp="0" showMasterPhAnim="0">
+  <p:cSld>
+    <p:spTree>
+      <p:nvGrpSpPr>
+        <p:cNvPr id="1" name="Shape 154"/>
+        <p:cNvGrpSpPr/>
+        <p:nvPr/>
+      </p:nvGrpSpPr>
+      <p:grpSpPr>
+        <a:xfrm>
+          <a:off x="0" y="0"/>
+          <a:ext cx="0" cy="0"/>
+          <a:chOff x="0" y="0"/>
+          <a:chExt cx="0" cy="0"/>
+        </a:xfrm>
+      </p:grpSpPr>
+      <p:sp>
+        <p:nvSpPr>
+          <p:cNvPr id="155" name="Shape 155"/>
+          <p:cNvSpPr>
+            <a:spLocks noGrp="1" noRot="1" noChangeAspect="1"/>
+          </p:cNvSpPr>
+          <p:nvPr>
+            <p:ph type="sldImg" idx="2"/>
+          </p:nvPr>
+        </p:nvSpPr>
+        <p:spPr>
+          <a:xfrm>
+            <a:off x="381000" y="685800"/>
+            <a:ext cx="6096000" cy="3429000"/>
+          </a:xfrm>
+          <a:custGeom>
+            <a:avLst/>
+            <a:gdLst/>
+            <a:ahLst/>
+            <a:cxnLst/>
+            <a:rect l="0" t="0" r="0" b="0"/>
+            <a:pathLst>
+              <a:path w="120000" h="120000" extrusionOk="0">
+                <a:moveTo>
+                  <a:pt x="0" y="0"/>
+                </a:moveTo>
+                <a:lnTo>
+                  <a:pt x="120000" y="0"/>
+                </a:lnTo>
+                <a:lnTo>
+                  <a:pt x="120000" y="120000"/>
+                </a:lnTo>
+                <a:lnTo>
+                  <a:pt x="0" y="120000"/>
+                </a:lnTo>
+                <a:close/>
+              </a:path>
+            </a:pathLst>
+          </a:custGeom>
+        </p:spPr>
+      </p:sp>
+      <p:sp>
+        <p:nvSpPr>
+          <p:cNvPr id="156" name="Shape 156"/>
+          <p:cNvSpPr txBox="1">
+            <a:spLocks noGrp="1"/>
+          </p:cNvSpPr>
+          <p:nvPr>
+            <p:ph type="body" idx="1"/>
+          </p:nvPr>
+        </p:nvSpPr>
+        <p:spPr>
+          <a:xfrm>
+            <a:off x="685800" y="4343400"/>
+            <a:ext cx="5486400" cy="4114800"/>
+          </a:xfrm>
+          <a:prstGeom prst="rect">
+            <a:avLst/>
+          </a:prstGeom>
+        </p:spPr>
+        <p:txBody>
+          <a:bodyPr wrap="square" lIns="91425" tIns="91425" rIns="91425" bIns="91425" anchor="t" anchorCtr="0">
+            <a:noAutofit/>
+          </a:bodyPr>
+          <a:lstStyle/>
+          <a:p>
+            <a:pPr marL="0" indent="0">
+              <a:buFont typeface="Arial" panose="020B0604020202020204" pitchFamily="34" charset="0"/>
+              <a:buNone/>
+            </a:pPr>
+            <a:r>
+              <a:rPr lang="nl-NL" sz="1100" dirty="0" err="1"/>
+              <a:t>Optional</a:t>
+            </a:r>
+            <a:r>
+              <a:rPr lang="nl-NL" sz="1100" dirty="0"/>
+              <a:t> slide </a:t>
+            </a:r>
+            <a:r>
+              <a:rPr lang="nl-NL" sz="1100" dirty="0" err="1"/>
+              <a:t>for</a:t>
+            </a:r>
+            <a:r>
+              <a:rPr lang="nl-NL" sz="1100" dirty="0"/>
+              <a:t> </a:t>
+            </a:r>
+            <a:r>
+              <a:rPr lang="nl-NL" sz="1100" dirty="0" err="1"/>
+              <a:t>clients</a:t>
+            </a:r>
+            <a:r>
+              <a:rPr lang="nl-NL" sz="1100" dirty="0"/>
+              <a:t> </a:t>
+            </a:r>
+            <a:r>
+              <a:rPr lang="nl-NL" sz="1100" dirty="0" err="1"/>
+              <a:t>who</a:t>
+            </a:r>
+            <a:r>
+              <a:rPr lang="nl-NL" sz="1100" dirty="0"/>
+              <a:t> </a:t>
+            </a:r>
+            <a:r>
+              <a:rPr lang="nl-NL" sz="1100" dirty="0" err="1"/>
+              <a:t>need</a:t>
+            </a:r>
+            <a:r>
+              <a:rPr lang="nl-NL" sz="1100" dirty="0"/>
+              <a:t> </a:t>
+            </a:r>
+            <a:r>
+              <a:rPr lang="nl-NL" sz="1100" dirty="0" err="1"/>
+              <a:t>convincing</a:t>
+            </a:r>
+            <a:endParaRPr lang="nl-NL" sz="1100" dirty="0"/>
+          </a:p>
+        </p:txBody>
+      </p:sp>
+    </p:spTree>
+    <p:extLst>
+      <p:ext uri="{BB962C8B-B14F-4D97-AF65-F5344CB8AC3E}">
+        <p14:creationId xmlns:p14="http://schemas.microsoft.com/office/powerpoint/2010/main" val="4130650459"/>
+      </p:ext>
+    </p:extLst>
+  </p:cSld>
+  <p:clrMapOvr>
+    <a:masterClrMapping/>
+  </p:clrMapOvr>
+</p:notes>
+</file>
+
+<file path=ppt/notesSlides/notesSlide3.xml><?xml version="1.0" encoding="utf-8"?>
 <p:notes xmlns:a="http://schemas.openxmlformats.org/drawingml/2006/main" xmlns:r="http://schemas.openxmlformats.org/officeDocument/2006/relationships" xmlns:p="http://schemas.openxmlformats.org/presentationml/2006/main" showMasterSp="0" showMasterPhAnim="0">
   <p:cSld>
     <p:spTree>
@@ -733,7 +989,7 @@
               <a:buAutoNum type="arabicParenR"/>
             </a:pPr>
             <a:r>
-              <a:rPr lang="nl-NL" dirty="0" smtClean="0"/>
+              <a:rPr lang="nl-NL" dirty="0"/>
               <a:t>UI</a:t>
             </a:r>
           </a:p>
@@ -745,7 +1001,7 @@
               <a:buAutoNum type="arabicParenR"/>
             </a:pPr>
             <a:r>
-              <a:rPr lang="nl-NL" dirty="0" smtClean="0"/>
+              <a:rPr lang="nl-NL" dirty="0"/>
               <a:t>Unit</a:t>
             </a:r>
           </a:p>
@@ -757,7 +1013,7 @@
               <a:buAutoNum type="arabicParenR"/>
             </a:pPr>
             <a:r>
-              <a:rPr lang="nl-NL" dirty="0" smtClean="0"/>
+              <a:rPr lang="nl-NL" dirty="0"/>
               <a:t>Service</a:t>
             </a:r>
             <a:endParaRPr dirty="0"/>
@@ -767,206 +1023,7 @@
     </p:spTree>
     <p:extLst>
       <p:ext uri="{BB962C8B-B14F-4D97-AF65-F5344CB8AC3E}">
-        <p14:creationId xmlns:p14="http://schemas.microsoft.com/office/powerpoint/2010/main" val="156136579"/>
-      </p:ext>
-    </p:extLst>
-  </p:cSld>
-  <p:clrMapOvr>
-    <a:masterClrMapping/>
-  </p:clrMapOvr>
-</p:notes>
-</file>
-
-<file path=ppt/notesSlides/notesSlide3.xml><?xml version="1.0" encoding="utf-8"?>
-<p:notes xmlns:a="http://schemas.openxmlformats.org/drawingml/2006/main" xmlns:r="http://schemas.openxmlformats.org/officeDocument/2006/relationships" xmlns:p="http://schemas.openxmlformats.org/presentationml/2006/main" showMasterSp="0" showMasterPhAnim="0">
-  <p:cSld>
-    <p:spTree>
-      <p:nvGrpSpPr>
-        <p:cNvPr id="1" name="Shape 145"/>
-        <p:cNvGrpSpPr/>
-        <p:nvPr/>
-      </p:nvGrpSpPr>
-      <p:grpSpPr>
-        <a:xfrm>
-          <a:off x="0" y="0"/>
-          <a:ext cx="0" cy="0"/>
-          <a:chOff x="0" y="0"/>
-          <a:chExt cx="0" cy="0"/>
-        </a:xfrm>
-      </p:grpSpPr>
-      <p:sp>
-        <p:nvSpPr>
-          <p:cNvPr id="146" name="Shape 146"/>
-          <p:cNvSpPr>
-            <a:spLocks noGrp="1" noRot="1" noChangeAspect="1"/>
-          </p:cNvSpPr>
-          <p:nvPr>
-            <p:ph type="sldImg" idx="2"/>
-          </p:nvPr>
-        </p:nvSpPr>
-        <p:spPr>
-          <a:xfrm>
-            <a:off x="381000" y="685800"/>
-            <a:ext cx="6096000" cy="3429000"/>
-          </a:xfrm>
-          <a:custGeom>
-            <a:avLst/>
-            <a:gdLst/>
-            <a:ahLst/>
-            <a:cxnLst/>
-            <a:rect l="0" t="0" r="0" b="0"/>
-            <a:pathLst>
-              <a:path w="120000" h="120000" extrusionOk="0">
-                <a:moveTo>
-                  <a:pt x="0" y="0"/>
-                </a:moveTo>
-                <a:lnTo>
-                  <a:pt x="120000" y="0"/>
-                </a:lnTo>
-                <a:lnTo>
-                  <a:pt x="120000" y="120000"/>
-                </a:lnTo>
-                <a:lnTo>
-                  <a:pt x="0" y="120000"/>
-                </a:lnTo>
-                <a:close/>
-              </a:path>
-            </a:pathLst>
-          </a:custGeom>
-        </p:spPr>
-      </p:sp>
-      <p:sp>
-        <p:nvSpPr>
-          <p:cNvPr id="147" name="Shape 147"/>
-          <p:cNvSpPr txBox="1">
-            <a:spLocks noGrp="1"/>
-          </p:cNvSpPr>
-          <p:nvPr>
-            <p:ph type="body" idx="1"/>
-          </p:nvPr>
-        </p:nvSpPr>
-        <p:spPr>
-          <a:xfrm>
-            <a:off x="685800" y="4343400"/>
-            <a:ext cx="5486400" cy="4114800"/>
-          </a:xfrm>
-          <a:prstGeom prst="rect">
-            <a:avLst/>
-          </a:prstGeom>
-        </p:spPr>
-        <p:txBody>
-          <a:bodyPr wrap="square" lIns="91425" tIns="91425" rIns="91425" bIns="91425" anchor="t" anchorCtr="0">
-            <a:noAutofit/>
-          </a:bodyPr>
-          <a:lstStyle/>
-          <a:p>
-            <a:pPr marL="0" lvl="0" indent="0" rtl="0">
-              <a:spcBef>
-                <a:spcPts val="0"/>
-              </a:spcBef>
-              <a:buNone/>
-            </a:pPr>
-            <a:r>
-              <a:rPr lang="nl-NL" dirty="0" err="1" smtClean="0"/>
-              <a:t>Assuming</a:t>
-            </a:r>
-            <a:r>
-              <a:rPr lang="nl-NL" dirty="0" smtClean="0"/>
-              <a:t> </a:t>
-            </a:r>
-            <a:r>
-              <a:rPr lang="nl-NL" dirty="0" err="1" smtClean="0"/>
-              <a:t>all</a:t>
-            </a:r>
-            <a:r>
-              <a:rPr lang="nl-NL" dirty="0" smtClean="0"/>
-              <a:t> HTTP(S) </a:t>
-            </a:r>
-            <a:r>
-              <a:rPr lang="nl-NL" dirty="0" err="1" smtClean="0"/>
-              <a:t>connections</a:t>
-            </a:r>
-            <a:endParaRPr lang="nl-NL" dirty="0" smtClean="0"/>
-          </a:p>
-          <a:p>
-            <a:pPr marL="0" lvl="0" indent="0" rtl="0">
-              <a:spcBef>
-                <a:spcPts val="0"/>
-              </a:spcBef>
-              <a:buNone/>
-            </a:pPr>
-            <a:r>
-              <a:rPr lang="nl-NL" dirty="0" smtClean="0"/>
-              <a:t>In the BE </a:t>
-            </a:r>
-            <a:r>
-              <a:rPr lang="nl-NL" dirty="0" err="1" smtClean="0"/>
-              <a:t>you</a:t>
-            </a:r>
-            <a:r>
-              <a:rPr lang="nl-NL" dirty="0" smtClean="0"/>
-              <a:t> </a:t>
-            </a:r>
-            <a:r>
-              <a:rPr lang="nl-NL" dirty="0" err="1" smtClean="0"/>
-              <a:t>might</a:t>
-            </a:r>
-            <a:r>
-              <a:rPr lang="nl-NL" dirty="0" smtClean="0"/>
-              <a:t> </a:t>
-            </a:r>
-            <a:r>
-              <a:rPr lang="nl-NL" dirty="0" err="1" smtClean="0"/>
-              <a:t>prefer</a:t>
-            </a:r>
-            <a:r>
-              <a:rPr lang="nl-NL" dirty="0" smtClean="0"/>
-              <a:t> a queue or bus </a:t>
-            </a:r>
-            <a:r>
-              <a:rPr lang="nl-NL" dirty="0" err="1" smtClean="0"/>
-              <a:t>for</a:t>
-            </a:r>
-            <a:r>
-              <a:rPr lang="nl-NL" dirty="0" smtClean="0"/>
-              <a:t> </a:t>
-            </a:r>
-            <a:r>
-              <a:rPr lang="nl-NL" dirty="0" err="1" smtClean="0"/>
-              <a:t>decoupling</a:t>
-            </a:r>
-            <a:r>
-              <a:rPr lang="nl-NL" dirty="0" smtClean="0"/>
-              <a:t> </a:t>
-            </a:r>
-            <a:r>
-              <a:rPr lang="nl-NL" dirty="0" err="1" smtClean="0"/>
-              <a:t>and</a:t>
-            </a:r>
-            <a:r>
-              <a:rPr lang="nl-NL" dirty="0" smtClean="0"/>
-              <a:t> </a:t>
-            </a:r>
-            <a:r>
-              <a:rPr lang="nl-NL" dirty="0" err="1" smtClean="0"/>
-              <a:t>asynchronous</a:t>
-            </a:r>
-            <a:r>
-              <a:rPr lang="nl-NL" dirty="0" smtClean="0"/>
-              <a:t> </a:t>
-            </a:r>
-            <a:r>
-              <a:rPr lang="nl-NL" dirty="0" err="1" smtClean="0"/>
-              <a:t>communication</a:t>
-            </a:r>
-            <a:endParaRPr dirty="0"/>
-          </a:p>
-        </p:txBody>
-      </p:sp>
-    </p:spTree>
-    <p:extLst>
-      <p:ext uri="{BB962C8B-B14F-4D97-AF65-F5344CB8AC3E}">
-        <p14:creationId xmlns:p14="http://schemas.microsoft.com/office/powerpoint/2010/main" val="4161773470"/>
+        <p14:creationId xmlns:p14="http://schemas.microsoft.com/office/powerpoint/2010/main" val="284775259"/>
       </p:ext>
     </p:extLst>
   </p:cSld>
@@ -1065,6 +1122,205 @@
               </a:spcBef>
               <a:buNone/>
             </a:pPr>
+            <a:r>
+              <a:rPr lang="nl-NL" dirty="0" err="1"/>
+              <a:t>Assuming</a:t>
+            </a:r>
+            <a:r>
+              <a:rPr lang="nl-NL" dirty="0"/>
+              <a:t> </a:t>
+            </a:r>
+            <a:r>
+              <a:rPr lang="nl-NL" dirty="0" err="1"/>
+              <a:t>all</a:t>
+            </a:r>
+            <a:r>
+              <a:rPr lang="nl-NL" dirty="0"/>
+              <a:t> HTTP(S) </a:t>
+            </a:r>
+            <a:r>
+              <a:rPr lang="nl-NL" dirty="0" err="1"/>
+              <a:t>connections</a:t>
+            </a:r>
+            <a:endParaRPr lang="nl-NL" dirty="0"/>
+          </a:p>
+          <a:p>
+            <a:pPr marL="0" lvl="0" indent="0" rtl="0">
+              <a:spcBef>
+                <a:spcPts val="0"/>
+              </a:spcBef>
+              <a:buNone/>
+            </a:pPr>
+            <a:r>
+              <a:rPr lang="nl-NL" dirty="0"/>
+              <a:t>In the BE </a:t>
+            </a:r>
+            <a:r>
+              <a:rPr lang="nl-NL" dirty="0" err="1"/>
+              <a:t>you</a:t>
+            </a:r>
+            <a:r>
+              <a:rPr lang="nl-NL" dirty="0"/>
+              <a:t> </a:t>
+            </a:r>
+            <a:r>
+              <a:rPr lang="nl-NL" dirty="0" err="1"/>
+              <a:t>might</a:t>
+            </a:r>
+            <a:r>
+              <a:rPr lang="nl-NL" dirty="0"/>
+              <a:t> </a:t>
+            </a:r>
+            <a:r>
+              <a:rPr lang="nl-NL" dirty="0" err="1"/>
+              <a:t>prefer</a:t>
+            </a:r>
+            <a:r>
+              <a:rPr lang="nl-NL" dirty="0"/>
+              <a:t> a queue or bus </a:t>
+            </a:r>
+            <a:r>
+              <a:rPr lang="nl-NL" dirty="0" err="1"/>
+              <a:t>for</a:t>
+            </a:r>
+            <a:r>
+              <a:rPr lang="nl-NL" dirty="0"/>
+              <a:t> </a:t>
+            </a:r>
+            <a:r>
+              <a:rPr lang="nl-NL" dirty="0" err="1"/>
+              <a:t>decoupling</a:t>
+            </a:r>
+            <a:r>
+              <a:rPr lang="nl-NL" dirty="0"/>
+              <a:t> </a:t>
+            </a:r>
+            <a:r>
+              <a:rPr lang="nl-NL" dirty="0" err="1"/>
+              <a:t>and</a:t>
+            </a:r>
+            <a:r>
+              <a:rPr lang="nl-NL" dirty="0"/>
+              <a:t> </a:t>
+            </a:r>
+            <a:r>
+              <a:rPr lang="nl-NL" dirty="0" err="1"/>
+              <a:t>asynchronous</a:t>
+            </a:r>
+            <a:r>
+              <a:rPr lang="nl-NL" dirty="0"/>
+              <a:t> </a:t>
+            </a:r>
+            <a:r>
+              <a:rPr lang="nl-NL" dirty="0" err="1"/>
+              <a:t>communication</a:t>
+            </a:r>
+            <a:endParaRPr dirty="0"/>
+          </a:p>
+        </p:txBody>
+      </p:sp>
+    </p:spTree>
+    <p:extLst>
+      <p:ext uri="{BB962C8B-B14F-4D97-AF65-F5344CB8AC3E}">
+        <p14:creationId xmlns:p14="http://schemas.microsoft.com/office/powerpoint/2010/main" val="4161773470"/>
+      </p:ext>
+    </p:extLst>
+  </p:cSld>
+  <p:clrMapOvr>
+    <a:masterClrMapping/>
+  </p:clrMapOvr>
+</p:notes>
+</file>
+
+<file path=ppt/notesSlides/notesSlide5.xml><?xml version="1.0" encoding="utf-8"?>
+<p:notes xmlns:a="http://schemas.openxmlformats.org/drawingml/2006/main" xmlns:r="http://schemas.openxmlformats.org/officeDocument/2006/relationships" xmlns:p="http://schemas.openxmlformats.org/presentationml/2006/main" showMasterSp="0" showMasterPhAnim="0">
+  <p:cSld>
+    <p:spTree>
+      <p:nvGrpSpPr>
+        <p:cNvPr id="1" name="Shape 145"/>
+        <p:cNvGrpSpPr/>
+        <p:nvPr/>
+      </p:nvGrpSpPr>
+      <p:grpSpPr>
+        <a:xfrm>
+          <a:off x="0" y="0"/>
+          <a:ext cx="0" cy="0"/>
+          <a:chOff x="0" y="0"/>
+          <a:chExt cx="0" cy="0"/>
+        </a:xfrm>
+      </p:grpSpPr>
+      <p:sp>
+        <p:nvSpPr>
+          <p:cNvPr id="146" name="Shape 146"/>
+          <p:cNvSpPr>
+            <a:spLocks noGrp="1" noRot="1" noChangeAspect="1"/>
+          </p:cNvSpPr>
+          <p:nvPr>
+            <p:ph type="sldImg" idx="2"/>
+          </p:nvPr>
+        </p:nvSpPr>
+        <p:spPr>
+          <a:xfrm>
+            <a:off x="381000" y="685800"/>
+            <a:ext cx="6096000" cy="3429000"/>
+          </a:xfrm>
+          <a:custGeom>
+            <a:avLst/>
+            <a:gdLst/>
+            <a:ahLst/>
+            <a:cxnLst/>
+            <a:rect l="0" t="0" r="0" b="0"/>
+            <a:pathLst>
+              <a:path w="120000" h="120000" extrusionOk="0">
+                <a:moveTo>
+                  <a:pt x="0" y="0"/>
+                </a:moveTo>
+                <a:lnTo>
+                  <a:pt x="120000" y="0"/>
+                </a:lnTo>
+                <a:lnTo>
+                  <a:pt x="120000" y="120000"/>
+                </a:lnTo>
+                <a:lnTo>
+                  <a:pt x="0" y="120000"/>
+                </a:lnTo>
+                <a:close/>
+              </a:path>
+            </a:pathLst>
+          </a:custGeom>
+        </p:spPr>
+      </p:sp>
+      <p:sp>
+        <p:nvSpPr>
+          <p:cNvPr id="147" name="Shape 147"/>
+          <p:cNvSpPr txBox="1">
+            <a:spLocks noGrp="1"/>
+          </p:cNvSpPr>
+          <p:nvPr>
+            <p:ph type="body" idx="1"/>
+          </p:nvPr>
+        </p:nvSpPr>
+        <p:spPr>
+          <a:xfrm>
+            <a:off x="685800" y="4343400"/>
+            <a:ext cx="5486400" cy="4114800"/>
+          </a:xfrm>
+          <a:prstGeom prst="rect">
+            <a:avLst/>
+          </a:prstGeom>
+        </p:spPr>
+        <p:txBody>
+          <a:bodyPr wrap="square" lIns="91425" tIns="91425" rIns="91425" bIns="91425" anchor="t" anchorCtr="0">
+            <a:noAutofit/>
+          </a:bodyPr>
+          <a:lstStyle/>
+          <a:p>
+            <a:pPr marL="0" lvl="0" indent="0" rtl="0">
+              <a:spcBef>
+                <a:spcPts val="0"/>
+              </a:spcBef>
+              <a:buNone/>
+            </a:pPr>
             <a:endParaRPr/>
           </a:p>
         </p:txBody>
@@ -1082,7 +1338,7 @@
 </p:notes>
 </file>
 
-<file path=ppt/notesSlides/notesSlide5.xml><?xml version="1.0" encoding="utf-8"?>
+<file path=ppt/notesSlides/notesSlide6.xml><?xml version="1.0" encoding="utf-8"?>
 <p:notes xmlns:a="http://schemas.openxmlformats.org/drawingml/2006/main" xmlns:r="http://schemas.openxmlformats.org/officeDocument/2006/relationships" xmlns:p="http://schemas.openxmlformats.org/presentationml/2006/main" showMasterSp="0" showMasterPhAnim="0">
   <p:cSld>
     <p:spTree>
@@ -1170,103 +1426,99 @@
               <a:buNone/>
             </a:pPr>
             <a:r>
-              <a:rPr lang="nl-NL" sz="1100" dirty="0" err="1" smtClean="0"/>
+              <a:rPr lang="nl-NL" sz="1100" dirty="0" err="1"/>
               <a:t>Behaviour-Driven</a:t>
             </a:r>
             <a:r>
-              <a:rPr lang="nl-NL" sz="1100" dirty="0" smtClean="0"/>
+              <a:rPr lang="nl-NL" sz="1100" dirty="0"/>
               <a:t> Development (</a:t>
             </a:r>
             <a:r>
-              <a:rPr lang="nl-NL" sz="1100" dirty="0" err="1" smtClean="0"/>
+              <a:rPr lang="nl-NL" sz="1100" dirty="0" err="1"/>
               <a:t>Explore</a:t>
             </a:r>
             <a:r>
-              <a:rPr lang="nl-NL" sz="1100" dirty="0" smtClean="0"/>
+              <a:rPr lang="nl-NL" sz="1100" dirty="0"/>
               <a:t> a </a:t>
             </a:r>
             <a:r>
-              <a:rPr lang="nl-NL" sz="1100" dirty="0" err="1" smtClean="0"/>
+              <a:rPr lang="nl-NL" sz="1100" dirty="0" err="1"/>
               <a:t>problem</a:t>
             </a:r>
             <a:r>
-              <a:rPr lang="nl-NL" sz="1100" dirty="0" smtClean="0"/>
+              <a:rPr lang="nl-NL" sz="1100" dirty="0"/>
               <a:t> domain </a:t>
             </a:r>
             <a:r>
-              <a:rPr lang="nl-NL" sz="1100" dirty="0" smtClean="0">
+              <a:rPr lang="nl-NL" sz="1100" dirty="0">
                 <a:sym typeface="Wingdings" panose="05000000000000000000" pitchFamily="2" charset="2"/>
               </a:rPr>
               <a:t> </a:t>
             </a:r>
             <a:r>
-              <a:rPr lang="nl-NL" sz="1100" dirty="0" err="1" smtClean="0">
+              <a:rPr lang="nl-NL" sz="1100" dirty="0" err="1">
                 <a:sym typeface="Wingdings" panose="05000000000000000000" pitchFamily="2" charset="2"/>
               </a:rPr>
               <a:t>create</a:t>
             </a:r>
             <a:r>
-              <a:rPr lang="nl-NL" sz="1100" dirty="0" smtClean="0">
+              <a:rPr lang="nl-NL" sz="1100" dirty="0">
                 <a:sym typeface="Wingdings" panose="05000000000000000000" pitchFamily="2" charset="2"/>
               </a:rPr>
               <a:t> </a:t>
             </a:r>
             <a:r>
-              <a:rPr lang="nl-NL" sz="1100" dirty="0" err="1" smtClean="0">
+              <a:rPr lang="nl-NL" sz="1100" dirty="0" err="1">
                 <a:sym typeface="Wingdings" panose="05000000000000000000" pitchFamily="2" charset="2"/>
               </a:rPr>
               <a:t>examples</a:t>
             </a:r>
             <a:r>
-              <a:rPr lang="nl-NL" sz="1100" dirty="0" smtClean="0">
+              <a:rPr lang="nl-NL" sz="1100" dirty="0">
                 <a:sym typeface="Wingdings" panose="05000000000000000000" pitchFamily="2" charset="2"/>
               </a:rPr>
               <a:t> </a:t>
             </a:r>
             <a:r>
-              <a:rPr lang="nl-NL" sz="1100" dirty="0" err="1" smtClean="0">
+              <a:rPr lang="nl-NL" sz="1100" dirty="0" err="1">
                 <a:sym typeface="Wingdings" panose="05000000000000000000" pitchFamily="2" charset="2"/>
               </a:rPr>
               <a:t>to</a:t>
             </a:r>
             <a:r>
-              <a:rPr lang="nl-NL" sz="1100" dirty="0" smtClean="0">
+              <a:rPr lang="nl-NL" sz="1100" dirty="0">
                 <a:sym typeface="Wingdings" panose="05000000000000000000" pitchFamily="2" charset="2"/>
               </a:rPr>
               <a:t> </a:t>
             </a:r>
             <a:r>
-              <a:rPr lang="nl-NL" sz="1100" dirty="0" err="1" smtClean="0">
+              <a:rPr lang="nl-NL" sz="1100" dirty="0" err="1">
                 <a:sym typeface="Wingdings" panose="05000000000000000000" pitchFamily="2" charset="2"/>
               </a:rPr>
               <a:t>describe</a:t>
             </a:r>
             <a:r>
-              <a:rPr lang="nl-NL" sz="1100" dirty="0" smtClean="0">
+              <a:rPr lang="nl-NL" sz="1100" dirty="0">
                 <a:sym typeface="Wingdings" panose="05000000000000000000" pitchFamily="2" charset="2"/>
               </a:rPr>
               <a:t> </a:t>
             </a:r>
             <a:r>
-              <a:rPr lang="nl-NL" sz="1100" dirty="0" err="1" smtClean="0">
+              <a:rPr lang="nl-NL" sz="1100" dirty="0" err="1">
                 <a:sym typeface="Wingdings" panose="05000000000000000000" pitchFamily="2" charset="2"/>
               </a:rPr>
               <a:t>behaviour</a:t>
             </a:r>
             <a:r>
-              <a:rPr lang="nl-NL" sz="1100" dirty="0" smtClean="0">
+              <a:rPr lang="nl-NL" sz="1100" dirty="0">
                 <a:sym typeface="Wingdings" panose="05000000000000000000" pitchFamily="2" charset="2"/>
               </a:rPr>
               <a:t>)</a:t>
             </a:r>
-            <a:r>
-              <a:rPr lang="nl-NL" sz="1100" dirty="0" smtClean="0"/>
-              <a:t/>
-            </a:r>
             <a:br>
-              <a:rPr lang="nl-NL" sz="1100" dirty="0" smtClean="0"/>
+              <a:rPr lang="nl-NL" sz="1100" dirty="0"/>
             </a:br>
-            <a:endParaRPr lang="nl-NL" sz="1100" dirty="0" smtClean="0"/>
+            <a:endParaRPr lang="nl-NL" sz="1100" dirty="0"/>
           </a:p>
           <a:p>
             <a:pPr marL="0" indent="0">
@@ -1274,20 +1526,16 @@
               <a:buNone/>
             </a:pPr>
             <a:r>
-              <a:rPr lang="nl-NL" sz="1100" dirty="0" smtClean="0"/>
+              <a:rPr lang="nl-NL" sz="1100" dirty="0"/>
               <a:t>Test-</a:t>
             </a:r>
             <a:r>
-              <a:rPr lang="nl-NL" sz="1100" dirty="0" err="1" smtClean="0"/>
+              <a:rPr lang="nl-NL" sz="1100" dirty="0" err="1"/>
               <a:t>Driven</a:t>
             </a:r>
             <a:r>
-              <a:rPr lang="nl-NL" sz="1100" dirty="0" smtClean="0"/>
-              <a:t> </a:t>
-            </a:r>
-            <a:r>
-              <a:rPr lang="nl-NL" sz="1100" dirty="0" smtClean="0"/>
-              <a:t>Development</a:t>
+              <a:rPr lang="nl-NL" sz="1100" dirty="0"/>
+              <a:t> Development</a:t>
             </a:r>
           </a:p>
         </p:txBody>
@@ -1305,7 +1553,395 @@
 </p:notes>
 </file>
 
-<file path=ppt/notesSlides/notesSlide6.xml><?xml version="1.0" encoding="utf-8"?>
+<file path=ppt/notesSlides/notesSlide7.xml><?xml version="1.0" encoding="utf-8"?>
+<p:notes xmlns:a="http://schemas.openxmlformats.org/drawingml/2006/main" xmlns:r="http://schemas.openxmlformats.org/officeDocument/2006/relationships" xmlns:p="http://schemas.openxmlformats.org/presentationml/2006/main" showMasterSp="0" showMasterPhAnim="0">
+  <p:cSld>
+    <p:spTree>
+      <p:nvGrpSpPr>
+        <p:cNvPr id="1" name="Shape 154"/>
+        <p:cNvGrpSpPr/>
+        <p:nvPr/>
+      </p:nvGrpSpPr>
+      <p:grpSpPr>
+        <a:xfrm>
+          <a:off x="0" y="0"/>
+          <a:ext cx="0" cy="0"/>
+          <a:chOff x="0" y="0"/>
+          <a:chExt cx="0" cy="0"/>
+        </a:xfrm>
+      </p:grpSpPr>
+      <p:sp>
+        <p:nvSpPr>
+          <p:cNvPr id="155" name="Shape 155"/>
+          <p:cNvSpPr>
+            <a:spLocks noGrp="1" noRot="1" noChangeAspect="1"/>
+          </p:cNvSpPr>
+          <p:nvPr>
+            <p:ph type="sldImg" idx="2"/>
+          </p:nvPr>
+        </p:nvSpPr>
+        <p:spPr>
+          <a:xfrm>
+            <a:off x="381000" y="685800"/>
+            <a:ext cx="6096000" cy="3429000"/>
+          </a:xfrm>
+          <a:custGeom>
+            <a:avLst/>
+            <a:gdLst/>
+            <a:ahLst/>
+            <a:cxnLst/>
+            <a:rect l="0" t="0" r="0" b="0"/>
+            <a:pathLst>
+              <a:path w="120000" h="120000" extrusionOk="0">
+                <a:moveTo>
+                  <a:pt x="0" y="0"/>
+                </a:moveTo>
+                <a:lnTo>
+                  <a:pt x="120000" y="0"/>
+                </a:lnTo>
+                <a:lnTo>
+                  <a:pt x="120000" y="120000"/>
+                </a:lnTo>
+                <a:lnTo>
+                  <a:pt x="0" y="120000"/>
+                </a:lnTo>
+                <a:close/>
+              </a:path>
+            </a:pathLst>
+          </a:custGeom>
+        </p:spPr>
+      </p:sp>
+      <p:sp>
+        <p:nvSpPr>
+          <p:cNvPr id="156" name="Shape 156"/>
+          <p:cNvSpPr txBox="1">
+            <a:spLocks noGrp="1"/>
+          </p:cNvSpPr>
+          <p:nvPr>
+            <p:ph type="body" idx="1"/>
+          </p:nvPr>
+        </p:nvSpPr>
+        <p:spPr>
+          <a:xfrm>
+            <a:off x="685800" y="4343400"/>
+            <a:ext cx="5486400" cy="4114800"/>
+          </a:xfrm>
+          <a:prstGeom prst="rect">
+            <a:avLst/>
+          </a:prstGeom>
+        </p:spPr>
+        <p:txBody>
+          <a:bodyPr wrap="square" lIns="91425" tIns="91425" rIns="91425" bIns="91425" anchor="t" anchorCtr="0">
+            <a:noAutofit/>
+          </a:bodyPr>
+          <a:lstStyle/>
+          <a:p>
+            <a:pPr marL="228600" indent="-228600">
+              <a:buFont typeface="Arial" panose="020B0604020202020204" pitchFamily="34" charset="0"/>
+              <a:buAutoNum type="arabicParenR"/>
+            </a:pPr>
+            <a:r>
+              <a:rPr lang="nl-NL" sz="1100" dirty="0" err="1"/>
+              <a:t>Feautre</a:t>
+            </a:r>
+            <a:r>
+              <a:rPr lang="nl-NL" sz="1100" dirty="0"/>
+              <a:t> file </a:t>
+            </a:r>
+            <a:r>
+              <a:rPr lang="nl-NL" sz="1100" dirty="0">
+                <a:sym typeface="Wingdings" pitchFamily="2" charset="2"/>
+              </a:rPr>
+              <a:t>(a feature of </a:t>
+            </a:r>
+            <a:r>
+              <a:rPr lang="nl-NL" sz="1100" dirty="0" err="1">
+                <a:sym typeface="Wingdings" pitchFamily="2" charset="2"/>
+              </a:rPr>
+              <a:t>your</a:t>
+            </a:r>
+            <a:r>
+              <a:rPr lang="nl-NL" sz="1100" dirty="0">
+                <a:sym typeface="Wingdings" pitchFamily="2" charset="2"/>
+              </a:rPr>
+              <a:t> app)  </a:t>
+            </a:r>
+            <a:r>
+              <a:rPr lang="nl-NL" sz="1100" dirty="0" err="1">
+                <a:sym typeface="Wingdings" pitchFamily="2" charset="2"/>
+              </a:rPr>
+              <a:t>scenarios</a:t>
+            </a:r>
+            <a:r>
+              <a:rPr lang="nl-NL" sz="1100" dirty="0">
+                <a:sym typeface="Wingdings" pitchFamily="2" charset="2"/>
+              </a:rPr>
+              <a:t> of a feature </a:t>
+            </a:r>
+            <a:r>
+              <a:rPr lang="nl-NL" sz="1100" dirty="0" err="1">
+                <a:sym typeface="Wingdings" pitchFamily="2" charset="2"/>
+              </a:rPr>
+              <a:t>to</a:t>
+            </a:r>
+            <a:r>
+              <a:rPr lang="nl-NL" sz="1100" dirty="0">
+                <a:sym typeface="Wingdings" pitchFamily="2" charset="2"/>
+              </a:rPr>
+              <a:t> </a:t>
+            </a:r>
+            <a:r>
+              <a:rPr lang="nl-NL" sz="1100" dirty="0" err="1">
+                <a:sym typeface="Wingdings" pitchFamily="2" charset="2"/>
+              </a:rPr>
+              <a:t>describe</a:t>
+            </a:r>
+            <a:r>
+              <a:rPr lang="nl-NL" sz="1100" dirty="0">
+                <a:sym typeface="Wingdings" pitchFamily="2" charset="2"/>
+              </a:rPr>
+              <a:t> </a:t>
+            </a:r>
+            <a:r>
+              <a:rPr lang="nl-NL" sz="1100" dirty="0" err="1">
+                <a:sym typeface="Wingdings" pitchFamily="2" charset="2"/>
+              </a:rPr>
+              <a:t>the</a:t>
+            </a:r>
+            <a:r>
+              <a:rPr lang="nl-NL" sz="1100" dirty="0">
+                <a:sym typeface="Wingdings" pitchFamily="2" charset="2"/>
+              </a:rPr>
+              <a:t> </a:t>
+            </a:r>
+            <a:r>
+              <a:rPr lang="nl-NL" sz="1100" dirty="0" err="1">
+                <a:sym typeface="Wingdings" pitchFamily="2" charset="2"/>
+              </a:rPr>
+              <a:t>behavour</a:t>
+            </a:r>
+            <a:r>
+              <a:rPr lang="nl-NL" sz="1100" dirty="0">
+                <a:sym typeface="Wingdings" pitchFamily="2" charset="2"/>
+              </a:rPr>
+              <a:t>  steps of a scenario (</a:t>
+            </a:r>
+            <a:r>
+              <a:rPr lang="nl-NL" sz="1100" dirty="0" err="1">
+                <a:sym typeface="Wingdings" pitchFamily="2" charset="2"/>
+              </a:rPr>
+              <a:t>given</a:t>
+            </a:r>
+            <a:r>
+              <a:rPr lang="nl-NL" sz="1100" dirty="0">
+                <a:sym typeface="Wingdings" pitchFamily="2" charset="2"/>
+              </a:rPr>
+              <a:t>, </a:t>
+            </a:r>
+            <a:r>
+              <a:rPr lang="nl-NL" sz="1100" dirty="0" err="1">
+                <a:sym typeface="Wingdings" pitchFamily="2" charset="2"/>
+              </a:rPr>
+              <a:t>when</a:t>
+            </a:r>
+            <a:r>
+              <a:rPr lang="nl-NL" sz="1100" dirty="0">
+                <a:sym typeface="Wingdings" pitchFamily="2" charset="2"/>
+              </a:rPr>
+              <a:t>, </a:t>
+            </a:r>
+            <a:r>
+              <a:rPr lang="nl-NL" sz="1100" dirty="0" err="1">
+                <a:sym typeface="Wingdings" pitchFamily="2" charset="2"/>
+              </a:rPr>
+              <a:t>then</a:t>
+            </a:r>
+            <a:r>
+              <a:rPr lang="nl-NL" sz="1100" dirty="0">
+                <a:sym typeface="Wingdings" pitchFamily="2" charset="2"/>
+              </a:rPr>
+              <a:t>)</a:t>
+            </a:r>
+          </a:p>
+          <a:p>
+            <a:pPr marL="228600" indent="-228600">
+              <a:buFont typeface="Arial" panose="020B0604020202020204" pitchFamily="34" charset="0"/>
+              <a:buAutoNum type="arabicParenR"/>
+            </a:pPr>
+            <a:r>
+              <a:rPr lang="nl-NL" sz="1100" dirty="0">
+                <a:sym typeface="Wingdings" pitchFamily="2" charset="2"/>
+              </a:rPr>
+              <a:t>Code </a:t>
+            </a:r>
+            <a:r>
+              <a:rPr lang="nl-NL" sz="1100" dirty="0" err="1">
+                <a:sym typeface="Wingdings" pitchFamily="2" charset="2"/>
+              </a:rPr>
+              <a:t>that</a:t>
+            </a:r>
+            <a:r>
+              <a:rPr lang="nl-NL" sz="1100" dirty="0">
+                <a:sym typeface="Wingdings" pitchFamily="2" charset="2"/>
+              </a:rPr>
+              <a:t> is </a:t>
+            </a:r>
+            <a:r>
+              <a:rPr lang="nl-NL" sz="1100" dirty="0" err="1">
+                <a:sym typeface="Wingdings" pitchFamily="2" charset="2"/>
+              </a:rPr>
+              <a:t>executed</a:t>
+            </a:r>
+            <a:r>
+              <a:rPr lang="nl-NL" sz="1100" dirty="0">
+                <a:sym typeface="Wingdings" pitchFamily="2" charset="2"/>
+              </a:rPr>
+              <a:t> </a:t>
+            </a:r>
+            <a:r>
+              <a:rPr lang="nl-NL" sz="1100" dirty="0" err="1">
+                <a:sym typeface="Wingdings" pitchFamily="2" charset="2"/>
+              </a:rPr>
+              <a:t>for</a:t>
+            </a:r>
+            <a:r>
+              <a:rPr lang="nl-NL" sz="1100" dirty="0">
+                <a:sym typeface="Wingdings" pitchFamily="2" charset="2"/>
+              </a:rPr>
+              <a:t> </a:t>
+            </a:r>
+            <a:r>
+              <a:rPr lang="nl-NL" sz="1100" dirty="0" err="1">
+                <a:sym typeface="Wingdings" pitchFamily="2" charset="2"/>
+              </a:rPr>
+              <a:t>each</a:t>
+            </a:r>
+            <a:r>
+              <a:rPr lang="nl-NL" sz="1100" dirty="0">
+                <a:sym typeface="Wingdings" pitchFamily="2" charset="2"/>
+              </a:rPr>
+              <a:t> step</a:t>
+            </a:r>
+          </a:p>
+          <a:p>
+            <a:pPr marL="228600" indent="-228600">
+              <a:buFont typeface="Arial" panose="020B0604020202020204" pitchFamily="34" charset="0"/>
+              <a:buAutoNum type="arabicParenR"/>
+            </a:pPr>
+            <a:r>
+              <a:rPr lang="nl-NL" sz="1100" dirty="0">
+                <a:sym typeface="Wingdings" pitchFamily="2" charset="2"/>
+              </a:rPr>
+              <a:t>No business code </a:t>
+            </a:r>
+            <a:r>
+              <a:rPr lang="nl-NL" sz="1100" dirty="0" err="1">
+                <a:sym typeface="Wingdings" pitchFamily="2" charset="2"/>
+              </a:rPr>
+              <a:t>yet</a:t>
+            </a:r>
+            <a:endParaRPr lang="nl-NL" sz="1100" dirty="0">
+              <a:sym typeface="Wingdings" pitchFamily="2" charset="2"/>
+            </a:endParaRPr>
+          </a:p>
+          <a:p>
+            <a:pPr marL="228600" indent="-228600">
+              <a:buFont typeface="Arial" panose="020B0604020202020204" pitchFamily="34" charset="0"/>
+              <a:buAutoNum type="arabicParenR"/>
+            </a:pPr>
+            <a:r>
+              <a:rPr lang="nl-NL" sz="1100" dirty="0" err="1">
+                <a:sym typeface="Wingdings" pitchFamily="2" charset="2"/>
+              </a:rPr>
+              <a:t>Actual</a:t>
+            </a:r>
+            <a:r>
+              <a:rPr lang="nl-NL" sz="1100" dirty="0">
+                <a:sym typeface="Wingdings" pitchFamily="2" charset="2"/>
+              </a:rPr>
+              <a:t> code </a:t>
+            </a:r>
+            <a:r>
+              <a:rPr lang="nl-NL" sz="1100" dirty="0" err="1">
+                <a:sym typeface="Wingdings" pitchFamily="2" charset="2"/>
+              </a:rPr>
+              <a:t>being</a:t>
+            </a:r>
+            <a:r>
+              <a:rPr lang="nl-NL" sz="1100" dirty="0">
+                <a:sym typeface="Wingdings" pitchFamily="2" charset="2"/>
+              </a:rPr>
+              <a:t> </a:t>
+            </a:r>
+            <a:r>
+              <a:rPr lang="nl-NL" sz="1100" dirty="0" err="1">
+                <a:sym typeface="Wingdings" pitchFamily="2" charset="2"/>
+              </a:rPr>
+              <a:t>tested</a:t>
+            </a:r>
+            <a:endParaRPr lang="nl-NL" sz="1100" dirty="0">
+              <a:sym typeface="Wingdings" pitchFamily="2" charset="2"/>
+            </a:endParaRPr>
+          </a:p>
+          <a:p>
+            <a:pPr marL="228600" indent="-228600">
+              <a:buFont typeface="Arial" panose="020B0604020202020204" pitchFamily="34" charset="0"/>
+              <a:buAutoNum type="arabicParenR"/>
+            </a:pPr>
+            <a:r>
+              <a:rPr lang="nl-NL" sz="1100" dirty="0" err="1">
+                <a:sym typeface="Wingdings" pitchFamily="2" charset="2"/>
+              </a:rPr>
+              <a:t>If</a:t>
+            </a:r>
+            <a:r>
+              <a:rPr lang="nl-NL" sz="1100" dirty="0">
+                <a:sym typeface="Wingdings" pitchFamily="2" charset="2"/>
+              </a:rPr>
+              <a:t> </a:t>
+            </a:r>
+            <a:r>
+              <a:rPr lang="nl-NL" sz="1100" dirty="0" err="1">
+                <a:sym typeface="Wingdings" pitchFamily="2" charset="2"/>
+              </a:rPr>
+              <a:t>all</a:t>
+            </a:r>
+            <a:r>
+              <a:rPr lang="nl-NL" sz="1100" dirty="0">
+                <a:sym typeface="Wingdings" pitchFamily="2" charset="2"/>
+              </a:rPr>
+              <a:t> </a:t>
+            </a:r>
+            <a:r>
+              <a:rPr lang="nl-NL" sz="1100" dirty="0" err="1">
+                <a:sym typeface="Wingdings" pitchFamily="2" charset="2"/>
+              </a:rPr>
+              <a:t>goes</a:t>
+            </a:r>
+            <a:r>
+              <a:rPr lang="nl-NL" sz="1100" dirty="0">
+                <a:sym typeface="Wingdings" pitchFamily="2" charset="2"/>
+              </a:rPr>
+              <a:t> well</a:t>
+            </a:r>
+            <a:endParaRPr lang="nl-NL" sz="1100" dirty="0"/>
+          </a:p>
+        </p:txBody>
+      </p:sp>
+    </p:spTree>
+    <p:extLst>
+      <p:ext uri="{BB962C8B-B14F-4D97-AF65-F5344CB8AC3E}">
+        <p14:creationId xmlns:p14="http://schemas.microsoft.com/office/powerpoint/2010/main" val="1877202367"/>
+      </p:ext>
+    </p:extLst>
+  </p:cSld>
+  <p:clrMapOvr>
+    <a:masterClrMapping/>
+  </p:clrMapOvr>
+</p:notes>
+</file>
+
+<file path=ppt/notesSlides/notesSlide8.xml><?xml version="1.0" encoding="utf-8"?>
 <p:notes xmlns:a="http://schemas.openxmlformats.org/drawingml/2006/main" xmlns:r="http://schemas.openxmlformats.org/officeDocument/2006/relationships" xmlns:p="http://schemas.openxmlformats.org/presentationml/2006/main" showMasterSp="0" showMasterPhAnim="0">
   <p:cSld>
     <p:spTree>
@@ -1395,15 +2031,15 @@
               <a:buNone/>
             </a:pPr>
             <a:r>
-              <a:rPr lang="nl-NL" dirty="0" err="1" smtClean="0"/>
+              <a:rPr lang="nl-NL" dirty="0" err="1"/>
               <a:t>Stubbing</a:t>
             </a:r>
             <a:r>
-              <a:rPr lang="nl-NL" dirty="0" smtClean="0"/>
+              <a:rPr lang="nl-NL" dirty="0"/>
               <a:t>: </a:t>
             </a:r>
             <a:r>
-              <a:rPr lang="en-US" sz="1100" dirty="0" smtClean="0"/>
+              <a:rPr lang="en-US" sz="1100" dirty="0"/>
               <a:t>serve canned responses to particular requests</a:t>
             </a:r>
           </a:p>
@@ -1415,12 +2051,8 @@
               <a:buNone/>
             </a:pPr>
             <a:r>
-              <a:rPr lang="en-US" sz="1100" dirty="0" smtClean="0"/>
-              <a:t>Verification: incoming requests can be checked </a:t>
-            </a:r>
-            <a:r>
-              <a:rPr lang="en-US" sz="1100" dirty="0" smtClean="0"/>
-              <a:t>later</a:t>
+              <a:rPr lang="en-US" sz="1100" dirty="0"/>
+              <a:t>Verification: incoming requests can be checked later</a:t>
             </a:r>
           </a:p>
           <a:p>
@@ -1431,15 +2063,15 @@
               <a:buNone/>
             </a:pPr>
             <a:r>
-              <a:rPr lang="en-US" sz="1100" dirty="0" err="1" smtClean="0"/>
+              <a:rPr lang="en-US" sz="1100" dirty="0" err="1"/>
               <a:t>Stateful</a:t>
             </a:r>
             <a:r>
-              <a:rPr lang="en-US" sz="1100" dirty="0" smtClean="0"/>
+              <a:rPr lang="en-US" sz="1100" dirty="0"/>
               <a:t>: same request triggers</a:t>
             </a:r>
             <a:r>
-              <a:rPr lang="en-US" sz="1100" baseline="0" dirty="0" smtClean="0"/>
+              <a:rPr lang="en-US" sz="1100" baseline="0" dirty="0"/>
               <a:t> a different response based on previous interactions</a:t>
             </a:r>
           </a:p>
@@ -1450,7 +2082,7 @@
               </a:spcBef>
               <a:buNone/>
             </a:pPr>
-            <a:endParaRPr lang="en-US" sz="1100" baseline="0" dirty="0" smtClean="0"/>
+            <a:endParaRPr lang="en-US" sz="1100" baseline="0" dirty="0"/>
           </a:p>
           <a:p>
             <a:pPr marL="0" lvl="0" indent="0" rtl="0">
@@ -1460,10 +2092,10 @@
               <a:buNone/>
             </a:pPr>
             <a:r>
-              <a:rPr lang="en-US" sz="1100" baseline="0" dirty="0" smtClean="0"/>
+              <a:rPr lang="en-US" sz="1100" baseline="0" dirty="0"/>
               <a:t>Can forward some requests to real services and stub others</a:t>
             </a:r>
-            <a:endParaRPr lang="en-US" sz="1100" dirty="0" smtClean="0"/>
+            <a:endParaRPr lang="en-US" sz="1100" dirty="0"/>
           </a:p>
           <a:p>
             <a:pPr marL="0" lvl="0" indent="0" rtl="0">
@@ -1472,7 +2104,7 @@
               </a:spcBef>
               <a:buNone/>
             </a:pPr>
-            <a:endParaRPr lang="nl-NL" dirty="0" smtClean="0"/>
+            <a:endParaRPr lang="nl-NL" dirty="0"/>
           </a:p>
           <a:p>
             <a:pPr marL="0" lvl="0" indent="0" rtl="0">
@@ -1482,31 +2114,31 @@
               <a:buNone/>
             </a:pPr>
             <a:r>
-              <a:rPr lang="nl-NL" dirty="0" smtClean="0"/>
+              <a:rPr lang="nl-NL" dirty="0"/>
               <a:t>Rules are no </a:t>
             </a:r>
             <a:r>
-              <a:rPr lang="nl-NL" dirty="0" err="1" smtClean="0"/>
+              <a:rPr lang="nl-NL" dirty="0" err="1"/>
               <a:t>longer</a:t>
             </a:r>
             <a:r>
-              <a:rPr lang="nl-NL" dirty="0" smtClean="0"/>
+              <a:rPr lang="nl-NL" dirty="0"/>
               <a:t> </a:t>
             </a:r>
             <a:r>
-              <a:rPr lang="nl-NL" dirty="0" err="1" smtClean="0"/>
+              <a:rPr lang="nl-NL" dirty="0" err="1"/>
               <a:t>supported</a:t>
             </a:r>
             <a:r>
-              <a:rPr lang="nl-NL" dirty="0" smtClean="0"/>
+              <a:rPr lang="nl-NL" dirty="0"/>
               <a:t> in </a:t>
             </a:r>
             <a:r>
-              <a:rPr lang="nl-NL" dirty="0" err="1" smtClean="0"/>
+              <a:rPr lang="nl-NL" dirty="0" err="1"/>
               <a:t>JUnit</a:t>
             </a:r>
             <a:r>
-              <a:rPr lang="nl-NL" dirty="0" smtClean="0"/>
+              <a:rPr lang="nl-NL" dirty="0"/>
               <a:t> 5!</a:t>
             </a:r>
             <a:endParaRPr dirty="0"/>
@@ -1526,7 +2158,7 @@
 </p:notes>
 </file>
 
-<file path=ppt/notesSlides/notesSlide7.xml><?xml version="1.0" encoding="utf-8"?>
+<file path=ppt/notesSlides/notesSlide9.xml><?xml version="1.0" encoding="utf-8"?>
 <p:notes xmlns:a="http://schemas.openxmlformats.org/drawingml/2006/main" xmlns:r="http://schemas.openxmlformats.org/officeDocument/2006/relationships" xmlns:p="http://schemas.openxmlformats.org/presentationml/2006/main" showMasterSp="0" showMasterPhAnim="0">
   <p:cSld>
     <p:spTree>
@@ -1622,113 +2254,7 @@
     </p:spTree>
     <p:extLst>
       <p:ext uri="{BB962C8B-B14F-4D97-AF65-F5344CB8AC3E}">
-        <p14:creationId xmlns:p14="http://schemas.microsoft.com/office/powerpoint/2010/main" val="2849300739"/>
-      </p:ext>
-    </p:extLst>
-  </p:cSld>
-  <p:clrMapOvr>
-    <a:masterClrMapping/>
-  </p:clrMapOvr>
-</p:notes>
-</file>
-
-<file path=ppt/notesSlides/notesSlide8.xml><?xml version="1.0" encoding="utf-8"?>
-<p:notes xmlns:a="http://schemas.openxmlformats.org/drawingml/2006/main" xmlns:r="http://schemas.openxmlformats.org/officeDocument/2006/relationships" xmlns:p="http://schemas.openxmlformats.org/presentationml/2006/main" showMasterSp="0" showMasterPhAnim="0">
-  <p:cSld>
-    <p:spTree>
-      <p:nvGrpSpPr>
-        <p:cNvPr id="1" name="Shape 185"/>
-        <p:cNvGrpSpPr/>
-        <p:nvPr/>
-      </p:nvGrpSpPr>
-      <p:grpSpPr>
-        <a:xfrm>
-          <a:off x="0" y="0"/>
-          <a:ext cx="0" cy="0"/>
-          <a:chOff x="0" y="0"/>
-          <a:chExt cx="0" cy="0"/>
-        </a:xfrm>
-      </p:grpSpPr>
-      <p:sp>
-        <p:nvSpPr>
-          <p:cNvPr id="186" name="Shape 186"/>
-          <p:cNvSpPr>
-            <a:spLocks noGrp="1" noRot="1" noChangeAspect="1"/>
-          </p:cNvSpPr>
-          <p:nvPr>
-            <p:ph type="sldImg" idx="2"/>
-          </p:nvPr>
-        </p:nvSpPr>
-        <p:spPr>
-          <a:xfrm>
-            <a:off x="381000" y="685800"/>
-            <a:ext cx="6096000" cy="3429000"/>
-          </a:xfrm>
-          <a:custGeom>
-            <a:avLst/>
-            <a:gdLst/>
-            <a:ahLst/>
-            <a:cxnLst/>
-            <a:rect l="0" t="0" r="0" b="0"/>
-            <a:pathLst>
-              <a:path w="120000" h="120000" extrusionOk="0">
-                <a:moveTo>
-                  <a:pt x="0" y="0"/>
-                </a:moveTo>
-                <a:lnTo>
-                  <a:pt x="120000" y="0"/>
-                </a:lnTo>
-                <a:lnTo>
-                  <a:pt x="120000" y="120000"/>
-                </a:lnTo>
-                <a:lnTo>
-                  <a:pt x="0" y="120000"/>
-                </a:lnTo>
-                <a:close/>
-              </a:path>
-            </a:pathLst>
-          </a:custGeom>
-        </p:spPr>
-      </p:sp>
-      <p:sp>
-        <p:nvSpPr>
-          <p:cNvPr id="187" name="Shape 187"/>
-          <p:cNvSpPr txBox="1">
-            <a:spLocks noGrp="1"/>
-          </p:cNvSpPr>
-          <p:nvPr>
-            <p:ph type="body" idx="1"/>
-          </p:nvPr>
-        </p:nvSpPr>
-        <p:spPr>
-          <a:xfrm>
-            <a:off x="685800" y="4343400"/>
-            <a:ext cx="5486400" cy="4114800"/>
-          </a:xfrm>
-          <a:prstGeom prst="rect">
-            <a:avLst/>
-          </a:prstGeom>
-        </p:spPr>
-        <p:txBody>
-          <a:bodyPr wrap="square" lIns="91425" tIns="91425" rIns="91425" bIns="91425" anchor="t" anchorCtr="0">
-            <a:noAutofit/>
-          </a:bodyPr>
-          <a:lstStyle/>
-          <a:p>
-            <a:pPr marL="0" lvl="0" indent="0" rtl="0">
-              <a:spcBef>
-                <a:spcPts val="0"/>
-              </a:spcBef>
-              <a:buNone/>
-            </a:pPr>
-            <a:endParaRPr/>
-          </a:p>
-        </p:txBody>
-      </p:sp>
-    </p:spTree>
-    <p:extLst>
-      <p:ext uri="{BB962C8B-B14F-4D97-AF65-F5344CB8AC3E}">
-        <p14:creationId xmlns:p14="http://schemas.microsoft.com/office/powerpoint/2010/main" val="2114643431"/>
+        <p14:creationId xmlns:p14="http://schemas.microsoft.com/office/powerpoint/2010/main" val="2365136026"/>
       </p:ext>
     </p:extLst>
   </p:cSld>
@@ -2273,1019 +2799,6 @@
 </file>
 
 <file path=ppt/slideLayouts/slideLayout10.xml><?xml version="1.0" encoding="utf-8"?>
-<p:sldLayout xmlns:a="http://schemas.openxmlformats.org/drawingml/2006/main" xmlns:r="http://schemas.openxmlformats.org/officeDocument/2006/relationships" xmlns:p="http://schemas.openxmlformats.org/presentationml/2006/main">
-  <p:cSld name="Big number">
-    <p:spTree>
-      <p:nvGrpSpPr>
-        <p:cNvPr id="1" name="Shape 105"/>
-        <p:cNvGrpSpPr/>
-        <p:nvPr/>
-      </p:nvGrpSpPr>
-      <p:grpSpPr>
-        <a:xfrm>
-          <a:off x="0" y="0"/>
-          <a:ext cx="0" cy="0"/>
-          <a:chOff x="0" y="0"/>
-          <a:chExt cx="0" cy="0"/>
-        </a:xfrm>
-      </p:grpSpPr>
-      <p:grpSp>
-        <p:nvGrpSpPr>
-          <p:cNvPr id="106" name="Shape 106"/>
-          <p:cNvGrpSpPr/>
-          <p:nvPr/>
-        </p:nvGrpSpPr>
-        <p:grpSpPr>
-          <a:xfrm>
-            <a:off x="4406400" y="0"/>
-            <a:ext cx="4737600" cy="5143065"/>
-            <a:chOff x="4406400" y="0"/>
-            <a:chExt cx="4737600" cy="5143065"/>
-          </a:xfrm>
-        </p:grpSpPr>
-        <p:sp>
-          <p:nvSpPr>
-            <p:cNvPr id="107" name="Shape 107"/>
-            <p:cNvSpPr/>
-            <p:nvPr/>
-          </p:nvSpPr>
-          <p:spPr>
-            <a:xfrm rot="5400000">
-              <a:off x="4408200" y="-1800"/>
-              <a:ext cx="4734000" cy="4737600"/>
-            </a:xfrm>
-            <a:prstGeom prst="diagStripe">
-              <a:avLst>
-                <a:gd name="adj" fmla="val 49469"/>
-              </a:avLst>
-            </a:prstGeom>
-            <a:solidFill>
-              <a:schemeClr val="lt1">
-                <a:alpha val="3460"/>
-              </a:schemeClr>
-            </a:solidFill>
-            <a:ln>
-              <a:noFill/>
-            </a:ln>
-          </p:spPr>
-          <p:txBody>
-            <a:bodyPr wrap="square" lIns="91425" tIns="91425" rIns="91425" bIns="91425" anchor="ctr" anchorCtr="0">
-              <a:noAutofit/>
-            </a:bodyPr>
-            <a:lstStyle/>
-            <a:p>
-              <a:pPr marL="0" lvl="0" indent="0">
-                <a:spcBef>
-                  <a:spcPts val="0"/>
-                </a:spcBef>
-                <a:buNone/>
-              </a:pPr>
-              <a:endParaRPr/>
-            </a:p>
-          </p:txBody>
-        </p:sp>
-        <p:sp>
-          <p:nvSpPr>
-            <p:cNvPr id="108" name="Shape 108"/>
-            <p:cNvSpPr/>
-            <p:nvPr/>
-          </p:nvSpPr>
-          <p:spPr>
-            <a:xfrm rot="5400000">
-              <a:off x="4841125" y="5700"/>
-              <a:ext cx="4298100" cy="4286700"/>
-            </a:xfrm>
-            <a:prstGeom prst="diagStripe">
-              <a:avLst>
-                <a:gd name="adj" fmla="val 0"/>
-              </a:avLst>
-            </a:prstGeom>
-            <a:solidFill>
-              <a:schemeClr val="lt1">
-                <a:alpha val="3460"/>
-              </a:schemeClr>
-            </a:solidFill>
-            <a:ln>
-              <a:noFill/>
-            </a:ln>
-          </p:spPr>
-          <p:txBody>
-            <a:bodyPr wrap="square" lIns="91425" tIns="91425" rIns="91425" bIns="91425" anchor="ctr" anchorCtr="0">
-              <a:noAutofit/>
-            </a:bodyPr>
-            <a:lstStyle/>
-            <a:p>
-              <a:pPr marL="0" lvl="0" indent="0">
-                <a:spcBef>
-                  <a:spcPts val="0"/>
-                </a:spcBef>
-                <a:buNone/>
-              </a:pPr>
-              <a:endParaRPr/>
-            </a:p>
-          </p:txBody>
-        </p:sp>
-        <p:sp>
-          <p:nvSpPr>
-            <p:cNvPr id="109" name="Shape 109"/>
-            <p:cNvSpPr/>
-            <p:nvPr/>
-          </p:nvSpPr>
-          <p:spPr>
-            <a:xfrm rot="-5400000">
-              <a:off x="5618399" y="1236468"/>
-              <a:ext cx="808800" cy="808800"/>
-            </a:xfrm>
-            <a:prstGeom prst="diagStripe">
-              <a:avLst>
-                <a:gd name="adj" fmla="val 50000"/>
-              </a:avLst>
-            </a:prstGeom>
-            <a:solidFill>
-              <a:schemeClr val="lt1">
-                <a:alpha val="7310"/>
-              </a:schemeClr>
-            </a:solidFill>
-            <a:ln>
-              <a:noFill/>
-            </a:ln>
-          </p:spPr>
-          <p:txBody>
-            <a:bodyPr wrap="square" lIns="91425" tIns="91425" rIns="91425" bIns="91425" anchor="ctr" anchorCtr="0">
-              <a:noAutofit/>
-            </a:bodyPr>
-            <a:lstStyle/>
-            <a:p>
-              <a:pPr marL="0" lvl="0" indent="0">
-                <a:spcBef>
-                  <a:spcPts val="0"/>
-                </a:spcBef>
-                <a:buNone/>
-              </a:pPr>
-              <a:endParaRPr/>
-            </a:p>
-          </p:txBody>
-        </p:sp>
-        <p:sp>
-          <p:nvSpPr>
-            <p:cNvPr id="110" name="Shape 110"/>
-            <p:cNvSpPr/>
-            <p:nvPr/>
-          </p:nvSpPr>
-          <p:spPr>
-            <a:xfrm flipH="1">
-              <a:off x="5849857" y="1443956"/>
-              <a:ext cx="808800" cy="808800"/>
-            </a:xfrm>
-            <a:prstGeom prst="diagStripe">
-              <a:avLst>
-                <a:gd name="adj" fmla="val 50000"/>
-              </a:avLst>
-            </a:prstGeom>
-            <a:solidFill>
-              <a:schemeClr val="lt1">
-                <a:alpha val="7310"/>
-              </a:schemeClr>
-            </a:solidFill>
-            <a:ln>
-              <a:noFill/>
-            </a:ln>
-          </p:spPr>
-          <p:txBody>
-            <a:bodyPr wrap="square" lIns="91425" tIns="91425" rIns="91425" bIns="91425" anchor="ctr" anchorCtr="0">
-              <a:noAutofit/>
-            </a:bodyPr>
-            <a:lstStyle/>
-            <a:p>
-              <a:pPr marL="0" lvl="0" indent="0">
-                <a:spcBef>
-                  <a:spcPts val="0"/>
-                </a:spcBef>
-                <a:buNone/>
-              </a:pPr>
-              <a:endParaRPr/>
-            </a:p>
-          </p:txBody>
-        </p:sp>
-        <p:sp>
-          <p:nvSpPr>
-            <p:cNvPr id="111" name="Shape 111"/>
-            <p:cNvSpPr/>
-            <p:nvPr/>
-          </p:nvSpPr>
-          <p:spPr>
-            <a:xfrm rot="-5400000">
-              <a:off x="5987081" y="2469465"/>
-              <a:ext cx="808800" cy="808800"/>
-            </a:xfrm>
-            <a:prstGeom prst="diagStripe">
-              <a:avLst>
-                <a:gd name="adj" fmla="val 50000"/>
-              </a:avLst>
-            </a:prstGeom>
-            <a:solidFill>
-              <a:schemeClr val="lt1">
-                <a:alpha val="7310"/>
-              </a:schemeClr>
-            </a:solidFill>
-            <a:ln>
-              <a:noFill/>
-            </a:ln>
-          </p:spPr>
-          <p:txBody>
-            <a:bodyPr wrap="square" lIns="91425" tIns="91425" rIns="91425" bIns="91425" anchor="ctr" anchorCtr="0">
-              <a:noAutofit/>
-            </a:bodyPr>
-            <a:lstStyle/>
-            <a:p>
-              <a:pPr marL="0" lvl="0" indent="0">
-                <a:spcBef>
-                  <a:spcPts val="0"/>
-                </a:spcBef>
-                <a:buNone/>
-              </a:pPr>
-              <a:endParaRPr/>
-            </a:p>
-          </p:txBody>
-        </p:sp>
-        <p:sp>
-          <p:nvSpPr>
-            <p:cNvPr id="112" name="Shape 112"/>
-            <p:cNvSpPr/>
-            <p:nvPr/>
-          </p:nvSpPr>
-          <p:spPr>
-            <a:xfrm flipH="1">
-              <a:off x="6222115" y="2676953"/>
-              <a:ext cx="808800" cy="808800"/>
-            </a:xfrm>
-            <a:prstGeom prst="diagStripe">
-              <a:avLst>
-                <a:gd name="adj" fmla="val 50000"/>
-              </a:avLst>
-            </a:prstGeom>
-            <a:solidFill>
-              <a:schemeClr val="lt1">
-                <a:alpha val="7310"/>
-              </a:schemeClr>
-            </a:solidFill>
-            <a:ln>
-              <a:noFill/>
-            </a:ln>
-          </p:spPr>
-          <p:txBody>
-            <a:bodyPr wrap="square" lIns="91425" tIns="91425" rIns="91425" bIns="91425" anchor="ctr" anchorCtr="0">
-              <a:noAutofit/>
-            </a:bodyPr>
-            <a:lstStyle/>
-            <a:p>
-              <a:pPr marL="0" lvl="0" indent="0">
-                <a:spcBef>
-                  <a:spcPts val="0"/>
-                </a:spcBef>
-                <a:buNone/>
-              </a:pPr>
-              <a:endParaRPr/>
-            </a:p>
-          </p:txBody>
-        </p:sp>
-        <p:sp>
-          <p:nvSpPr>
-            <p:cNvPr id="113" name="Shape 113"/>
-            <p:cNvSpPr/>
-            <p:nvPr/>
-          </p:nvSpPr>
-          <p:spPr>
-            <a:xfrm rot="-5400000">
-              <a:off x="6675341" y="1862018"/>
-              <a:ext cx="808800" cy="808800"/>
-            </a:xfrm>
-            <a:prstGeom prst="diagStripe">
-              <a:avLst>
-                <a:gd name="adj" fmla="val 50000"/>
-              </a:avLst>
-            </a:prstGeom>
-            <a:solidFill>
-              <a:schemeClr val="lt1">
-                <a:alpha val="7310"/>
-              </a:schemeClr>
-            </a:solidFill>
-            <a:ln>
-              <a:noFill/>
-            </a:ln>
-          </p:spPr>
-          <p:txBody>
-            <a:bodyPr wrap="square" lIns="91425" tIns="91425" rIns="91425" bIns="91425" anchor="ctr" anchorCtr="0">
-              <a:noAutofit/>
-            </a:bodyPr>
-            <a:lstStyle/>
-            <a:p>
-              <a:pPr marL="0" lvl="0" indent="0">
-                <a:spcBef>
-                  <a:spcPts val="0"/>
-                </a:spcBef>
-                <a:buNone/>
-              </a:pPr>
-              <a:endParaRPr/>
-            </a:p>
-          </p:txBody>
-        </p:sp>
-        <p:sp>
-          <p:nvSpPr>
-            <p:cNvPr id="114" name="Shape 114"/>
-            <p:cNvSpPr/>
-            <p:nvPr/>
-          </p:nvSpPr>
-          <p:spPr>
-            <a:xfrm flipH="1">
-              <a:off x="6908099" y="2069505"/>
-              <a:ext cx="808800" cy="808800"/>
-            </a:xfrm>
-            <a:prstGeom prst="diagStripe">
-              <a:avLst>
-                <a:gd name="adj" fmla="val 50000"/>
-              </a:avLst>
-            </a:prstGeom>
-            <a:solidFill>
-              <a:schemeClr val="lt2"/>
-            </a:solidFill>
-            <a:ln>
-              <a:noFill/>
-            </a:ln>
-          </p:spPr>
-          <p:txBody>
-            <a:bodyPr wrap="square" lIns="91425" tIns="91425" rIns="91425" bIns="91425" anchor="ctr" anchorCtr="0">
-              <a:noAutofit/>
-            </a:bodyPr>
-            <a:lstStyle/>
-            <a:p>
-              <a:pPr marL="0" lvl="0" indent="0">
-                <a:spcBef>
-                  <a:spcPts val="0"/>
-                </a:spcBef>
-                <a:buNone/>
-              </a:pPr>
-              <a:endParaRPr/>
-            </a:p>
-          </p:txBody>
-        </p:sp>
-        <p:sp>
-          <p:nvSpPr>
-            <p:cNvPr id="115" name="Shape 115"/>
-            <p:cNvSpPr/>
-            <p:nvPr/>
-          </p:nvSpPr>
-          <p:spPr>
-            <a:xfrm rot="-5400000">
-              <a:off x="6861141" y="2477810"/>
-              <a:ext cx="808800" cy="808800"/>
-            </a:xfrm>
-            <a:prstGeom prst="diagStripe">
-              <a:avLst>
-                <a:gd name="adj" fmla="val 50000"/>
-              </a:avLst>
-            </a:prstGeom>
-            <a:solidFill>
-              <a:schemeClr val="lt1">
-                <a:alpha val="7310"/>
-              </a:schemeClr>
-            </a:solidFill>
-            <a:ln>
-              <a:noFill/>
-            </a:ln>
-          </p:spPr>
-          <p:txBody>
-            <a:bodyPr wrap="square" lIns="91425" tIns="91425" rIns="91425" bIns="91425" anchor="ctr" anchorCtr="0">
-              <a:noAutofit/>
-            </a:bodyPr>
-            <a:lstStyle/>
-            <a:p>
-              <a:pPr marL="0" lvl="0" indent="0">
-                <a:spcBef>
-                  <a:spcPts val="0"/>
-                </a:spcBef>
-                <a:buNone/>
-              </a:pPr>
-              <a:endParaRPr/>
-            </a:p>
-          </p:txBody>
-        </p:sp>
-        <p:sp>
-          <p:nvSpPr>
-            <p:cNvPr id="116" name="Shape 116"/>
-            <p:cNvSpPr/>
-            <p:nvPr/>
-          </p:nvSpPr>
-          <p:spPr>
-            <a:xfrm flipH="1">
-              <a:off x="7965266" y="2692963"/>
-              <a:ext cx="808800" cy="808800"/>
-            </a:xfrm>
-            <a:prstGeom prst="diagStripe">
-              <a:avLst>
-                <a:gd name="adj" fmla="val 50000"/>
-              </a:avLst>
-            </a:prstGeom>
-            <a:solidFill>
-              <a:schemeClr val="lt1">
-                <a:alpha val="7310"/>
-              </a:schemeClr>
-            </a:solidFill>
-            <a:ln>
-              <a:noFill/>
-            </a:ln>
-          </p:spPr>
-          <p:txBody>
-            <a:bodyPr wrap="square" lIns="91425" tIns="91425" rIns="91425" bIns="91425" anchor="ctr" anchorCtr="0">
-              <a:noAutofit/>
-            </a:bodyPr>
-            <a:lstStyle/>
-            <a:p>
-              <a:pPr marL="0" lvl="0" indent="0">
-                <a:spcBef>
-                  <a:spcPts val="0"/>
-                </a:spcBef>
-                <a:buNone/>
-              </a:pPr>
-              <a:endParaRPr/>
-            </a:p>
-          </p:txBody>
-        </p:sp>
-        <p:sp>
-          <p:nvSpPr>
-            <p:cNvPr id="117" name="Shape 117"/>
-            <p:cNvSpPr/>
-            <p:nvPr/>
-          </p:nvSpPr>
-          <p:spPr>
-            <a:xfrm flipH="1">
-              <a:off x="8145082" y="3308755"/>
-              <a:ext cx="808800" cy="808800"/>
-            </a:xfrm>
-            <a:prstGeom prst="diagStripe">
-              <a:avLst>
-                <a:gd name="adj" fmla="val 50000"/>
-              </a:avLst>
-            </a:prstGeom>
-            <a:solidFill>
-              <a:schemeClr val="lt1">
-                <a:alpha val="7310"/>
-              </a:schemeClr>
-            </a:solidFill>
-            <a:ln>
-              <a:noFill/>
-            </a:ln>
-          </p:spPr>
-          <p:txBody>
-            <a:bodyPr wrap="square" lIns="91425" tIns="91425" rIns="91425" bIns="91425" anchor="ctr" anchorCtr="0">
-              <a:noAutofit/>
-            </a:bodyPr>
-            <a:lstStyle/>
-            <a:p>
-              <a:pPr marL="0" lvl="0" indent="0">
-                <a:spcBef>
-                  <a:spcPts val="0"/>
-                </a:spcBef>
-                <a:buNone/>
-              </a:pPr>
-              <a:endParaRPr/>
-            </a:p>
-          </p:txBody>
-        </p:sp>
-        <p:sp>
-          <p:nvSpPr>
-            <p:cNvPr id="118" name="Shape 118"/>
-            <p:cNvSpPr/>
-            <p:nvPr/>
-          </p:nvSpPr>
-          <p:spPr>
-            <a:xfrm rot="-5400000">
-              <a:off x="7047599" y="3095015"/>
-              <a:ext cx="808800" cy="808800"/>
-            </a:xfrm>
-            <a:prstGeom prst="diagStripe">
-              <a:avLst>
-                <a:gd name="adj" fmla="val 50000"/>
-              </a:avLst>
-            </a:prstGeom>
-            <a:solidFill>
-              <a:schemeClr val="lt1">
-                <a:alpha val="7310"/>
-              </a:schemeClr>
-            </a:solidFill>
-            <a:ln>
-              <a:noFill/>
-            </a:ln>
-          </p:spPr>
-          <p:txBody>
-            <a:bodyPr wrap="square" lIns="91425" tIns="91425" rIns="91425" bIns="91425" anchor="ctr" anchorCtr="0">
-              <a:noAutofit/>
-            </a:bodyPr>
-            <a:lstStyle/>
-            <a:p>
-              <a:pPr marL="0" lvl="0" indent="0">
-                <a:spcBef>
-                  <a:spcPts val="0"/>
-                </a:spcBef>
-                <a:buNone/>
-              </a:pPr>
-              <a:endParaRPr/>
-            </a:p>
-          </p:txBody>
-        </p:sp>
-        <p:sp>
-          <p:nvSpPr>
-            <p:cNvPr id="119" name="Shape 119"/>
-            <p:cNvSpPr/>
-            <p:nvPr/>
-          </p:nvSpPr>
-          <p:spPr>
-            <a:xfrm flipH="1">
-              <a:off x="7276649" y="3302502"/>
-              <a:ext cx="808800" cy="808800"/>
-            </a:xfrm>
-            <a:prstGeom prst="diagStripe">
-              <a:avLst>
-                <a:gd name="adj" fmla="val 50000"/>
-              </a:avLst>
-            </a:prstGeom>
-            <a:solidFill>
-              <a:schemeClr val="lt1">
-                <a:alpha val="7310"/>
-              </a:schemeClr>
-            </a:solidFill>
-            <a:ln>
-              <a:noFill/>
-            </a:ln>
-          </p:spPr>
-          <p:txBody>
-            <a:bodyPr wrap="square" lIns="91425" tIns="91425" rIns="91425" bIns="91425" anchor="ctr" anchorCtr="0">
-              <a:noAutofit/>
-            </a:bodyPr>
-            <a:lstStyle/>
-            <a:p>
-              <a:pPr marL="0" lvl="0" indent="0">
-                <a:spcBef>
-                  <a:spcPts val="0"/>
-                </a:spcBef>
-                <a:buNone/>
-              </a:pPr>
-              <a:endParaRPr/>
-            </a:p>
-          </p:txBody>
-        </p:sp>
-        <p:sp>
-          <p:nvSpPr>
-            <p:cNvPr id="120" name="Shape 120"/>
-            <p:cNvSpPr/>
-            <p:nvPr/>
-          </p:nvSpPr>
-          <p:spPr>
-            <a:xfrm rot="-5400000">
-              <a:off x="7227414" y="3710807"/>
-              <a:ext cx="808800" cy="808800"/>
-            </a:xfrm>
-            <a:prstGeom prst="diagStripe">
-              <a:avLst>
-                <a:gd name="adj" fmla="val 50000"/>
-              </a:avLst>
-            </a:prstGeom>
-            <a:solidFill>
-              <a:schemeClr val="accent1"/>
-            </a:solidFill>
-            <a:ln>
-              <a:noFill/>
-            </a:ln>
-          </p:spPr>
-          <p:txBody>
-            <a:bodyPr wrap="square" lIns="91425" tIns="91425" rIns="91425" bIns="91425" anchor="ctr" anchorCtr="0">
-              <a:noAutofit/>
-            </a:bodyPr>
-            <a:lstStyle/>
-            <a:p>
-              <a:pPr marL="0" lvl="0" indent="0">
-                <a:spcBef>
-                  <a:spcPts val="0"/>
-                </a:spcBef>
-                <a:buNone/>
-              </a:pPr>
-              <a:endParaRPr/>
-            </a:p>
-          </p:txBody>
-        </p:sp>
-        <p:sp>
-          <p:nvSpPr>
-            <p:cNvPr id="121" name="Shape 121"/>
-            <p:cNvSpPr/>
-            <p:nvPr/>
-          </p:nvSpPr>
-          <p:spPr>
-            <a:xfrm flipH="1">
-              <a:off x="7462448" y="3918294"/>
-              <a:ext cx="808800" cy="808800"/>
-            </a:xfrm>
-            <a:prstGeom prst="diagStripe">
-              <a:avLst>
-                <a:gd name="adj" fmla="val 50000"/>
-              </a:avLst>
-            </a:prstGeom>
-            <a:solidFill>
-              <a:schemeClr val="lt1">
-                <a:alpha val="7310"/>
-              </a:schemeClr>
-            </a:solidFill>
-            <a:ln>
-              <a:noFill/>
-            </a:ln>
-          </p:spPr>
-          <p:txBody>
-            <a:bodyPr wrap="square" lIns="91425" tIns="91425" rIns="91425" bIns="91425" anchor="ctr" anchorCtr="0">
-              <a:noAutofit/>
-            </a:bodyPr>
-            <a:lstStyle/>
-            <a:p>
-              <a:pPr marL="0" lvl="0" indent="0">
-                <a:spcBef>
-                  <a:spcPts val="0"/>
-                </a:spcBef>
-                <a:buNone/>
-              </a:pPr>
-              <a:endParaRPr/>
-            </a:p>
-          </p:txBody>
-        </p:sp>
-        <p:sp>
-          <p:nvSpPr>
-            <p:cNvPr id="122" name="Shape 122"/>
-            <p:cNvSpPr/>
-            <p:nvPr/>
-          </p:nvSpPr>
-          <p:spPr>
-            <a:xfrm rot="-5400000">
-              <a:off x="8102491" y="3718473"/>
-              <a:ext cx="808800" cy="808800"/>
-            </a:xfrm>
-            <a:prstGeom prst="diagStripe">
-              <a:avLst>
-                <a:gd name="adj" fmla="val 50000"/>
-              </a:avLst>
-            </a:prstGeom>
-            <a:solidFill>
-              <a:schemeClr val="lt1">
-                <a:alpha val="7310"/>
-              </a:schemeClr>
-            </a:solidFill>
-            <a:ln>
-              <a:noFill/>
-            </a:ln>
-          </p:spPr>
-          <p:txBody>
-            <a:bodyPr wrap="square" lIns="91425" tIns="91425" rIns="91425" bIns="91425" anchor="ctr" anchorCtr="0">
-              <a:noAutofit/>
-            </a:bodyPr>
-            <a:lstStyle/>
-            <a:p>
-              <a:pPr marL="0" lvl="0" indent="0">
-                <a:spcBef>
-                  <a:spcPts val="0"/>
-                </a:spcBef>
-                <a:buNone/>
-              </a:pPr>
-              <a:endParaRPr/>
-            </a:p>
-          </p:txBody>
-        </p:sp>
-        <p:sp>
-          <p:nvSpPr>
-            <p:cNvPr id="123" name="Shape 123"/>
-            <p:cNvSpPr/>
-            <p:nvPr/>
-          </p:nvSpPr>
-          <p:spPr>
-            <a:xfrm flipH="1">
-              <a:off x="8334533" y="3925960"/>
-              <a:ext cx="808800" cy="808800"/>
-            </a:xfrm>
-            <a:prstGeom prst="diagStripe">
-              <a:avLst>
-                <a:gd name="adj" fmla="val 50000"/>
-              </a:avLst>
-            </a:prstGeom>
-            <a:solidFill>
-              <a:schemeClr val="lt1">
-                <a:alpha val="7310"/>
-              </a:schemeClr>
-            </a:solidFill>
-            <a:ln>
-              <a:noFill/>
-            </a:ln>
-          </p:spPr>
-          <p:txBody>
-            <a:bodyPr wrap="square" lIns="91425" tIns="91425" rIns="91425" bIns="91425" anchor="ctr" anchorCtr="0">
-              <a:noAutofit/>
-            </a:bodyPr>
-            <a:lstStyle/>
-            <a:p>
-              <a:pPr marL="0" lvl="0" indent="0">
-                <a:spcBef>
-                  <a:spcPts val="0"/>
-                </a:spcBef>
-                <a:buNone/>
-              </a:pPr>
-              <a:endParaRPr/>
-            </a:p>
-          </p:txBody>
-        </p:sp>
-        <p:sp>
-          <p:nvSpPr>
-            <p:cNvPr id="124" name="Shape 124"/>
-            <p:cNvSpPr/>
-            <p:nvPr/>
-          </p:nvSpPr>
-          <p:spPr>
-            <a:xfrm rot="-5400000">
-              <a:off x="8288290" y="4334265"/>
-              <a:ext cx="808800" cy="808800"/>
-            </a:xfrm>
-            <a:prstGeom prst="diagStripe">
-              <a:avLst>
-                <a:gd name="adj" fmla="val 50000"/>
-              </a:avLst>
-            </a:prstGeom>
-            <a:solidFill>
-              <a:schemeClr val="lt1">
-                <a:alpha val="7310"/>
-              </a:schemeClr>
-            </a:solidFill>
-            <a:ln>
-              <a:noFill/>
-            </a:ln>
-          </p:spPr>
-          <p:txBody>
-            <a:bodyPr wrap="square" lIns="91425" tIns="91425" rIns="91425" bIns="91425" anchor="ctr" anchorCtr="0">
-              <a:noAutofit/>
-            </a:bodyPr>
-            <a:lstStyle/>
-            <a:p>
-              <a:pPr marL="0" lvl="0" indent="0">
-                <a:spcBef>
-                  <a:spcPts val="0"/>
-                </a:spcBef>
-                <a:buNone/>
-              </a:pPr>
-              <a:endParaRPr/>
-            </a:p>
-          </p:txBody>
-        </p:sp>
-      </p:grpSp>
-      <p:sp>
-        <p:nvSpPr>
-          <p:cNvPr id="125" name="Shape 125"/>
-          <p:cNvSpPr txBox="1">
-            <a:spLocks noGrp="1"/>
-          </p:cNvSpPr>
-          <p:nvPr>
-            <p:ph type="title"/>
-          </p:nvPr>
-        </p:nvSpPr>
-        <p:spPr>
-          <a:xfrm>
-            <a:off x="823850" y="1284675"/>
-            <a:ext cx="4776000" cy="1300800"/>
-          </a:xfrm>
-          <a:prstGeom prst="rect">
-            <a:avLst/>
-          </a:prstGeom>
-        </p:spPr>
-        <p:txBody>
-          <a:bodyPr wrap="square" lIns="91425" tIns="91425" rIns="91425" bIns="91425" anchor="t" anchorCtr="0"/>
-          <a:lstStyle>
-            <a:lvl1pPr lvl="0">
-              <a:spcBef>
-                <a:spcPts val="0"/>
-              </a:spcBef>
-              <a:buSzPts val="8000"/>
-              <a:buNone/>
-              <a:defRPr sz="8000"/>
-            </a:lvl1pPr>
-            <a:lvl2pPr lvl="1">
-              <a:spcBef>
-                <a:spcPts val="0"/>
-              </a:spcBef>
-              <a:buSzPts val="8000"/>
-              <a:buNone/>
-              <a:defRPr sz="8000"/>
-            </a:lvl2pPr>
-            <a:lvl3pPr lvl="2">
-              <a:spcBef>
-                <a:spcPts val="0"/>
-              </a:spcBef>
-              <a:buSzPts val="8000"/>
-              <a:buNone/>
-              <a:defRPr sz="8000"/>
-            </a:lvl3pPr>
-            <a:lvl4pPr lvl="3">
-              <a:spcBef>
-                <a:spcPts val="0"/>
-              </a:spcBef>
-              <a:buSzPts val="8000"/>
-              <a:buNone/>
-              <a:defRPr sz="8000"/>
-            </a:lvl4pPr>
-            <a:lvl5pPr lvl="4">
-              <a:spcBef>
-                <a:spcPts val="0"/>
-              </a:spcBef>
-              <a:buSzPts val="8000"/>
-              <a:buNone/>
-              <a:defRPr sz="8000"/>
-            </a:lvl5pPr>
-            <a:lvl6pPr lvl="5">
-              <a:spcBef>
-                <a:spcPts val="0"/>
-              </a:spcBef>
-              <a:buSzPts val="8000"/>
-              <a:buNone/>
-              <a:defRPr sz="8000"/>
-            </a:lvl6pPr>
-            <a:lvl7pPr lvl="6">
-              <a:spcBef>
-                <a:spcPts val="0"/>
-              </a:spcBef>
-              <a:buSzPts val="8000"/>
-              <a:buNone/>
-              <a:defRPr sz="8000"/>
-            </a:lvl7pPr>
-            <a:lvl8pPr lvl="7">
-              <a:spcBef>
-                <a:spcPts val="0"/>
-              </a:spcBef>
-              <a:buSzPts val="8000"/>
-              <a:buNone/>
-              <a:defRPr sz="8000"/>
-            </a:lvl8pPr>
-            <a:lvl9pPr lvl="8">
-              <a:spcBef>
-                <a:spcPts val="0"/>
-              </a:spcBef>
-              <a:buSzPts val="8000"/>
-              <a:buNone/>
-              <a:defRPr sz="8000"/>
-            </a:lvl9pPr>
-          </a:lstStyle>
-          <a:p>
-            <a:endParaRPr/>
-          </a:p>
-        </p:txBody>
-      </p:sp>
-      <p:sp>
-        <p:nvSpPr>
-          <p:cNvPr id="126" name="Shape 126"/>
-          <p:cNvSpPr txBox="1">
-            <a:spLocks noGrp="1"/>
-          </p:cNvSpPr>
-          <p:nvPr>
-            <p:ph type="body" idx="1"/>
-          </p:nvPr>
-        </p:nvSpPr>
-        <p:spPr>
-          <a:xfrm>
-            <a:off x="823850" y="2643124"/>
-            <a:ext cx="4776000" cy="1218900"/>
-          </a:xfrm>
-          <a:prstGeom prst="rect">
-            <a:avLst/>
-          </a:prstGeom>
-        </p:spPr>
-        <p:txBody>
-          <a:bodyPr wrap="square" lIns="91425" tIns="91425" rIns="91425" bIns="91425" anchor="t" anchorCtr="0"/>
-          <a:lstStyle>
-            <a:lvl1pPr lvl="0">
-              <a:spcBef>
-                <a:spcPts val="0"/>
-              </a:spcBef>
-              <a:buSzPts val="1300"/>
-              <a:buChar char="●"/>
-              <a:defRPr/>
-            </a:lvl1pPr>
-            <a:lvl2pPr lvl="1">
-              <a:spcBef>
-                <a:spcPts val="0"/>
-              </a:spcBef>
-              <a:buSzPts val="1100"/>
-              <a:buChar char="○"/>
-              <a:defRPr/>
-            </a:lvl2pPr>
-            <a:lvl3pPr lvl="2">
-              <a:spcBef>
-                <a:spcPts val="0"/>
-              </a:spcBef>
-              <a:buSzPts val="1100"/>
-              <a:buChar char="■"/>
-              <a:defRPr/>
-            </a:lvl3pPr>
-            <a:lvl4pPr lvl="3">
-              <a:spcBef>
-                <a:spcPts val="0"/>
-              </a:spcBef>
-              <a:buSzPts val="1100"/>
-              <a:buChar char="●"/>
-              <a:defRPr/>
-            </a:lvl4pPr>
-            <a:lvl5pPr lvl="4">
-              <a:spcBef>
-                <a:spcPts val="0"/>
-              </a:spcBef>
-              <a:buSzPts val="1100"/>
-              <a:buChar char="○"/>
-              <a:defRPr/>
-            </a:lvl5pPr>
-            <a:lvl6pPr lvl="5">
-              <a:spcBef>
-                <a:spcPts val="0"/>
-              </a:spcBef>
-              <a:buSzPts val="1100"/>
-              <a:buChar char="■"/>
-              <a:defRPr/>
-            </a:lvl6pPr>
-            <a:lvl7pPr lvl="6">
-              <a:spcBef>
-                <a:spcPts val="0"/>
-              </a:spcBef>
-              <a:buSzPts val="1100"/>
-              <a:buChar char="●"/>
-              <a:defRPr/>
-            </a:lvl7pPr>
-            <a:lvl8pPr lvl="7">
-              <a:spcBef>
-                <a:spcPts val="0"/>
-              </a:spcBef>
-              <a:buSzPts val="1100"/>
-              <a:buChar char="○"/>
-              <a:defRPr/>
-            </a:lvl8pPr>
-            <a:lvl9pPr lvl="8">
-              <a:spcBef>
-                <a:spcPts val="0"/>
-              </a:spcBef>
-              <a:buSzPts val="1100"/>
-              <a:buChar char="■"/>
-              <a:defRPr/>
-            </a:lvl9pPr>
-          </a:lstStyle>
-          <a:p>
-            <a:endParaRPr/>
-          </a:p>
-        </p:txBody>
-      </p:sp>
-      <p:sp>
-        <p:nvSpPr>
-          <p:cNvPr id="127" name="Shape 127"/>
-          <p:cNvSpPr txBox="1">
-            <a:spLocks noGrp="1"/>
-          </p:cNvSpPr>
-          <p:nvPr>
-            <p:ph type="sldNum" idx="12"/>
-          </p:nvPr>
-        </p:nvSpPr>
-        <p:spPr>
-          <a:xfrm>
-            <a:off x="8472458" y="4663217"/>
-            <a:ext cx="548700" cy="393600"/>
-          </a:xfrm>
-          <a:prstGeom prst="rect">
-            <a:avLst/>
-          </a:prstGeom>
-        </p:spPr>
-        <p:txBody>
-          <a:bodyPr wrap="square" lIns="91425" tIns="91425" rIns="91425" bIns="91425" anchor="ctr" anchorCtr="0">
-            <a:noAutofit/>
-          </a:bodyPr>
-          <a:lstStyle/>
-          <a:p>
-            <a:pPr marL="0" lvl="0" indent="0">
-              <a:spcBef>
-                <a:spcPts val="0"/>
-              </a:spcBef>
-              <a:buNone/>
-            </a:pPr>
-            <a:fld id="{00000000-1234-1234-1234-123412341234}" type="slidenum">
-              <a:rPr lang="en"/>
-              <a:t>‹#›</a:t>
-            </a:fld>
-            <a:endParaRPr lang="en"/>
-          </a:p>
-        </p:txBody>
-      </p:sp>
-    </p:spTree>
-  </p:cSld>
-  <p:clrMapOvr>
-    <a:masterClrMapping/>
-  </p:clrMapOvr>
-</p:sldLayout>
-</file>
-
-<file path=ppt/slideLayouts/slideLayout11.xml><?xml version="1.0" encoding="utf-8"?>
 <p:sldLayout xmlns:a="http://schemas.openxmlformats.org/drawingml/2006/main" xmlns:r="http://schemas.openxmlformats.org/officeDocument/2006/relationships" xmlns:p="http://schemas.openxmlformats.org/presentationml/2006/main" type="blank">
   <p:cSld name="Blank">
     <p:spTree>
@@ -4263,363 +3776,6 @@
 </file>
 
 <file path=ppt/slideLayouts/slideLayout3.xml><?xml version="1.0" encoding="utf-8"?>
-<p:sldLayout xmlns:a="http://schemas.openxmlformats.org/drawingml/2006/main" xmlns:r="http://schemas.openxmlformats.org/officeDocument/2006/relationships" xmlns:p="http://schemas.openxmlformats.org/presentationml/2006/main" type="tx">
-  <p:cSld name="Title and body">
-    <p:spTree>
-      <p:nvGrpSpPr>
-        <p:cNvPr id="1" name="Shape 41"/>
-        <p:cNvGrpSpPr/>
-        <p:nvPr/>
-      </p:nvGrpSpPr>
-      <p:grpSpPr>
-        <a:xfrm>
-          <a:off x="0" y="0"/>
-          <a:ext cx="0" cy="0"/>
-          <a:chOff x="0" y="0"/>
-          <a:chExt cx="0" cy="0"/>
-        </a:xfrm>
-      </p:grpSpPr>
-      <p:grpSp>
-        <p:nvGrpSpPr>
-          <p:cNvPr id="42" name="Shape 42"/>
-          <p:cNvGrpSpPr/>
-          <p:nvPr/>
-        </p:nvGrpSpPr>
-        <p:grpSpPr>
-          <a:xfrm>
-            <a:off x="0" y="381001"/>
-            <a:ext cx="1037850" cy="1016287"/>
-            <a:chOff x="0" y="381001"/>
-            <a:chExt cx="1037850" cy="1016287"/>
-          </a:xfrm>
-        </p:grpSpPr>
-        <p:sp>
-          <p:nvSpPr>
-            <p:cNvPr id="43" name="Shape 43"/>
-            <p:cNvSpPr/>
-            <p:nvPr/>
-          </p:nvSpPr>
-          <p:spPr>
-            <a:xfrm rot="-5400000">
-              <a:off x="0" y="381001"/>
-              <a:ext cx="808800" cy="808800"/>
-            </a:xfrm>
-            <a:prstGeom prst="diagStripe">
-              <a:avLst>
-                <a:gd name="adj" fmla="val 50000"/>
-              </a:avLst>
-            </a:prstGeom>
-            <a:solidFill>
-              <a:schemeClr val="accent1"/>
-            </a:solidFill>
-            <a:ln>
-              <a:noFill/>
-            </a:ln>
-          </p:spPr>
-          <p:txBody>
-            <a:bodyPr wrap="square" lIns="91425" tIns="91425" rIns="91425" bIns="91425" anchor="ctr" anchorCtr="0">
-              <a:noAutofit/>
-            </a:bodyPr>
-            <a:lstStyle/>
-            <a:p>
-              <a:pPr marL="0" lvl="0" indent="0">
-                <a:spcBef>
-                  <a:spcPts val="0"/>
-                </a:spcBef>
-                <a:buNone/>
-              </a:pPr>
-              <a:endParaRPr/>
-            </a:p>
-          </p:txBody>
-        </p:sp>
-        <p:sp>
-          <p:nvSpPr>
-            <p:cNvPr id="44" name="Shape 44"/>
-            <p:cNvSpPr/>
-            <p:nvPr/>
-          </p:nvSpPr>
-          <p:spPr>
-            <a:xfrm flipH="1">
-              <a:off x="229050" y="588489"/>
-              <a:ext cx="808800" cy="808800"/>
-            </a:xfrm>
-            <a:prstGeom prst="diagStripe">
-              <a:avLst>
-                <a:gd name="adj" fmla="val 50000"/>
-              </a:avLst>
-            </a:prstGeom>
-            <a:solidFill>
-              <a:schemeClr val="lt2"/>
-            </a:solidFill>
-            <a:ln>
-              <a:noFill/>
-            </a:ln>
-          </p:spPr>
-          <p:txBody>
-            <a:bodyPr wrap="square" lIns="91425" tIns="91425" rIns="91425" bIns="91425" anchor="ctr" anchorCtr="0">
-              <a:noAutofit/>
-            </a:bodyPr>
-            <a:lstStyle/>
-            <a:p>
-              <a:pPr marL="0" lvl="0" indent="0">
-                <a:spcBef>
-                  <a:spcPts val="0"/>
-                </a:spcBef>
-                <a:buNone/>
-              </a:pPr>
-              <a:endParaRPr/>
-            </a:p>
-          </p:txBody>
-        </p:sp>
-      </p:grpSp>
-      <p:sp>
-        <p:nvSpPr>
-          <p:cNvPr id="45" name="Shape 45"/>
-          <p:cNvSpPr txBox="1">
-            <a:spLocks noGrp="1"/>
-          </p:cNvSpPr>
-          <p:nvPr>
-            <p:ph type="title"/>
-          </p:nvPr>
-        </p:nvSpPr>
-        <p:spPr>
-          <a:xfrm>
-            <a:off x="1297500" y="393750"/>
-            <a:ext cx="7038900" cy="914100"/>
-          </a:xfrm>
-          <a:prstGeom prst="rect">
-            <a:avLst/>
-          </a:prstGeom>
-        </p:spPr>
-        <p:txBody>
-          <a:bodyPr wrap="square" lIns="91425" tIns="91425" rIns="91425" bIns="91425" anchor="t" anchorCtr="0"/>
-          <a:lstStyle>
-            <a:lvl1pPr lvl="0">
-              <a:spcBef>
-                <a:spcPts val="0"/>
-              </a:spcBef>
-              <a:buSzPts val="2400"/>
-              <a:buNone/>
-              <a:defRPr sz="2400"/>
-            </a:lvl1pPr>
-            <a:lvl2pPr lvl="1">
-              <a:spcBef>
-                <a:spcPts val="0"/>
-              </a:spcBef>
-              <a:buSzPts val="2400"/>
-              <a:buNone/>
-              <a:defRPr sz="2400"/>
-            </a:lvl2pPr>
-            <a:lvl3pPr lvl="2">
-              <a:spcBef>
-                <a:spcPts val="0"/>
-              </a:spcBef>
-              <a:buSzPts val="2400"/>
-              <a:buNone/>
-              <a:defRPr sz="2400"/>
-            </a:lvl3pPr>
-            <a:lvl4pPr lvl="3">
-              <a:spcBef>
-                <a:spcPts val="0"/>
-              </a:spcBef>
-              <a:buSzPts val="2400"/>
-              <a:buNone/>
-              <a:defRPr sz="2400"/>
-            </a:lvl4pPr>
-            <a:lvl5pPr lvl="4">
-              <a:spcBef>
-                <a:spcPts val="0"/>
-              </a:spcBef>
-              <a:buSzPts val="2400"/>
-              <a:buNone/>
-              <a:defRPr sz="2400"/>
-            </a:lvl5pPr>
-            <a:lvl6pPr lvl="5">
-              <a:spcBef>
-                <a:spcPts val="0"/>
-              </a:spcBef>
-              <a:buSzPts val="2400"/>
-              <a:buNone/>
-              <a:defRPr sz="2400"/>
-            </a:lvl6pPr>
-            <a:lvl7pPr lvl="6">
-              <a:spcBef>
-                <a:spcPts val="0"/>
-              </a:spcBef>
-              <a:buSzPts val="2400"/>
-              <a:buNone/>
-              <a:defRPr sz="2400"/>
-            </a:lvl7pPr>
-            <a:lvl8pPr lvl="7">
-              <a:spcBef>
-                <a:spcPts val="0"/>
-              </a:spcBef>
-              <a:buSzPts val="2400"/>
-              <a:buNone/>
-              <a:defRPr sz="2400"/>
-            </a:lvl8pPr>
-            <a:lvl9pPr lvl="8">
-              <a:spcBef>
-                <a:spcPts val="0"/>
-              </a:spcBef>
-              <a:buSzPts val="2400"/>
-              <a:buNone/>
-              <a:defRPr sz="2400"/>
-            </a:lvl9pPr>
-          </a:lstStyle>
-          <a:p>
-            <a:endParaRPr/>
-          </a:p>
-        </p:txBody>
-      </p:sp>
-      <p:sp>
-        <p:nvSpPr>
-          <p:cNvPr id="46" name="Shape 46"/>
-          <p:cNvSpPr txBox="1">
-            <a:spLocks noGrp="1"/>
-          </p:cNvSpPr>
-          <p:nvPr>
-            <p:ph type="body" idx="1"/>
-          </p:nvPr>
-        </p:nvSpPr>
-        <p:spPr>
-          <a:xfrm>
-            <a:off x="1297500" y="1567550"/>
-            <a:ext cx="7038900" cy="2911200"/>
-          </a:xfrm>
-          <a:prstGeom prst="rect">
-            <a:avLst/>
-          </a:prstGeom>
-        </p:spPr>
-        <p:txBody>
-          <a:bodyPr wrap="square" lIns="91425" tIns="91425" rIns="91425" bIns="91425" anchor="t" anchorCtr="0"/>
-          <a:lstStyle>
-            <a:lvl1pPr lvl="0">
-              <a:spcBef>
-                <a:spcPts val="0"/>
-              </a:spcBef>
-              <a:buSzPts val="1300"/>
-              <a:buChar char="●"/>
-              <a:defRPr/>
-            </a:lvl1pPr>
-            <a:lvl2pPr lvl="1">
-              <a:spcBef>
-                <a:spcPts val="0"/>
-              </a:spcBef>
-              <a:buSzPts val="1100"/>
-              <a:buChar char="○"/>
-              <a:defRPr/>
-            </a:lvl2pPr>
-            <a:lvl3pPr lvl="2">
-              <a:spcBef>
-                <a:spcPts val="0"/>
-              </a:spcBef>
-              <a:buSzPts val="1100"/>
-              <a:buChar char="■"/>
-              <a:defRPr/>
-            </a:lvl3pPr>
-            <a:lvl4pPr lvl="3">
-              <a:spcBef>
-                <a:spcPts val="0"/>
-              </a:spcBef>
-              <a:buSzPts val="1100"/>
-              <a:buChar char="●"/>
-              <a:defRPr/>
-            </a:lvl4pPr>
-            <a:lvl5pPr lvl="4">
-              <a:spcBef>
-                <a:spcPts val="0"/>
-              </a:spcBef>
-              <a:buSzPts val="1100"/>
-              <a:buChar char="○"/>
-              <a:defRPr/>
-            </a:lvl5pPr>
-            <a:lvl6pPr lvl="5">
-              <a:spcBef>
-                <a:spcPts val="0"/>
-              </a:spcBef>
-              <a:buSzPts val="1100"/>
-              <a:buChar char="■"/>
-              <a:defRPr/>
-            </a:lvl6pPr>
-            <a:lvl7pPr lvl="6">
-              <a:spcBef>
-                <a:spcPts val="0"/>
-              </a:spcBef>
-              <a:buSzPts val="1100"/>
-              <a:buChar char="●"/>
-              <a:defRPr/>
-            </a:lvl7pPr>
-            <a:lvl8pPr lvl="7">
-              <a:spcBef>
-                <a:spcPts val="0"/>
-              </a:spcBef>
-              <a:buSzPts val="1100"/>
-              <a:buChar char="○"/>
-              <a:defRPr/>
-            </a:lvl8pPr>
-            <a:lvl9pPr lvl="8">
-              <a:spcBef>
-                <a:spcPts val="0"/>
-              </a:spcBef>
-              <a:buSzPts val="1100"/>
-              <a:buChar char="■"/>
-              <a:defRPr/>
-            </a:lvl9pPr>
-          </a:lstStyle>
-          <a:p>
-            <a:endParaRPr/>
-          </a:p>
-        </p:txBody>
-      </p:sp>
-      <p:sp>
-        <p:nvSpPr>
-          <p:cNvPr id="47" name="Shape 47"/>
-          <p:cNvSpPr txBox="1">
-            <a:spLocks noGrp="1"/>
-          </p:cNvSpPr>
-          <p:nvPr>
-            <p:ph type="sldNum" idx="12"/>
-          </p:nvPr>
-        </p:nvSpPr>
-        <p:spPr>
-          <a:xfrm>
-            <a:off x="8472458" y="4663217"/>
-            <a:ext cx="548700" cy="393600"/>
-          </a:xfrm>
-          <a:prstGeom prst="rect">
-            <a:avLst/>
-          </a:prstGeom>
-        </p:spPr>
-        <p:txBody>
-          <a:bodyPr wrap="square" lIns="91425" tIns="91425" rIns="91425" bIns="91425" anchor="ctr" anchorCtr="0">
-            <a:noAutofit/>
-          </a:bodyPr>
-          <a:lstStyle/>
-          <a:p>
-            <a:pPr marL="0" lvl="0" indent="0">
-              <a:spcBef>
-                <a:spcPts val="0"/>
-              </a:spcBef>
-              <a:buNone/>
-            </a:pPr>
-            <a:fld id="{00000000-1234-1234-1234-123412341234}" type="slidenum">
-              <a:rPr lang="en"/>
-              <a:t>‹#›</a:t>
-            </a:fld>
-            <a:endParaRPr lang="en"/>
-          </a:p>
-        </p:txBody>
-      </p:sp>
-    </p:spTree>
-  </p:cSld>
-  <p:clrMapOvr>
-    <a:masterClrMapping/>
-  </p:clrMapOvr>
-</p:sldLayout>
-</file>
-
-<file path=ppt/slideLayouts/slideLayout4.xml><?xml version="1.0" encoding="utf-8"?>
 <p:sldLayout xmlns:a="http://schemas.openxmlformats.org/drawingml/2006/main" xmlns:r="http://schemas.openxmlformats.org/officeDocument/2006/relationships" xmlns:p="http://schemas.openxmlformats.org/presentationml/2006/main" type="twoColTx">
   <p:cSld name="Title and two columns">
     <p:spTree>
@@ -5076,7 +4232,7 @@
 </p:sldLayout>
 </file>
 
-<file path=ppt/slideLayouts/slideLayout5.xml><?xml version="1.0" encoding="utf-8"?>
+<file path=ppt/slideLayouts/slideLayout4.xml><?xml version="1.0" encoding="utf-8"?>
 <p:sldLayout xmlns:a="http://schemas.openxmlformats.org/drawingml/2006/main" xmlns:r="http://schemas.openxmlformats.org/officeDocument/2006/relationships" xmlns:p="http://schemas.openxmlformats.org/presentationml/2006/main" type="titleOnly">
   <p:cSld name="Title only">
     <p:spTree>
@@ -5333,7 +4489,7 @@
 </p:sldLayout>
 </file>
 
-<file path=ppt/slideLayouts/slideLayout6.xml><?xml version="1.0" encoding="utf-8"?>
+<file path=ppt/slideLayouts/slideLayout5.xml><?xml version="1.0" encoding="utf-8"?>
 <p:sldLayout xmlns:a="http://schemas.openxmlformats.org/drawingml/2006/main" xmlns:r="http://schemas.openxmlformats.org/officeDocument/2006/relationships" xmlns:p="http://schemas.openxmlformats.org/presentationml/2006/main">
   <p:cSld name="One column text">
     <p:spTree>
@@ -5690,7 +4846,7 @@
 </p:sldLayout>
 </file>
 
-<file path=ppt/slideLayouts/slideLayout7.xml><?xml version="1.0" encoding="utf-8"?>
+<file path=ppt/slideLayouts/slideLayout6.xml><?xml version="1.0" encoding="utf-8"?>
 <p:sldLayout xmlns:a="http://schemas.openxmlformats.org/drawingml/2006/main" xmlns:r="http://schemas.openxmlformats.org/officeDocument/2006/relationships" xmlns:p="http://schemas.openxmlformats.org/presentationml/2006/main">
   <p:cSld name="Main point">
     <p:spTree>
@@ -6603,7 +5759,7 @@
 </p:sldLayout>
 </file>
 
-<file path=ppt/slideLayouts/slideLayout8.xml><?xml version="1.0" encoding="utf-8"?>
+<file path=ppt/slideLayouts/slideLayout7.xml><?xml version="1.0" encoding="utf-8"?>
 <p:sldLayout xmlns:a="http://schemas.openxmlformats.org/drawingml/2006/main" xmlns:r="http://schemas.openxmlformats.org/officeDocument/2006/relationships" xmlns:p="http://schemas.openxmlformats.org/presentationml/2006/main">
   <p:cSld name="Section title and description">
     <p:spTree>
@@ -7114,7 +6270,7 @@
 </p:sldLayout>
 </file>
 
-<file path=ppt/slideLayouts/slideLayout9.xml><?xml version="1.0" encoding="utf-8"?>
+<file path=ppt/slideLayouts/slideLayout8.xml><?xml version="1.0" encoding="utf-8"?>
 <p:sldLayout xmlns:a="http://schemas.openxmlformats.org/drawingml/2006/main" xmlns:r="http://schemas.openxmlformats.org/officeDocument/2006/relationships" xmlns:p="http://schemas.openxmlformats.org/presentationml/2006/main">
   <p:cSld name="Caption">
     <p:spTree>
@@ -7317,6 +6473,1019 @@
 </p:sldLayout>
 </file>
 
+<file path=ppt/slideLayouts/slideLayout9.xml><?xml version="1.0" encoding="utf-8"?>
+<p:sldLayout xmlns:a="http://schemas.openxmlformats.org/drawingml/2006/main" xmlns:r="http://schemas.openxmlformats.org/officeDocument/2006/relationships" xmlns:p="http://schemas.openxmlformats.org/presentationml/2006/main">
+  <p:cSld name="Big number">
+    <p:spTree>
+      <p:nvGrpSpPr>
+        <p:cNvPr id="1" name="Shape 105"/>
+        <p:cNvGrpSpPr/>
+        <p:nvPr/>
+      </p:nvGrpSpPr>
+      <p:grpSpPr>
+        <a:xfrm>
+          <a:off x="0" y="0"/>
+          <a:ext cx="0" cy="0"/>
+          <a:chOff x="0" y="0"/>
+          <a:chExt cx="0" cy="0"/>
+        </a:xfrm>
+      </p:grpSpPr>
+      <p:grpSp>
+        <p:nvGrpSpPr>
+          <p:cNvPr id="106" name="Shape 106"/>
+          <p:cNvGrpSpPr/>
+          <p:nvPr/>
+        </p:nvGrpSpPr>
+        <p:grpSpPr>
+          <a:xfrm>
+            <a:off x="4406400" y="0"/>
+            <a:ext cx="4737600" cy="5143065"/>
+            <a:chOff x="4406400" y="0"/>
+            <a:chExt cx="4737600" cy="5143065"/>
+          </a:xfrm>
+        </p:grpSpPr>
+        <p:sp>
+          <p:nvSpPr>
+            <p:cNvPr id="107" name="Shape 107"/>
+            <p:cNvSpPr/>
+            <p:nvPr/>
+          </p:nvSpPr>
+          <p:spPr>
+            <a:xfrm rot="5400000">
+              <a:off x="4408200" y="-1800"/>
+              <a:ext cx="4734000" cy="4737600"/>
+            </a:xfrm>
+            <a:prstGeom prst="diagStripe">
+              <a:avLst>
+                <a:gd name="adj" fmla="val 49469"/>
+              </a:avLst>
+            </a:prstGeom>
+            <a:solidFill>
+              <a:schemeClr val="lt1">
+                <a:alpha val="3460"/>
+              </a:schemeClr>
+            </a:solidFill>
+            <a:ln>
+              <a:noFill/>
+            </a:ln>
+          </p:spPr>
+          <p:txBody>
+            <a:bodyPr wrap="square" lIns="91425" tIns="91425" rIns="91425" bIns="91425" anchor="ctr" anchorCtr="0">
+              <a:noAutofit/>
+            </a:bodyPr>
+            <a:lstStyle/>
+            <a:p>
+              <a:pPr marL="0" lvl="0" indent="0">
+                <a:spcBef>
+                  <a:spcPts val="0"/>
+                </a:spcBef>
+                <a:buNone/>
+              </a:pPr>
+              <a:endParaRPr/>
+            </a:p>
+          </p:txBody>
+        </p:sp>
+        <p:sp>
+          <p:nvSpPr>
+            <p:cNvPr id="108" name="Shape 108"/>
+            <p:cNvSpPr/>
+            <p:nvPr/>
+          </p:nvSpPr>
+          <p:spPr>
+            <a:xfrm rot="5400000">
+              <a:off x="4841125" y="5700"/>
+              <a:ext cx="4298100" cy="4286700"/>
+            </a:xfrm>
+            <a:prstGeom prst="diagStripe">
+              <a:avLst>
+                <a:gd name="adj" fmla="val 0"/>
+              </a:avLst>
+            </a:prstGeom>
+            <a:solidFill>
+              <a:schemeClr val="lt1">
+                <a:alpha val="3460"/>
+              </a:schemeClr>
+            </a:solidFill>
+            <a:ln>
+              <a:noFill/>
+            </a:ln>
+          </p:spPr>
+          <p:txBody>
+            <a:bodyPr wrap="square" lIns="91425" tIns="91425" rIns="91425" bIns="91425" anchor="ctr" anchorCtr="0">
+              <a:noAutofit/>
+            </a:bodyPr>
+            <a:lstStyle/>
+            <a:p>
+              <a:pPr marL="0" lvl="0" indent="0">
+                <a:spcBef>
+                  <a:spcPts val="0"/>
+                </a:spcBef>
+                <a:buNone/>
+              </a:pPr>
+              <a:endParaRPr/>
+            </a:p>
+          </p:txBody>
+        </p:sp>
+        <p:sp>
+          <p:nvSpPr>
+            <p:cNvPr id="109" name="Shape 109"/>
+            <p:cNvSpPr/>
+            <p:nvPr/>
+          </p:nvSpPr>
+          <p:spPr>
+            <a:xfrm rot="-5400000">
+              <a:off x="5618399" y="1236468"/>
+              <a:ext cx="808800" cy="808800"/>
+            </a:xfrm>
+            <a:prstGeom prst="diagStripe">
+              <a:avLst>
+                <a:gd name="adj" fmla="val 50000"/>
+              </a:avLst>
+            </a:prstGeom>
+            <a:solidFill>
+              <a:schemeClr val="lt1">
+                <a:alpha val="7310"/>
+              </a:schemeClr>
+            </a:solidFill>
+            <a:ln>
+              <a:noFill/>
+            </a:ln>
+          </p:spPr>
+          <p:txBody>
+            <a:bodyPr wrap="square" lIns="91425" tIns="91425" rIns="91425" bIns="91425" anchor="ctr" anchorCtr="0">
+              <a:noAutofit/>
+            </a:bodyPr>
+            <a:lstStyle/>
+            <a:p>
+              <a:pPr marL="0" lvl="0" indent="0">
+                <a:spcBef>
+                  <a:spcPts val="0"/>
+                </a:spcBef>
+                <a:buNone/>
+              </a:pPr>
+              <a:endParaRPr/>
+            </a:p>
+          </p:txBody>
+        </p:sp>
+        <p:sp>
+          <p:nvSpPr>
+            <p:cNvPr id="110" name="Shape 110"/>
+            <p:cNvSpPr/>
+            <p:nvPr/>
+          </p:nvSpPr>
+          <p:spPr>
+            <a:xfrm flipH="1">
+              <a:off x="5849857" y="1443956"/>
+              <a:ext cx="808800" cy="808800"/>
+            </a:xfrm>
+            <a:prstGeom prst="diagStripe">
+              <a:avLst>
+                <a:gd name="adj" fmla="val 50000"/>
+              </a:avLst>
+            </a:prstGeom>
+            <a:solidFill>
+              <a:schemeClr val="lt1">
+                <a:alpha val="7310"/>
+              </a:schemeClr>
+            </a:solidFill>
+            <a:ln>
+              <a:noFill/>
+            </a:ln>
+          </p:spPr>
+          <p:txBody>
+            <a:bodyPr wrap="square" lIns="91425" tIns="91425" rIns="91425" bIns="91425" anchor="ctr" anchorCtr="0">
+              <a:noAutofit/>
+            </a:bodyPr>
+            <a:lstStyle/>
+            <a:p>
+              <a:pPr marL="0" lvl="0" indent="0">
+                <a:spcBef>
+                  <a:spcPts val="0"/>
+                </a:spcBef>
+                <a:buNone/>
+              </a:pPr>
+              <a:endParaRPr/>
+            </a:p>
+          </p:txBody>
+        </p:sp>
+        <p:sp>
+          <p:nvSpPr>
+            <p:cNvPr id="111" name="Shape 111"/>
+            <p:cNvSpPr/>
+            <p:nvPr/>
+          </p:nvSpPr>
+          <p:spPr>
+            <a:xfrm rot="-5400000">
+              <a:off x="5987081" y="2469465"/>
+              <a:ext cx="808800" cy="808800"/>
+            </a:xfrm>
+            <a:prstGeom prst="diagStripe">
+              <a:avLst>
+                <a:gd name="adj" fmla="val 50000"/>
+              </a:avLst>
+            </a:prstGeom>
+            <a:solidFill>
+              <a:schemeClr val="lt1">
+                <a:alpha val="7310"/>
+              </a:schemeClr>
+            </a:solidFill>
+            <a:ln>
+              <a:noFill/>
+            </a:ln>
+          </p:spPr>
+          <p:txBody>
+            <a:bodyPr wrap="square" lIns="91425" tIns="91425" rIns="91425" bIns="91425" anchor="ctr" anchorCtr="0">
+              <a:noAutofit/>
+            </a:bodyPr>
+            <a:lstStyle/>
+            <a:p>
+              <a:pPr marL="0" lvl="0" indent="0">
+                <a:spcBef>
+                  <a:spcPts val="0"/>
+                </a:spcBef>
+                <a:buNone/>
+              </a:pPr>
+              <a:endParaRPr/>
+            </a:p>
+          </p:txBody>
+        </p:sp>
+        <p:sp>
+          <p:nvSpPr>
+            <p:cNvPr id="112" name="Shape 112"/>
+            <p:cNvSpPr/>
+            <p:nvPr/>
+          </p:nvSpPr>
+          <p:spPr>
+            <a:xfrm flipH="1">
+              <a:off x="6222115" y="2676953"/>
+              <a:ext cx="808800" cy="808800"/>
+            </a:xfrm>
+            <a:prstGeom prst="diagStripe">
+              <a:avLst>
+                <a:gd name="adj" fmla="val 50000"/>
+              </a:avLst>
+            </a:prstGeom>
+            <a:solidFill>
+              <a:schemeClr val="lt1">
+                <a:alpha val="7310"/>
+              </a:schemeClr>
+            </a:solidFill>
+            <a:ln>
+              <a:noFill/>
+            </a:ln>
+          </p:spPr>
+          <p:txBody>
+            <a:bodyPr wrap="square" lIns="91425" tIns="91425" rIns="91425" bIns="91425" anchor="ctr" anchorCtr="0">
+              <a:noAutofit/>
+            </a:bodyPr>
+            <a:lstStyle/>
+            <a:p>
+              <a:pPr marL="0" lvl="0" indent="0">
+                <a:spcBef>
+                  <a:spcPts val="0"/>
+                </a:spcBef>
+                <a:buNone/>
+              </a:pPr>
+              <a:endParaRPr/>
+            </a:p>
+          </p:txBody>
+        </p:sp>
+        <p:sp>
+          <p:nvSpPr>
+            <p:cNvPr id="113" name="Shape 113"/>
+            <p:cNvSpPr/>
+            <p:nvPr/>
+          </p:nvSpPr>
+          <p:spPr>
+            <a:xfrm rot="-5400000">
+              <a:off x="6675341" y="1862018"/>
+              <a:ext cx="808800" cy="808800"/>
+            </a:xfrm>
+            <a:prstGeom prst="diagStripe">
+              <a:avLst>
+                <a:gd name="adj" fmla="val 50000"/>
+              </a:avLst>
+            </a:prstGeom>
+            <a:solidFill>
+              <a:schemeClr val="lt1">
+                <a:alpha val="7310"/>
+              </a:schemeClr>
+            </a:solidFill>
+            <a:ln>
+              <a:noFill/>
+            </a:ln>
+          </p:spPr>
+          <p:txBody>
+            <a:bodyPr wrap="square" lIns="91425" tIns="91425" rIns="91425" bIns="91425" anchor="ctr" anchorCtr="0">
+              <a:noAutofit/>
+            </a:bodyPr>
+            <a:lstStyle/>
+            <a:p>
+              <a:pPr marL="0" lvl="0" indent="0">
+                <a:spcBef>
+                  <a:spcPts val="0"/>
+                </a:spcBef>
+                <a:buNone/>
+              </a:pPr>
+              <a:endParaRPr/>
+            </a:p>
+          </p:txBody>
+        </p:sp>
+        <p:sp>
+          <p:nvSpPr>
+            <p:cNvPr id="114" name="Shape 114"/>
+            <p:cNvSpPr/>
+            <p:nvPr/>
+          </p:nvSpPr>
+          <p:spPr>
+            <a:xfrm flipH="1">
+              <a:off x="6908099" y="2069505"/>
+              <a:ext cx="808800" cy="808800"/>
+            </a:xfrm>
+            <a:prstGeom prst="diagStripe">
+              <a:avLst>
+                <a:gd name="adj" fmla="val 50000"/>
+              </a:avLst>
+            </a:prstGeom>
+            <a:solidFill>
+              <a:schemeClr val="lt2"/>
+            </a:solidFill>
+            <a:ln>
+              <a:noFill/>
+            </a:ln>
+          </p:spPr>
+          <p:txBody>
+            <a:bodyPr wrap="square" lIns="91425" tIns="91425" rIns="91425" bIns="91425" anchor="ctr" anchorCtr="0">
+              <a:noAutofit/>
+            </a:bodyPr>
+            <a:lstStyle/>
+            <a:p>
+              <a:pPr marL="0" lvl="0" indent="0">
+                <a:spcBef>
+                  <a:spcPts val="0"/>
+                </a:spcBef>
+                <a:buNone/>
+              </a:pPr>
+              <a:endParaRPr/>
+            </a:p>
+          </p:txBody>
+        </p:sp>
+        <p:sp>
+          <p:nvSpPr>
+            <p:cNvPr id="115" name="Shape 115"/>
+            <p:cNvSpPr/>
+            <p:nvPr/>
+          </p:nvSpPr>
+          <p:spPr>
+            <a:xfrm rot="-5400000">
+              <a:off x="6861141" y="2477810"/>
+              <a:ext cx="808800" cy="808800"/>
+            </a:xfrm>
+            <a:prstGeom prst="diagStripe">
+              <a:avLst>
+                <a:gd name="adj" fmla="val 50000"/>
+              </a:avLst>
+            </a:prstGeom>
+            <a:solidFill>
+              <a:schemeClr val="lt1">
+                <a:alpha val="7310"/>
+              </a:schemeClr>
+            </a:solidFill>
+            <a:ln>
+              <a:noFill/>
+            </a:ln>
+          </p:spPr>
+          <p:txBody>
+            <a:bodyPr wrap="square" lIns="91425" tIns="91425" rIns="91425" bIns="91425" anchor="ctr" anchorCtr="0">
+              <a:noAutofit/>
+            </a:bodyPr>
+            <a:lstStyle/>
+            <a:p>
+              <a:pPr marL="0" lvl="0" indent="0">
+                <a:spcBef>
+                  <a:spcPts val="0"/>
+                </a:spcBef>
+                <a:buNone/>
+              </a:pPr>
+              <a:endParaRPr/>
+            </a:p>
+          </p:txBody>
+        </p:sp>
+        <p:sp>
+          <p:nvSpPr>
+            <p:cNvPr id="116" name="Shape 116"/>
+            <p:cNvSpPr/>
+            <p:nvPr/>
+          </p:nvSpPr>
+          <p:spPr>
+            <a:xfrm flipH="1">
+              <a:off x="7965266" y="2692963"/>
+              <a:ext cx="808800" cy="808800"/>
+            </a:xfrm>
+            <a:prstGeom prst="diagStripe">
+              <a:avLst>
+                <a:gd name="adj" fmla="val 50000"/>
+              </a:avLst>
+            </a:prstGeom>
+            <a:solidFill>
+              <a:schemeClr val="lt1">
+                <a:alpha val="7310"/>
+              </a:schemeClr>
+            </a:solidFill>
+            <a:ln>
+              <a:noFill/>
+            </a:ln>
+          </p:spPr>
+          <p:txBody>
+            <a:bodyPr wrap="square" lIns="91425" tIns="91425" rIns="91425" bIns="91425" anchor="ctr" anchorCtr="0">
+              <a:noAutofit/>
+            </a:bodyPr>
+            <a:lstStyle/>
+            <a:p>
+              <a:pPr marL="0" lvl="0" indent="0">
+                <a:spcBef>
+                  <a:spcPts val="0"/>
+                </a:spcBef>
+                <a:buNone/>
+              </a:pPr>
+              <a:endParaRPr/>
+            </a:p>
+          </p:txBody>
+        </p:sp>
+        <p:sp>
+          <p:nvSpPr>
+            <p:cNvPr id="117" name="Shape 117"/>
+            <p:cNvSpPr/>
+            <p:nvPr/>
+          </p:nvSpPr>
+          <p:spPr>
+            <a:xfrm flipH="1">
+              <a:off x="8145082" y="3308755"/>
+              <a:ext cx="808800" cy="808800"/>
+            </a:xfrm>
+            <a:prstGeom prst="diagStripe">
+              <a:avLst>
+                <a:gd name="adj" fmla="val 50000"/>
+              </a:avLst>
+            </a:prstGeom>
+            <a:solidFill>
+              <a:schemeClr val="lt1">
+                <a:alpha val="7310"/>
+              </a:schemeClr>
+            </a:solidFill>
+            <a:ln>
+              <a:noFill/>
+            </a:ln>
+          </p:spPr>
+          <p:txBody>
+            <a:bodyPr wrap="square" lIns="91425" tIns="91425" rIns="91425" bIns="91425" anchor="ctr" anchorCtr="0">
+              <a:noAutofit/>
+            </a:bodyPr>
+            <a:lstStyle/>
+            <a:p>
+              <a:pPr marL="0" lvl="0" indent="0">
+                <a:spcBef>
+                  <a:spcPts val="0"/>
+                </a:spcBef>
+                <a:buNone/>
+              </a:pPr>
+              <a:endParaRPr/>
+            </a:p>
+          </p:txBody>
+        </p:sp>
+        <p:sp>
+          <p:nvSpPr>
+            <p:cNvPr id="118" name="Shape 118"/>
+            <p:cNvSpPr/>
+            <p:nvPr/>
+          </p:nvSpPr>
+          <p:spPr>
+            <a:xfrm rot="-5400000">
+              <a:off x="7047599" y="3095015"/>
+              <a:ext cx="808800" cy="808800"/>
+            </a:xfrm>
+            <a:prstGeom prst="diagStripe">
+              <a:avLst>
+                <a:gd name="adj" fmla="val 50000"/>
+              </a:avLst>
+            </a:prstGeom>
+            <a:solidFill>
+              <a:schemeClr val="lt1">
+                <a:alpha val="7310"/>
+              </a:schemeClr>
+            </a:solidFill>
+            <a:ln>
+              <a:noFill/>
+            </a:ln>
+          </p:spPr>
+          <p:txBody>
+            <a:bodyPr wrap="square" lIns="91425" tIns="91425" rIns="91425" bIns="91425" anchor="ctr" anchorCtr="0">
+              <a:noAutofit/>
+            </a:bodyPr>
+            <a:lstStyle/>
+            <a:p>
+              <a:pPr marL="0" lvl="0" indent="0">
+                <a:spcBef>
+                  <a:spcPts val="0"/>
+                </a:spcBef>
+                <a:buNone/>
+              </a:pPr>
+              <a:endParaRPr/>
+            </a:p>
+          </p:txBody>
+        </p:sp>
+        <p:sp>
+          <p:nvSpPr>
+            <p:cNvPr id="119" name="Shape 119"/>
+            <p:cNvSpPr/>
+            <p:nvPr/>
+          </p:nvSpPr>
+          <p:spPr>
+            <a:xfrm flipH="1">
+              <a:off x="7276649" y="3302502"/>
+              <a:ext cx="808800" cy="808800"/>
+            </a:xfrm>
+            <a:prstGeom prst="diagStripe">
+              <a:avLst>
+                <a:gd name="adj" fmla="val 50000"/>
+              </a:avLst>
+            </a:prstGeom>
+            <a:solidFill>
+              <a:schemeClr val="lt1">
+                <a:alpha val="7310"/>
+              </a:schemeClr>
+            </a:solidFill>
+            <a:ln>
+              <a:noFill/>
+            </a:ln>
+          </p:spPr>
+          <p:txBody>
+            <a:bodyPr wrap="square" lIns="91425" tIns="91425" rIns="91425" bIns="91425" anchor="ctr" anchorCtr="0">
+              <a:noAutofit/>
+            </a:bodyPr>
+            <a:lstStyle/>
+            <a:p>
+              <a:pPr marL="0" lvl="0" indent="0">
+                <a:spcBef>
+                  <a:spcPts val="0"/>
+                </a:spcBef>
+                <a:buNone/>
+              </a:pPr>
+              <a:endParaRPr/>
+            </a:p>
+          </p:txBody>
+        </p:sp>
+        <p:sp>
+          <p:nvSpPr>
+            <p:cNvPr id="120" name="Shape 120"/>
+            <p:cNvSpPr/>
+            <p:nvPr/>
+          </p:nvSpPr>
+          <p:spPr>
+            <a:xfrm rot="-5400000">
+              <a:off x="7227414" y="3710807"/>
+              <a:ext cx="808800" cy="808800"/>
+            </a:xfrm>
+            <a:prstGeom prst="diagStripe">
+              <a:avLst>
+                <a:gd name="adj" fmla="val 50000"/>
+              </a:avLst>
+            </a:prstGeom>
+            <a:solidFill>
+              <a:schemeClr val="accent1"/>
+            </a:solidFill>
+            <a:ln>
+              <a:noFill/>
+            </a:ln>
+          </p:spPr>
+          <p:txBody>
+            <a:bodyPr wrap="square" lIns="91425" tIns="91425" rIns="91425" bIns="91425" anchor="ctr" anchorCtr="0">
+              <a:noAutofit/>
+            </a:bodyPr>
+            <a:lstStyle/>
+            <a:p>
+              <a:pPr marL="0" lvl="0" indent="0">
+                <a:spcBef>
+                  <a:spcPts val="0"/>
+                </a:spcBef>
+                <a:buNone/>
+              </a:pPr>
+              <a:endParaRPr/>
+            </a:p>
+          </p:txBody>
+        </p:sp>
+        <p:sp>
+          <p:nvSpPr>
+            <p:cNvPr id="121" name="Shape 121"/>
+            <p:cNvSpPr/>
+            <p:nvPr/>
+          </p:nvSpPr>
+          <p:spPr>
+            <a:xfrm flipH="1">
+              <a:off x="7462448" y="3918294"/>
+              <a:ext cx="808800" cy="808800"/>
+            </a:xfrm>
+            <a:prstGeom prst="diagStripe">
+              <a:avLst>
+                <a:gd name="adj" fmla="val 50000"/>
+              </a:avLst>
+            </a:prstGeom>
+            <a:solidFill>
+              <a:schemeClr val="lt1">
+                <a:alpha val="7310"/>
+              </a:schemeClr>
+            </a:solidFill>
+            <a:ln>
+              <a:noFill/>
+            </a:ln>
+          </p:spPr>
+          <p:txBody>
+            <a:bodyPr wrap="square" lIns="91425" tIns="91425" rIns="91425" bIns="91425" anchor="ctr" anchorCtr="0">
+              <a:noAutofit/>
+            </a:bodyPr>
+            <a:lstStyle/>
+            <a:p>
+              <a:pPr marL="0" lvl="0" indent="0">
+                <a:spcBef>
+                  <a:spcPts val="0"/>
+                </a:spcBef>
+                <a:buNone/>
+              </a:pPr>
+              <a:endParaRPr/>
+            </a:p>
+          </p:txBody>
+        </p:sp>
+        <p:sp>
+          <p:nvSpPr>
+            <p:cNvPr id="122" name="Shape 122"/>
+            <p:cNvSpPr/>
+            <p:nvPr/>
+          </p:nvSpPr>
+          <p:spPr>
+            <a:xfrm rot="-5400000">
+              <a:off x="8102491" y="3718473"/>
+              <a:ext cx="808800" cy="808800"/>
+            </a:xfrm>
+            <a:prstGeom prst="diagStripe">
+              <a:avLst>
+                <a:gd name="adj" fmla="val 50000"/>
+              </a:avLst>
+            </a:prstGeom>
+            <a:solidFill>
+              <a:schemeClr val="lt1">
+                <a:alpha val="7310"/>
+              </a:schemeClr>
+            </a:solidFill>
+            <a:ln>
+              <a:noFill/>
+            </a:ln>
+          </p:spPr>
+          <p:txBody>
+            <a:bodyPr wrap="square" lIns="91425" tIns="91425" rIns="91425" bIns="91425" anchor="ctr" anchorCtr="0">
+              <a:noAutofit/>
+            </a:bodyPr>
+            <a:lstStyle/>
+            <a:p>
+              <a:pPr marL="0" lvl="0" indent="0">
+                <a:spcBef>
+                  <a:spcPts val="0"/>
+                </a:spcBef>
+                <a:buNone/>
+              </a:pPr>
+              <a:endParaRPr/>
+            </a:p>
+          </p:txBody>
+        </p:sp>
+        <p:sp>
+          <p:nvSpPr>
+            <p:cNvPr id="123" name="Shape 123"/>
+            <p:cNvSpPr/>
+            <p:nvPr/>
+          </p:nvSpPr>
+          <p:spPr>
+            <a:xfrm flipH="1">
+              <a:off x="8334533" y="3925960"/>
+              <a:ext cx="808800" cy="808800"/>
+            </a:xfrm>
+            <a:prstGeom prst="diagStripe">
+              <a:avLst>
+                <a:gd name="adj" fmla="val 50000"/>
+              </a:avLst>
+            </a:prstGeom>
+            <a:solidFill>
+              <a:schemeClr val="lt1">
+                <a:alpha val="7310"/>
+              </a:schemeClr>
+            </a:solidFill>
+            <a:ln>
+              <a:noFill/>
+            </a:ln>
+          </p:spPr>
+          <p:txBody>
+            <a:bodyPr wrap="square" lIns="91425" tIns="91425" rIns="91425" bIns="91425" anchor="ctr" anchorCtr="0">
+              <a:noAutofit/>
+            </a:bodyPr>
+            <a:lstStyle/>
+            <a:p>
+              <a:pPr marL="0" lvl="0" indent="0">
+                <a:spcBef>
+                  <a:spcPts val="0"/>
+                </a:spcBef>
+                <a:buNone/>
+              </a:pPr>
+              <a:endParaRPr/>
+            </a:p>
+          </p:txBody>
+        </p:sp>
+        <p:sp>
+          <p:nvSpPr>
+            <p:cNvPr id="124" name="Shape 124"/>
+            <p:cNvSpPr/>
+            <p:nvPr/>
+          </p:nvSpPr>
+          <p:spPr>
+            <a:xfrm rot="-5400000">
+              <a:off x="8288290" y="4334265"/>
+              <a:ext cx="808800" cy="808800"/>
+            </a:xfrm>
+            <a:prstGeom prst="diagStripe">
+              <a:avLst>
+                <a:gd name="adj" fmla="val 50000"/>
+              </a:avLst>
+            </a:prstGeom>
+            <a:solidFill>
+              <a:schemeClr val="lt1">
+                <a:alpha val="7310"/>
+              </a:schemeClr>
+            </a:solidFill>
+            <a:ln>
+              <a:noFill/>
+            </a:ln>
+          </p:spPr>
+          <p:txBody>
+            <a:bodyPr wrap="square" lIns="91425" tIns="91425" rIns="91425" bIns="91425" anchor="ctr" anchorCtr="0">
+              <a:noAutofit/>
+            </a:bodyPr>
+            <a:lstStyle/>
+            <a:p>
+              <a:pPr marL="0" lvl="0" indent="0">
+                <a:spcBef>
+                  <a:spcPts val="0"/>
+                </a:spcBef>
+                <a:buNone/>
+              </a:pPr>
+              <a:endParaRPr/>
+            </a:p>
+          </p:txBody>
+        </p:sp>
+      </p:grpSp>
+      <p:sp>
+        <p:nvSpPr>
+          <p:cNvPr id="125" name="Shape 125"/>
+          <p:cNvSpPr txBox="1">
+            <a:spLocks noGrp="1"/>
+          </p:cNvSpPr>
+          <p:nvPr>
+            <p:ph type="title"/>
+          </p:nvPr>
+        </p:nvSpPr>
+        <p:spPr>
+          <a:xfrm>
+            <a:off x="823850" y="1284675"/>
+            <a:ext cx="4776000" cy="1300800"/>
+          </a:xfrm>
+          <a:prstGeom prst="rect">
+            <a:avLst/>
+          </a:prstGeom>
+        </p:spPr>
+        <p:txBody>
+          <a:bodyPr wrap="square" lIns="91425" tIns="91425" rIns="91425" bIns="91425" anchor="t" anchorCtr="0"/>
+          <a:lstStyle>
+            <a:lvl1pPr lvl="0">
+              <a:spcBef>
+                <a:spcPts val="0"/>
+              </a:spcBef>
+              <a:buSzPts val="8000"/>
+              <a:buNone/>
+              <a:defRPr sz="8000"/>
+            </a:lvl1pPr>
+            <a:lvl2pPr lvl="1">
+              <a:spcBef>
+                <a:spcPts val="0"/>
+              </a:spcBef>
+              <a:buSzPts val="8000"/>
+              <a:buNone/>
+              <a:defRPr sz="8000"/>
+            </a:lvl2pPr>
+            <a:lvl3pPr lvl="2">
+              <a:spcBef>
+                <a:spcPts val="0"/>
+              </a:spcBef>
+              <a:buSzPts val="8000"/>
+              <a:buNone/>
+              <a:defRPr sz="8000"/>
+            </a:lvl3pPr>
+            <a:lvl4pPr lvl="3">
+              <a:spcBef>
+                <a:spcPts val="0"/>
+              </a:spcBef>
+              <a:buSzPts val="8000"/>
+              <a:buNone/>
+              <a:defRPr sz="8000"/>
+            </a:lvl4pPr>
+            <a:lvl5pPr lvl="4">
+              <a:spcBef>
+                <a:spcPts val="0"/>
+              </a:spcBef>
+              <a:buSzPts val="8000"/>
+              <a:buNone/>
+              <a:defRPr sz="8000"/>
+            </a:lvl5pPr>
+            <a:lvl6pPr lvl="5">
+              <a:spcBef>
+                <a:spcPts val="0"/>
+              </a:spcBef>
+              <a:buSzPts val="8000"/>
+              <a:buNone/>
+              <a:defRPr sz="8000"/>
+            </a:lvl6pPr>
+            <a:lvl7pPr lvl="6">
+              <a:spcBef>
+                <a:spcPts val="0"/>
+              </a:spcBef>
+              <a:buSzPts val="8000"/>
+              <a:buNone/>
+              <a:defRPr sz="8000"/>
+            </a:lvl7pPr>
+            <a:lvl8pPr lvl="7">
+              <a:spcBef>
+                <a:spcPts val="0"/>
+              </a:spcBef>
+              <a:buSzPts val="8000"/>
+              <a:buNone/>
+              <a:defRPr sz="8000"/>
+            </a:lvl8pPr>
+            <a:lvl9pPr lvl="8">
+              <a:spcBef>
+                <a:spcPts val="0"/>
+              </a:spcBef>
+              <a:buSzPts val="8000"/>
+              <a:buNone/>
+              <a:defRPr sz="8000"/>
+            </a:lvl9pPr>
+          </a:lstStyle>
+          <a:p>
+            <a:endParaRPr/>
+          </a:p>
+        </p:txBody>
+      </p:sp>
+      <p:sp>
+        <p:nvSpPr>
+          <p:cNvPr id="126" name="Shape 126"/>
+          <p:cNvSpPr txBox="1">
+            <a:spLocks noGrp="1"/>
+          </p:cNvSpPr>
+          <p:nvPr>
+            <p:ph type="body" idx="1"/>
+          </p:nvPr>
+        </p:nvSpPr>
+        <p:spPr>
+          <a:xfrm>
+            <a:off x="823850" y="2643124"/>
+            <a:ext cx="4776000" cy="1218900"/>
+          </a:xfrm>
+          <a:prstGeom prst="rect">
+            <a:avLst/>
+          </a:prstGeom>
+        </p:spPr>
+        <p:txBody>
+          <a:bodyPr wrap="square" lIns="91425" tIns="91425" rIns="91425" bIns="91425" anchor="t" anchorCtr="0"/>
+          <a:lstStyle>
+            <a:lvl1pPr lvl="0">
+              <a:spcBef>
+                <a:spcPts val="0"/>
+              </a:spcBef>
+              <a:buSzPts val="1300"/>
+              <a:buChar char="●"/>
+              <a:defRPr/>
+            </a:lvl1pPr>
+            <a:lvl2pPr lvl="1">
+              <a:spcBef>
+                <a:spcPts val="0"/>
+              </a:spcBef>
+              <a:buSzPts val="1100"/>
+              <a:buChar char="○"/>
+              <a:defRPr/>
+            </a:lvl2pPr>
+            <a:lvl3pPr lvl="2">
+              <a:spcBef>
+                <a:spcPts val="0"/>
+              </a:spcBef>
+              <a:buSzPts val="1100"/>
+              <a:buChar char="■"/>
+              <a:defRPr/>
+            </a:lvl3pPr>
+            <a:lvl4pPr lvl="3">
+              <a:spcBef>
+                <a:spcPts val="0"/>
+              </a:spcBef>
+              <a:buSzPts val="1100"/>
+              <a:buChar char="●"/>
+              <a:defRPr/>
+            </a:lvl4pPr>
+            <a:lvl5pPr lvl="4">
+              <a:spcBef>
+                <a:spcPts val="0"/>
+              </a:spcBef>
+              <a:buSzPts val="1100"/>
+              <a:buChar char="○"/>
+              <a:defRPr/>
+            </a:lvl5pPr>
+            <a:lvl6pPr lvl="5">
+              <a:spcBef>
+                <a:spcPts val="0"/>
+              </a:spcBef>
+              <a:buSzPts val="1100"/>
+              <a:buChar char="■"/>
+              <a:defRPr/>
+            </a:lvl6pPr>
+            <a:lvl7pPr lvl="6">
+              <a:spcBef>
+                <a:spcPts val="0"/>
+              </a:spcBef>
+              <a:buSzPts val="1100"/>
+              <a:buChar char="●"/>
+              <a:defRPr/>
+            </a:lvl7pPr>
+            <a:lvl8pPr lvl="7">
+              <a:spcBef>
+                <a:spcPts val="0"/>
+              </a:spcBef>
+              <a:buSzPts val="1100"/>
+              <a:buChar char="○"/>
+              <a:defRPr/>
+            </a:lvl8pPr>
+            <a:lvl9pPr lvl="8">
+              <a:spcBef>
+                <a:spcPts val="0"/>
+              </a:spcBef>
+              <a:buSzPts val="1100"/>
+              <a:buChar char="■"/>
+              <a:defRPr/>
+            </a:lvl9pPr>
+          </a:lstStyle>
+          <a:p>
+            <a:endParaRPr/>
+          </a:p>
+        </p:txBody>
+      </p:sp>
+      <p:sp>
+        <p:nvSpPr>
+          <p:cNvPr id="127" name="Shape 127"/>
+          <p:cNvSpPr txBox="1">
+            <a:spLocks noGrp="1"/>
+          </p:cNvSpPr>
+          <p:nvPr>
+            <p:ph type="sldNum" idx="12"/>
+          </p:nvPr>
+        </p:nvSpPr>
+        <p:spPr>
+          <a:xfrm>
+            <a:off x="8472458" y="4663217"/>
+            <a:ext cx="548700" cy="393600"/>
+          </a:xfrm>
+          <a:prstGeom prst="rect">
+            <a:avLst/>
+          </a:prstGeom>
+        </p:spPr>
+        <p:txBody>
+          <a:bodyPr wrap="square" lIns="91425" tIns="91425" rIns="91425" bIns="91425" anchor="ctr" anchorCtr="0">
+            <a:noAutofit/>
+          </a:bodyPr>
+          <a:lstStyle/>
+          <a:p>
+            <a:pPr marL="0" lvl="0" indent="0">
+              <a:spcBef>
+                <a:spcPts val="0"/>
+              </a:spcBef>
+              <a:buNone/>
+            </a:pPr>
+            <a:fld id="{00000000-1234-1234-1234-123412341234}" type="slidenum">
+              <a:rPr lang="en"/>
+              <a:t>‹#›</a:t>
+            </a:fld>
+            <a:endParaRPr lang="en"/>
+          </a:p>
+        </p:txBody>
+      </p:sp>
+    </p:spTree>
+  </p:cSld>
+  <p:clrMapOvr>
+    <a:masterClrMapping/>
+  </p:clrMapOvr>
+</p:sldLayout>
+</file>
+
 <file path=ppt/slideMasters/slideMaster1.xml><?xml version="1.0" encoding="utf-8"?>
 <p:sldMaster xmlns:a="http://schemas.openxmlformats.org/drawingml/2006/main" xmlns:r="http://schemas.openxmlformats.org/officeDocument/2006/relationships" xmlns:p="http://schemas.openxmlformats.org/presentationml/2006/main">
   <p:cSld name="focus">
@@ -7885,15 +8054,14 @@
   <p:sldLayoutIdLst>
     <p:sldLayoutId id="2147483648" r:id="rId1"/>
     <p:sldLayoutId id="2147483649" r:id="rId2"/>
-    <p:sldLayoutId id="2147483650" r:id="rId3"/>
-    <p:sldLayoutId id="2147483651" r:id="rId4"/>
-    <p:sldLayoutId id="2147483652" r:id="rId5"/>
-    <p:sldLayoutId id="2147483653" r:id="rId6"/>
-    <p:sldLayoutId id="2147483654" r:id="rId7"/>
-    <p:sldLayoutId id="2147483655" r:id="rId8"/>
-    <p:sldLayoutId id="2147483656" r:id="rId9"/>
-    <p:sldLayoutId id="2147483657" r:id="rId10"/>
-    <p:sldLayoutId id="2147483658" r:id="rId11"/>
+    <p:sldLayoutId id="2147483651" r:id="rId3"/>
+    <p:sldLayoutId id="2147483652" r:id="rId4"/>
+    <p:sldLayoutId id="2147483653" r:id="rId5"/>
+    <p:sldLayoutId id="2147483654" r:id="rId6"/>
+    <p:sldLayoutId id="2147483655" r:id="rId7"/>
+    <p:sldLayoutId id="2147483656" r:id="rId8"/>
+    <p:sldLayoutId id="2147483657" r:id="rId9"/>
+    <p:sldLayoutId id="2147483658" r:id="rId10"/>
   </p:sldLayoutIdLst>
   <p:hf sldNum="0" hdr="0" ftr="0" dt="0"/>
   <p:txStyles>
@@ -8398,33 +8566,20 @@
               <a:buNone/>
             </a:pPr>
             <a:r>
-              <a:rPr lang="en" sz="4200" b="1" dirty="0" smtClean="0">
+              <a:rPr lang="en" sz="4200" b="1" dirty="0">
                 <a:solidFill>
                   <a:srgbClr val="DA2029"/>
                 </a:solidFill>
               </a:rPr>
               <a:t>Automated Functional Testing</a:t>
             </a:r>
-            <a:r>
-              <a:rPr lang="en" sz="3000" dirty="0"/>
-              <a:t/>
-            </a:r>
             <a:br>
               <a:rPr lang="en" sz="3000" dirty="0"/>
             </a:br>
             <a:r>
-              <a:rPr lang="en" sz="2400" dirty="0" smtClean="0"/>
-              <a:t>Using Cucumber</a:t>
-            </a:r>
-            <a:r>
               <a:rPr lang="en" sz="2400" dirty="0"/>
-              <a:t> </a:t>
-            </a:r>
-            <a:r>
-              <a:rPr lang="en" sz="2400" dirty="0" smtClean="0"/>
-              <a:t>and Wiremock</a:t>
-            </a:r>
-            <a:endParaRPr lang="en" sz="2400" dirty="0"/>
+              <a:t>Using Cucumber and Wiremock</a:t>
+            </a:r>
           </a:p>
         </p:txBody>
       </p:sp>
@@ -8460,12 +8615,8 @@
               <a:buNone/>
             </a:pPr>
             <a:r>
-              <a:rPr lang="en" dirty="0" smtClean="0"/>
+              <a:rPr lang="en" dirty="0"/>
               <a:t>Daniel Flores, 2018</a:t>
-            </a:r>
-            <a:r>
-              <a:rPr lang="en" dirty="0"/>
-              <a:t/>
             </a:r>
             <a:br>
               <a:rPr lang="en" dirty="0"/>
@@ -8559,17 +8710,599 @@
   <p:clrMapOvr>
     <a:masterClrMapping/>
   </p:clrMapOvr>
-  <p:timing>
-    <p:tnLst>
-      <p:par>
-        <p:cTn id="1" dur="indefinite" restart="never" nodeType="tmRoot"/>
-      </p:par>
-    </p:tnLst>
-  </p:timing>
+</p:sld>
+</file>
+
+<file path=ppt/slides/slide10.xml><?xml version="1.0" encoding="utf-8"?>
+<p:sld xmlns:a="http://schemas.openxmlformats.org/drawingml/2006/main" xmlns:r="http://schemas.openxmlformats.org/officeDocument/2006/relationships" xmlns:p="http://schemas.openxmlformats.org/presentationml/2006/main">
+  <p:cSld>
+    <p:bg>
+      <p:bgPr>
+        <a:solidFill>
+          <a:schemeClr val="bg2">
+            <a:lumMod val="75000"/>
+          </a:schemeClr>
+        </a:solidFill>
+        <a:effectLst/>
+      </p:bgPr>
+    </p:bg>
+    <p:spTree>
+      <p:nvGrpSpPr>
+        <p:cNvPr id="1" name="Shape 188"/>
+        <p:cNvGrpSpPr/>
+        <p:nvPr/>
+      </p:nvGrpSpPr>
+      <p:grpSpPr>
+        <a:xfrm>
+          <a:off x="0" y="0"/>
+          <a:ext cx="0" cy="0"/>
+          <a:chOff x="0" y="0"/>
+          <a:chExt cx="0" cy="0"/>
+        </a:xfrm>
+      </p:grpSpPr>
+      <p:sp>
+        <p:nvSpPr>
+          <p:cNvPr id="189" name="Shape 189"/>
+          <p:cNvSpPr txBox="1"/>
+          <p:nvPr/>
+        </p:nvSpPr>
+        <p:spPr>
+          <a:xfrm>
+            <a:off x="0" y="4888200"/>
+            <a:ext cx="3401100" cy="255300"/>
+          </a:xfrm>
+          <a:prstGeom prst="rect">
+            <a:avLst/>
+          </a:prstGeom>
+          <a:noFill/>
+          <a:ln>
+            <a:noFill/>
+          </a:ln>
+        </p:spPr>
+        <p:txBody>
+          <a:bodyPr wrap="square" lIns="91425" tIns="91425" rIns="91425" bIns="91425" anchor="ctr" anchorCtr="0">
+            <a:noAutofit/>
+          </a:bodyPr>
+          <a:lstStyle/>
+          <a:p>
+            <a:pPr marL="0" lvl="0" indent="0" rtl="0">
+              <a:lnSpc>
+                <a:spcPct val="115000"/>
+              </a:lnSpc>
+              <a:spcBef>
+                <a:spcPts val="0"/>
+              </a:spcBef>
+              <a:spcAft>
+                <a:spcPts val="1600"/>
+              </a:spcAft>
+              <a:buNone/>
+            </a:pPr>
+            <a:r>
+              <a:rPr lang="en" sz="1600">
+                <a:solidFill>
+                  <a:schemeClr val="lt1"/>
+                </a:solidFill>
+                <a:latin typeface="Syncopate"/>
+                <a:ea typeface="Syncopate"/>
+                <a:cs typeface="Syncopate"/>
+                <a:sym typeface="Syncopate"/>
+              </a:rPr>
+              <a:t>BLUE HARVEST</a:t>
+            </a:r>
+          </a:p>
+        </p:txBody>
+      </p:sp>
+      <p:sp>
+        <p:nvSpPr>
+          <p:cNvPr id="190" name="Shape 190"/>
+          <p:cNvSpPr txBox="1"/>
+          <p:nvPr/>
+        </p:nvSpPr>
+        <p:spPr>
+          <a:xfrm>
+            <a:off x="5742900" y="4888200"/>
+            <a:ext cx="3401100" cy="255300"/>
+          </a:xfrm>
+          <a:prstGeom prst="rect">
+            <a:avLst/>
+          </a:prstGeom>
+          <a:noFill/>
+          <a:ln>
+            <a:noFill/>
+          </a:ln>
+        </p:spPr>
+        <p:txBody>
+          <a:bodyPr wrap="square" lIns="91425" tIns="91425" rIns="91425" bIns="91425" anchor="ctr" anchorCtr="0">
+            <a:noAutofit/>
+          </a:bodyPr>
+          <a:lstStyle/>
+          <a:p>
+            <a:pPr marL="0" lvl="0" indent="0" algn="r" rtl="0">
+              <a:lnSpc>
+                <a:spcPct val="115000"/>
+              </a:lnSpc>
+              <a:spcBef>
+                <a:spcPts val="0"/>
+              </a:spcBef>
+              <a:spcAft>
+                <a:spcPts val="1600"/>
+              </a:spcAft>
+              <a:buNone/>
+            </a:pPr>
+            <a:r>
+              <a:rPr lang="en">
+                <a:solidFill>
+                  <a:schemeClr val="lt1"/>
+                </a:solidFill>
+                <a:highlight>
+                  <a:srgbClr val="DA2029"/>
+                </a:highlight>
+                <a:latin typeface="Calibri"/>
+                <a:ea typeface="Calibri"/>
+                <a:cs typeface="Calibri"/>
+                <a:sym typeface="Calibri"/>
+              </a:rPr>
+              <a:t>DON’T</a:t>
+            </a:r>
+            <a:r>
+              <a:rPr lang="en">
+                <a:solidFill>
+                  <a:schemeClr val="lt1"/>
+                </a:solidFill>
+                <a:highlight>
+                  <a:srgbClr val="FFFFFF"/>
+                </a:highlight>
+                <a:latin typeface="Calibri"/>
+                <a:ea typeface="Calibri"/>
+                <a:cs typeface="Calibri"/>
+                <a:sym typeface="Calibri"/>
+              </a:rPr>
+              <a:t> </a:t>
+            </a:r>
+            <a:r>
+              <a:rPr lang="en">
+                <a:solidFill>
+                  <a:schemeClr val="lt1"/>
+                </a:solidFill>
+                <a:highlight>
+                  <a:srgbClr val="F7921C"/>
+                </a:highlight>
+                <a:latin typeface="Calibri"/>
+                <a:ea typeface="Calibri"/>
+                <a:cs typeface="Calibri"/>
+                <a:sym typeface="Calibri"/>
+              </a:rPr>
+              <a:t>THINK</a:t>
+            </a:r>
+            <a:r>
+              <a:rPr lang="en">
+                <a:solidFill>
+                  <a:schemeClr val="lt1"/>
+                </a:solidFill>
+                <a:highlight>
+                  <a:srgbClr val="FFFFFF"/>
+                </a:highlight>
+                <a:latin typeface="Calibri"/>
+                <a:ea typeface="Calibri"/>
+                <a:cs typeface="Calibri"/>
+                <a:sym typeface="Calibri"/>
+              </a:rPr>
+              <a:t> </a:t>
+            </a:r>
+            <a:r>
+              <a:rPr lang="en">
+                <a:solidFill>
+                  <a:srgbClr val="FFFFFF"/>
+                </a:solidFill>
+                <a:highlight>
+                  <a:srgbClr val="84202C"/>
+                </a:highlight>
+                <a:latin typeface="Calibri"/>
+                <a:ea typeface="Calibri"/>
+                <a:cs typeface="Calibri"/>
+                <a:sym typeface="Calibri"/>
+              </a:rPr>
+              <a:t>IN</a:t>
+            </a:r>
+            <a:r>
+              <a:rPr lang="en">
+                <a:solidFill>
+                  <a:schemeClr val="lt1"/>
+                </a:solidFill>
+                <a:highlight>
+                  <a:srgbClr val="FFFFFF"/>
+                </a:highlight>
+                <a:latin typeface="Calibri"/>
+                <a:ea typeface="Calibri"/>
+                <a:cs typeface="Calibri"/>
+                <a:sym typeface="Calibri"/>
+              </a:rPr>
+              <a:t> </a:t>
+            </a:r>
+            <a:r>
+              <a:rPr lang="en">
+                <a:solidFill>
+                  <a:srgbClr val="FFFFFF"/>
+                </a:solidFill>
+                <a:highlight>
+                  <a:srgbClr val="01ACB4"/>
+                </a:highlight>
+                <a:latin typeface="Calibri"/>
+                <a:ea typeface="Calibri"/>
+                <a:cs typeface="Calibri"/>
+                <a:sym typeface="Calibri"/>
+              </a:rPr>
+              <a:t>BLACK</a:t>
+            </a:r>
+            <a:r>
+              <a:rPr lang="en">
+                <a:solidFill>
+                  <a:schemeClr val="lt1"/>
+                </a:solidFill>
+                <a:highlight>
+                  <a:srgbClr val="FFFFFF"/>
+                </a:highlight>
+                <a:latin typeface="Calibri"/>
+                <a:ea typeface="Calibri"/>
+                <a:cs typeface="Calibri"/>
+                <a:sym typeface="Calibri"/>
+              </a:rPr>
+              <a:t> </a:t>
+            </a:r>
+            <a:r>
+              <a:rPr lang="en">
+                <a:solidFill>
+                  <a:schemeClr val="lt1"/>
+                </a:solidFill>
+                <a:highlight>
+                  <a:srgbClr val="005454"/>
+                </a:highlight>
+                <a:latin typeface="Calibri"/>
+                <a:ea typeface="Calibri"/>
+                <a:cs typeface="Calibri"/>
+                <a:sym typeface="Calibri"/>
+              </a:rPr>
+              <a:t>&amp;</a:t>
+            </a:r>
+            <a:r>
+              <a:rPr lang="en">
+                <a:solidFill>
+                  <a:schemeClr val="lt1"/>
+                </a:solidFill>
+                <a:highlight>
+                  <a:srgbClr val="FFFFFF"/>
+                </a:highlight>
+                <a:latin typeface="Calibri"/>
+                <a:ea typeface="Calibri"/>
+                <a:cs typeface="Calibri"/>
+                <a:sym typeface="Calibri"/>
+              </a:rPr>
+              <a:t> </a:t>
+            </a:r>
+            <a:r>
+              <a:rPr lang="en">
+                <a:solidFill>
+                  <a:srgbClr val="FFFFFF"/>
+                </a:solidFill>
+                <a:highlight>
+                  <a:srgbClr val="8FCF20"/>
+                </a:highlight>
+                <a:latin typeface="Calibri"/>
+                <a:ea typeface="Calibri"/>
+                <a:cs typeface="Calibri"/>
+                <a:sym typeface="Calibri"/>
+              </a:rPr>
+              <a:t>WHITE</a:t>
+            </a:r>
+          </a:p>
+        </p:txBody>
+      </p:sp>
+      <p:pic>
+        <p:nvPicPr>
+          <p:cNvPr id="191" name="Shape 191"/>
+          <p:cNvPicPr preferRelativeResize="0"/>
+          <p:nvPr/>
+        </p:nvPicPr>
+        <p:blipFill>
+          <a:blip r:embed="rId3">
+            <a:alphaModFix/>
+          </a:blip>
+          <a:stretch>
+            <a:fillRect/>
+          </a:stretch>
+        </p:blipFill>
+        <p:spPr>
+          <a:xfrm>
+            <a:off x="3046575" y="1160505"/>
+            <a:ext cx="1510429" cy="2846133"/>
+          </a:xfrm>
+          <a:prstGeom prst="rect">
+            <a:avLst/>
+          </a:prstGeom>
+          <a:noFill/>
+          <a:ln>
+            <a:noFill/>
+          </a:ln>
+        </p:spPr>
+      </p:pic>
+      <p:pic>
+        <p:nvPicPr>
+          <p:cNvPr id="192" name="Shape 192"/>
+          <p:cNvPicPr preferRelativeResize="0"/>
+          <p:nvPr/>
+        </p:nvPicPr>
+        <p:blipFill>
+          <a:blip r:embed="rId3">
+            <a:alphaModFix/>
+          </a:blip>
+          <a:stretch>
+            <a:fillRect/>
+          </a:stretch>
+        </p:blipFill>
+        <p:spPr>
+          <a:xfrm rot="10800000">
+            <a:off x="4586996" y="1136862"/>
+            <a:ext cx="1510429" cy="2846133"/>
+          </a:xfrm>
+          <a:prstGeom prst="rect">
+            <a:avLst/>
+          </a:prstGeom>
+          <a:noFill/>
+          <a:ln>
+            <a:noFill/>
+          </a:ln>
+        </p:spPr>
+      </p:pic>
+    </p:spTree>
+  </p:cSld>
+  <p:clrMapOvr>
+    <a:masterClrMapping/>
+  </p:clrMapOvr>
 </p:sld>
 </file>
 
 <file path=ppt/slides/slide2.xml><?xml version="1.0" encoding="utf-8"?>
+<p:sld xmlns:a="http://schemas.openxmlformats.org/drawingml/2006/main" xmlns:r="http://schemas.openxmlformats.org/officeDocument/2006/relationships" xmlns:p="http://schemas.openxmlformats.org/presentationml/2006/main" show="0">
+  <p:cSld>
+    <p:bg>
+      <p:bgPr>
+        <a:solidFill>
+          <a:schemeClr val="bg2">
+            <a:lumMod val="75000"/>
+          </a:schemeClr>
+        </a:solidFill>
+        <a:effectLst/>
+      </p:bgPr>
+    </p:bg>
+    <p:spTree>
+      <p:nvGrpSpPr>
+        <p:cNvPr id="1" name="Shape 157"/>
+        <p:cNvGrpSpPr/>
+        <p:nvPr/>
+      </p:nvGrpSpPr>
+      <p:grpSpPr>
+        <a:xfrm>
+          <a:off x="0" y="0"/>
+          <a:ext cx="0" cy="0"/>
+          <a:chOff x="0" y="0"/>
+          <a:chExt cx="0" cy="0"/>
+        </a:xfrm>
+      </p:grpSpPr>
+      <p:sp>
+        <p:nvSpPr>
+          <p:cNvPr id="158" name="Shape 158"/>
+          <p:cNvSpPr txBox="1">
+            <a:spLocks noGrp="1"/>
+          </p:cNvSpPr>
+          <p:nvPr>
+            <p:ph type="title" idx="4294967295"/>
+          </p:nvPr>
+        </p:nvSpPr>
+        <p:spPr>
+          <a:xfrm>
+            <a:off x="1297500" y="393750"/>
+            <a:ext cx="7038900" cy="914100"/>
+          </a:xfrm>
+          <a:prstGeom prst="rect">
+            <a:avLst/>
+          </a:prstGeom>
+        </p:spPr>
+        <p:txBody>
+          <a:bodyPr wrap="square" lIns="91425" tIns="91425" rIns="91425" bIns="91425" anchor="t" anchorCtr="0">
+            <a:noAutofit/>
+          </a:bodyPr>
+          <a:lstStyle/>
+          <a:p>
+            <a:pPr marL="0" lvl="0" indent="0" rtl="0">
+              <a:spcBef>
+                <a:spcPts val="0"/>
+              </a:spcBef>
+              <a:buNone/>
+            </a:pPr>
+            <a:r>
+              <a:rPr lang="en-US" dirty="0"/>
+              <a:t>W</a:t>
+            </a:r>
+            <a:r>
+              <a:rPr lang="en" dirty="0" err="1"/>
+              <a:t>hy</a:t>
+            </a:r>
+            <a:r>
+              <a:rPr lang="en" dirty="0"/>
+              <a:t> Automation?</a:t>
+            </a:r>
+          </a:p>
+        </p:txBody>
+      </p:sp>
+      <p:pic>
+        <p:nvPicPr>
+          <p:cNvPr id="159" name="Shape 159"/>
+          <p:cNvPicPr preferRelativeResize="0"/>
+          <p:nvPr/>
+        </p:nvPicPr>
+        <p:blipFill rotWithShape="1">
+          <a:blip r:embed="rId3">
+            <a:alphaModFix/>
+          </a:blip>
+          <a:srcRect b="59924"/>
+          <a:stretch/>
+        </p:blipFill>
+        <p:spPr>
+          <a:xfrm rot="10800000" flipH="1">
+            <a:off x="-163775" y="0"/>
+            <a:ext cx="1638476" cy="1307850"/>
+          </a:xfrm>
+          <a:prstGeom prst="rect">
+            <a:avLst/>
+          </a:prstGeom>
+          <a:noFill/>
+          <a:ln>
+            <a:noFill/>
+          </a:ln>
+        </p:spPr>
+      </p:pic>
+      <p:sp>
+        <p:nvSpPr>
+          <p:cNvPr id="3" name="TextBox 2"/>
+          <p:cNvSpPr txBox="1"/>
+          <p:nvPr/>
+        </p:nvSpPr>
+        <p:spPr>
+          <a:xfrm>
+            <a:off x="194605" y="1501001"/>
+            <a:ext cx="8562109" cy="2862322"/>
+          </a:xfrm>
+          <a:prstGeom prst="rect">
+            <a:avLst/>
+          </a:prstGeom>
+          <a:noFill/>
+        </p:spPr>
+        <p:txBody>
+          <a:bodyPr wrap="square" rtlCol="0">
+            <a:spAutoFit/>
+          </a:bodyPr>
+          <a:lstStyle/>
+          <a:p>
+            <a:pPr marL="342900" indent="-342900">
+              <a:buFont typeface="Arial" panose="020B0604020202020204" pitchFamily="34" charset="0"/>
+              <a:buChar char="•"/>
+            </a:pPr>
+            <a:r>
+              <a:rPr lang="en-US" sz="2000" dirty="0">
+                <a:solidFill>
+                  <a:schemeClr val="tx1"/>
+                </a:solidFill>
+              </a:rPr>
+              <a:t>Manual Testing of all work flows, all fields, all negative scenarios is time consuming and costly</a:t>
+            </a:r>
+          </a:p>
+          <a:p>
+            <a:pPr marL="342900" indent="-342900">
+              <a:buFont typeface="Arial" panose="020B0604020202020204" pitchFamily="34" charset="0"/>
+              <a:buChar char="•"/>
+            </a:pPr>
+            <a:r>
+              <a:rPr lang="en-US" sz="2000" dirty="0">
+                <a:solidFill>
+                  <a:schemeClr val="tx1"/>
+                </a:solidFill>
+              </a:rPr>
+              <a:t>Automation does not require human intervention</a:t>
+            </a:r>
+          </a:p>
+          <a:p>
+            <a:pPr marL="342900" indent="-342900">
+              <a:buFont typeface="Arial" panose="020B0604020202020204" pitchFamily="34" charset="0"/>
+              <a:buChar char="•"/>
+            </a:pPr>
+            <a:r>
+              <a:rPr lang="en-US" sz="2000" dirty="0">
+                <a:solidFill>
+                  <a:schemeClr val="tx1"/>
+                </a:solidFill>
+              </a:rPr>
+              <a:t>Automation increases speed of test execution</a:t>
+            </a:r>
+          </a:p>
+          <a:p>
+            <a:pPr marL="342900" indent="-342900">
+              <a:buFont typeface="Arial" panose="020B0604020202020204" pitchFamily="34" charset="0"/>
+              <a:buChar char="•"/>
+            </a:pPr>
+            <a:r>
+              <a:rPr lang="en-US" sz="2000" dirty="0">
+                <a:solidFill>
+                  <a:schemeClr val="tx1"/>
+                </a:solidFill>
+              </a:rPr>
+              <a:t>Automation helps increase test coverage</a:t>
+            </a:r>
+          </a:p>
+          <a:p>
+            <a:pPr marL="342900" indent="-342900">
+              <a:buFont typeface="Arial" panose="020B0604020202020204" pitchFamily="34" charset="0"/>
+              <a:buChar char="•"/>
+            </a:pPr>
+            <a:r>
+              <a:rPr lang="en-US" sz="2000" dirty="0">
+                <a:solidFill>
+                  <a:schemeClr val="tx1"/>
+                </a:solidFill>
+              </a:rPr>
+              <a:t>Manual Testing can become boring and hence error prone</a:t>
+            </a:r>
+          </a:p>
+          <a:p>
+            <a:pPr marL="342900" indent="-342900">
+              <a:buFont typeface="Arial" panose="020B0604020202020204" pitchFamily="34" charset="0"/>
+              <a:buChar char="•"/>
+            </a:pPr>
+            <a:r>
+              <a:rPr lang="en-US" sz="2000" dirty="0">
+                <a:solidFill>
+                  <a:schemeClr val="tx1"/>
+                </a:solidFill>
+              </a:rPr>
+              <a:t>Resources for regression tests are reduced</a:t>
+            </a:r>
+          </a:p>
+          <a:p>
+            <a:pPr marL="342900" indent="-342900">
+              <a:buFont typeface="Arial" panose="020B0604020202020204" pitchFamily="34" charset="0"/>
+              <a:buChar char="•"/>
+            </a:pPr>
+            <a:r>
+              <a:rPr lang="en-US" sz="2000" dirty="0">
+                <a:solidFill>
+                  <a:schemeClr val="tx1"/>
+                </a:solidFill>
+              </a:rPr>
+              <a:t>Automated tools available</a:t>
+            </a:r>
+          </a:p>
+          <a:p>
+            <a:pPr marL="285750" indent="-285750">
+              <a:buFont typeface="Arial" panose="020B0604020202020204" pitchFamily="34" charset="0"/>
+              <a:buChar char="•"/>
+            </a:pPr>
+            <a:endParaRPr lang="nl-NL" sz="2000" dirty="0"/>
+          </a:p>
+        </p:txBody>
+      </p:sp>
+    </p:spTree>
+    <p:extLst>
+      <p:ext uri="{BB962C8B-B14F-4D97-AF65-F5344CB8AC3E}">
+        <p14:creationId xmlns:p14="http://schemas.microsoft.com/office/powerpoint/2010/main" val="890131648"/>
+      </p:ext>
+    </p:extLst>
+  </p:cSld>
+  <p:clrMapOvr>
+    <a:masterClrMapping/>
+  </p:clrMapOvr>
+</p:sld>
+</file>
+
+<file path=ppt/slides/slide3.xml><?xml version="1.0" encoding="utf-8"?>
 <p:sld xmlns:a="http://schemas.openxmlformats.org/drawingml/2006/main" xmlns:r="http://schemas.openxmlformats.org/officeDocument/2006/relationships" xmlns:p="http://schemas.openxmlformats.org/presentationml/2006/main">
   <p:cSld>
     <p:bg>
@@ -8628,18 +9361,9 @@
               <a:buNone/>
             </a:pPr>
             <a:r>
-              <a:rPr lang="en" sz="3000" dirty="0" smtClean="0"/>
-              <a:t>(Automated) Test </a:t>
-            </a:r>
-            <a:r>
               <a:rPr lang="en" sz="3000" dirty="0"/>
-              <a:t>P</a:t>
-            </a:r>
-            <a:r>
-              <a:rPr lang="en" sz="3000" dirty="0" smtClean="0"/>
-              <a:t>yramid</a:t>
-            </a:r>
-            <a:endParaRPr lang="en" sz="3000" dirty="0"/>
+              <a:t>(Automated) Test Pyramid</a:t>
+            </a:r>
           </a:p>
         </p:txBody>
       </p:sp>
@@ -8784,7 +9508,7 @@
               <a:buChar char="•"/>
             </a:pPr>
             <a:r>
-              <a:rPr lang="nl-NL" dirty="0" smtClean="0">
+              <a:rPr lang="nl-NL" dirty="0">
                 <a:solidFill>
                   <a:schemeClr val="tx1"/>
                 </a:solidFill>
@@ -8792,7 +9516,7 @@
               <a:t>Write as </a:t>
             </a:r>
             <a:r>
-              <a:rPr lang="nl-NL" dirty="0" err="1" smtClean="0">
+              <a:rPr lang="nl-NL" dirty="0" err="1">
                 <a:solidFill>
                   <a:schemeClr val="tx1"/>
                 </a:solidFill>
@@ -8800,7 +9524,7 @@
               <a:t>many</a:t>
             </a:r>
             <a:r>
-              <a:rPr lang="nl-NL" dirty="0" smtClean="0">
+              <a:rPr lang="nl-NL" dirty="0">
                 <a:solidFill>
                   <a:schemeClr val="tx1"/>
                 </a:solidFill>
@@ -8808,14 +9532,14 @@
               <a:t> as </a:t>
             </a:r>
             <a:r>
-              <a:rPr lang="nl-NL" dirty="0" err="1" smtClean="0">
+              <a:rPr lang="nl-NL" dirty="0" err="1">
                 <a:solidFill>
                   <a:schemeClr val="tx1"/>
                 </a:solidFill>
               </a:rPr>
               <a:t>possible</a:t>
             </a:r>
-            <a:endParaRPr lang="nl-NL" dirty="0" smtClean="0">
+            <a:endParaRPr lang="nl-NL" dirty="0">
               <a:solidFill>
                 <a:schemeClr val="tx1"/>
               </a:solidFill>
@@ -8827,7 +9551,7 @@
               <a:buChar char="•"/>
             </a:pPr>
             <a:r>
-              <a:rPr lang="nl-NL" dirty="0" smtClean="0">
+              <a:rPr lang="nl-NL" dirty="0">
                 <a:solidFill>
                   <a:schemeClr val="tx1"/>
                 </a:solidFill>
@@ -8835,7 +9559,7 @@
               <a:t>Both FE </a:t>
             </a:r>
             <a:r>
-              <a:rPr lang="nl-NL" dirty="0" err="1" smtClean="0">
+              <a:rPr lang="nl-NL" dirty="0" err="1">
                 <a:solidFill>
                   <a:schemeClr val="tx1"/>
                 </a:solidFill>
@@ -8843,7 +9567,7 @@
               <a:t>and</a:t>
             </a:r>
             <a:r>
-              <a:rPr lang="nl-NL" dirty="0" smtClean="0">
+              <a:rPr lang="nl-NL" dirty="0">
                 <a:solidFill>
                   <a:schemeClr val="tx1"/>
                 </a:solidFill>
@@ -8857,7 +9581,7 @@
               <a:buChar char="•"/>
             </a:pPr>
             <a:r>
-              <a:rPr lang="nl-NL" dirty="0" smtClean="0">
+              <a:rPr lang="nl-NL" dirty="0">
                 <a:solidFill>
                   <a:schemeClr val="tx1"/>
                 </a:solidFill>
@@ -8865,7 +9589,7 @@
               <a:t>Check </a:t>
             </a:r>
             <a:r>
-              <a:rPr lang="nl-NL" dirty="0" err="1" smtClean="0">
+              <a:rPr lang="nl-NL" dirty="0" err="1">
                 <a:solidFill>
                   <a:schemeClr val="tx1"/>
                 </a:solidFill>
@@ -8935,7 +9659,7 @@
               <a:buChar char="•"/>
             </a:pPr>
             <a:r>
-              <a:rPr lang="nl-NL" dirty="0" err="1" smtClean="0">
+              <a:rPr lang="nl-NL" dirty="0" err="1">
                 <a:solidFill>
                   <a:schemeClr val="tx1"/>
                 </a:solidFill>
@@ -8943,7 +9667,7 @@
               <a:t>Brittle</a:t>
             </a:r>
             <a:r>
-              <a:rPr lang="nl-NL" dirty="0" smtClean="0">
+              <a:rPr lang="nl-NL" dirty="0">
                 <a:solidFill>
                   <a:schemeClr val="tx1"/>
                 </a:solidFill>
@@ -8951,7 +9675,7 @@
               <a:t> even </a:t>
             </a:r>
             <a:r>
-              <a:rPr lang="nl-NL" dirty="0" err="1" smtClean="0">
+              <a:rPr lang="nl-NL" dirty="0" err="1">
                 <a:solidFill>
                   <a:schemeClr val="tx1"/>
                 </a:solidFill>
@@ -8959,7 +9683,7 @@
               <a:t>for</a:t>
             </a:r>
             <a:r>
-              <a:rPr lang="nl-NL" dirty="0" smtClean="0">
+              <a:rPr lang="nl-NL" dirty="0">
                 <a:solidFill>
                   <a:schemeClr val="tx1"/>
                 </a:solidFill>
@@ -8973,7 +9697,7 @@
               <a:buChar char="•"/>
             </a:pPr>
             <a:r>
-              <a:rPr lang="nl-NL" dirty="0" smtClean="0">
+              <a:rPr lang="nl-NL" dirty="0">
                 <a:solidFill>
                   <a:schemeClr val="tx1"/>
                 </a:solidFill>
@@ -8981,7 +9705,7 @@
               <a:t>Time </a:t>
             </a:r>
             <a:r>
-              <a:rPr lang="nl-NL" dirty="0" err="1" smtClean="0">
+              <a:rPr lang="nl-NL" dirty="0" err="1">
                 <a:solidFill>
                   <a:schemeClr val="tx1"/>
                 </a:solidFill>
@@ -8989,7 +9713,7 @@
               <a:t>consuming</a:t>
             </a:r>
             <a:r>
-              <a:rPr lang="nl-NL" dirty="0" smtClean="0">
+              <a:rPr lang="nl-NL" dirty="0">
                 <a:solidFill>
                   <a:schemeClr val="tx1"/>
                 </a:solidFill>
@@ -8997,7 +9721,7 @@
               <a:t> </a:t>
             </a:r>
             <a:r>
-              <a:rPr lang="nl-NL" dirty="0" err="1" smtClean="0">
+              <a:rPr lang="nl-NL" dirty="0" err="1">
                 <a:solidFill>
                   <a:schemeClr val="tx1"/>
                 </a:solidFill>
@@ -9005,7 +9729,7 @@
               <a:t>to</a:t>
             </a:r>
             <a:r>
-              <a:rPr lang="nl-NL" dirty="0" smtClean="0">
+              <a:rPr lang="nl-NL" dirty="0">
                 <a:solidFill>
                   <a:schemeClr val="tx1"/>
                 </a:solidFill>
@@ -9019,7 +9743,7 @@
               <a:buChar char="•"/>
             </a:pPr>
             <a:r>
-              <a:rPr lang="nl-NL" dirty="0" smtClean="0">
+              <a:rPr lang="nl-NL" dirty="0">
                 <a:solidFill>
                   <a:schemeClr val="tx1"/>
                 </a:solidFill>
@@ -9027,7 +9751,7 @@
               <a:t>Slow </a:t>
             </a:r>
             <a:r>
-              <a:rPr lang="nl-NL" dirty="0" err="1" smtClean="0">
+              <a:rPr lang="nl-NL" dirty="0" err="1">
                 <a:solidFill>
                   <a:schemeClr val="tx1"/>
                 </a:solidFill>
@@ -9035,7 +9759,7 @@
               <a:t>to</a:t>
             </a:r>
             <a:r>
-              <a:rPr lang="nl-NL" dirty="0" smtClean="0">
+              <a:rPr lang="nl-NL" dirty="0">
                 <a:solidFill>
                   <a:schemeClr val="tx1"/>
                 </a:solidFill>
@@ -9100,7 +9824,7 @@
               <a:buChar char="•"/>
             </a:pPr>
             <a:r>
-              <a:rPr lang="nl-NL" dirty="0" smtClean="0">
+              <a:rPr lang="nl-NL" dirty="0">
                 <a:solidFill>
                   <a:schemeClr val="tx1"/>
                 </a:solidFill>
@@ -9108,7 +9832,7 @@
               <a:t>Test </a:t>
             </a:r>
             <a:r>
-              <a:rPr lang="nl-NL" dirty="0" err="1" smtClean="0">
+              <a:rPr lang="nl-NL" dirty="0" err="1">
                 <a:solidFill>
                   <a:schemeClr val="tx1"/>
                 </a:solidFill>
@@ -9116,7 +9840,7 @@
               <a:t>through</a:t>
             </a:r>
             <a:r>
-              <a:rPr lang="nl-NL" dirty="0" smtClean="0">
+              <a:rPr lang="nl-NL" dirty="0">
                 <a:solidFill>
                   <a:schemeClr val="tx1"/>
                 </a:solidFill>
@@ -9130,7 +9854,7 @@
               <a:buChar char="•"/>
             </a:pPr>
             <a:r>
-              <a:rPr lang="nl-NL" dirty="0" smtClean="0">
+              <a:rPr lang="nl-NL" dirty="0">
                 <a:solidFill>
                   <a:schemeClr val="tx1"/>
                 </a:solidFill>
@@ -9138,14 +9862,14 @@
               <a:t>Check </a:t>
             </a:r>
             <a:r>
-              <a:rPr lang="nl-NL" dirty="0" err="1" smtClean="0">
+              <a:rPr lang="nl-NL" dirty="0" err="1">
                 <a:solidFill>
                   <a:schemeClr val="tx1"/>
                 </a:solidFill>
               </a:rPr>
               <a:t>functionality</a:t>
             </a:r>
-            <a:endParaRPr lang="nl-NL" dirty="0" smtClean="0">
+            <a:endParaRPr lang="nl-NL" dirty="0">
               <a:solidFill>
                 <a:schemeClr val="tx1"/>
               </a:solidFill>
@@ -9157,7 +9881,7 @@
               <a:buChar char="•"/>
             </a:pPr>
             <a:r>
-              <a:rPr lang="nl-NL" dirty="0" err="1" smtClean="0">
+              <a:rPr lang="nl-NL" dirty="0" err="1">
                 <a:solidFill>
                   <a:schemeClr val="tx1"/>
                 </a:solidFill>
@@ -9165,7 +9889,7 @@
               <a:t>Essential</a:t>
             </a:r>
             <a:r>
-              <a:rPr lang="nl-NL" dirty="0" smtClean="0">
+              <a:rPr lang="nl-NL" dirty="0">
                 <a:solidFill>
                   <a:schemeClr val="tx1"/>
                 </a:solidFill>
@@ -9173,7 +9897,7 @@
               <a:t> </a:t>
             </a:r>
             <a:r>
-              <a:rPr lang="nl-NL" dirty="0" err="1" smtClean="0">
+              <a:rPr lang="nl-NL" dirty="0" err="1">
                 <a:solidFill>
                   <a:schemeClr val="tx1"/>
                 </a:solidFill>
@@ -9181,7 +9905,7 @@
               <a:t>for</a:t>
             </a:r>
             <a:r>
-              <a:rPr lang="nl-NL" dirty="0" smtClean="0">
+              <a:rPr lang="nl-NL" dirty="0">
                 <a:solidFill>
                   <a:schemeClr val="tx1"/>
                 </a:solidFill>
@@ -9189,14 +9913,14 @@
               <a:t> </a:t>
             </a:r>
             <a:r>
-              <a:rPr lang="nl-NL" dirty="0" err="1" smtClean="0">
+              <a:rPr lang="nl-NL" dirty="0" err="1">
                 <a:solidFill>
                   <a:schemeClr val="tx1"/>
                 </a:solidFill>
               </a:rPr>
               <a:t>DevOps</a:t>
             </a:r>
-            <a:endParaRPr lang="nl-NL" dirty="0" smtClean="0">
+            <a:endParaRPr lang="nl-NL" dirty="0">
               <a:solidFill>
                 <a:schemeClr val="tx1"/>
               </a:solidFill>
@@ -9205,21 +9929,19 @@
         </p:txBody>
       </p:sp>
     </p:spTree>
+    <p:extLst>
+      <p:ext uri="{BB962C8B-B14F-4D97-AF65-F5344CB8AC3E}">
+        <p14:creationId xmlns:p14="http://schemas.microsoft.com/office/powerpoint/2010/main" val="1671634699"/>
+      </p:ext>
+    </p:extLst>
   </p:cSld>
   <p:clrMapOvr>
     <a:masterClrMapping/>
   </p:clrMapOvr>
-  <p:timing>
-    <p:tnLst>
-      <p:par>
-        <p:cTn id="1" dur="indefinite" restart="never" nodeType="tmRoot"/>
-      </p:par>
-    </p:tnLst>
-  </p:timing>
 </p:sld>
 </file>
 
-<file path=ppt/slides/slide3.xml><?xml version="1.0" encoding="utf-8"?>
+<file path=ppt/slides/slide4.xml><?xml version="1.0" encoding="utf-8"?>
 <p:sld xmlns:a="http://schemas.openxmlformats.org/drawingml/2006/main" xmlns:r="http://schemas.openxmlformats.org/officeDocument/2006/relationships" xmlns:p="http://schemas.openxmlformats.org/presentationml/2006/main">
   <p:cSld>
     <p:bg>
@@ -9278,10 +10000,9 @@
               <a:buNone/>
             </a:pPr>
             <a:r>
-              <a:rPr lang="en" dirty="0" smtClean="0"/>
+              <a:rPr lang="en" dirty="0"/>
               <a:t>Typical Web Application Landscape</a:t>
             </a:r>
-            <a:endParaRPr lang="en" dirty="0"/>
           </a:p>
         </p:txBody>
       </p:sp>
@@ -9474,7 +10195,7 @@
                   <a:spcPct val="90000"/>
                 </a:lnSpc>
               </a:pPr>
-              <a:endParaRPr lang="nl-NL" sz="1600" smtClean="0"/>
+              <a:endParaRPr lang="nl-NL" sz="1600"/>
             </a:p>
           </p:txBody>
         </p:sp>
@@ -9516,14 +10237,13 @@
           <a:p>
             <a:pPr algn="ctr"/>
             <a:r>
-              <a:rPr lang="nl-NL" dirty="0" err="1" smtClean="0"/>
+              <a:rPr lang="nl-NL" dirty="0" err="1"/>
               <a:t>Your</a:t>
             </a:r>
             <a:r>
-              <a:rPr lang="nl-NL" dirty="0" smtClean="0"/>
+              <a:rPr lang="nl-NL" dirty="0"/>
               <a:t> Application</a:t>
             </a:r>
-            <a:endParaRPr lang="nl-NL" dirty="0"/>
           </a:p>
         </p:txBody>
       </p:sp>
@@ -9629,7 +10349,7 @@
                   <a:spcPct val="90000"/>
                 </a:lnSpc>
               </a:pPr>
-              <a:endParaRPr lang="nl-NL" sz="1600" smtClean="0"/>
+              <a:endParaRPr lang="nl-NL" sz="1600"/>
             </a:p>
           </p:txBody>
         </p:sp>
@@ -9671,14 +10391,13 @@
           <a:p>
             <a:pPr algn="ctr"/>
             <a:r>
-              <a:rPr lang="nl-NL" dirty="0" err="1" smtClean="0"/>
+              <a:rPr lang="nl-NL" dirty="0" err="1"/>
               <a:t>Other</a:t>
             </a:r>
             <a:r>
-              <a:rPr lang="nl-NL" dirty="0" smtClean="0"/>
+              <a:rPr lang="nl-NL" dirty="0"/>
               <a:t> System</a:t>
             </a:r>
-            <a:endParaRPr lang="nl-NL" dirty="0"/>
           </a:p>
         </p:txBody>
       </p:sp>
@@ -9719,14 +10438,13 @@
           <a:p>
             <a:pPr algn="ctr"/>
             <a:r>
-              <a:rPr lang="nl-NL" dirty="0" err="1" smtClean="0"/>
+              <a:rPr lang="nl-NL" dirty="0" err="1"/>
               <a:t>Other</a:t>
             </a:r>
             <a:r>
-              <a:rPr lang="nl-NL" dirty="0" smtClean="0"/>
+              <a:rPr lang="nl-NL" dirty="0"/>
               <a:t> System</a:t>
             </a:r>
-            <a:endParaRPr lang="nl-NL" dirty="0"/>
           </a:p>
         </p:txBody>
       </p:sp>
@@ -9832,7 +10550,7 @@
                   <a:spcPct val="90000"/>
                 </a:lnSpc>
               </a:pPr>
-              <a:endParaRPr lang="nl-NL" sz="1600" smtClean="0"/>
+              <a:endParaRPr lang="nl-NL" sz="1600"/>
             </a:p>
           </p:txBody>
         </p:sp>
@@ -9998,17 +10716,10 @@
   <p:clrMapOvr>
     <a:masterClrMapping/>
   </p:clrMapOvr>
-  <p:timing>
-    <p:tnLst>
-      <p:par>
-        <p:cTn id="1" dur="indefinite" restart="never" nodeType="tmRoot"/>
-      </p:par>
-    </p:tnLst>
-  </p:timing>
 </p:sld>
 </file>
 
-<file path=ppt/slides/slide4.xml><?xml version="1.0" encoding="utf-8"?>
+<file path=ppt/slides/slide5.xml><?xml version="1.0" encoding="utf-8"?>
 <p:sld xmlns:a="http://schemas.openxmlformats.org/drawingml/2006/main" xmlns:r="http://schemas.openxmlformats.org/officeDocument/2006/relationships" xmlns:p="http://schemas.openxmlformats.org/presentationml/2006/main">
   <p:cSld>
     <p:bg>
@@ -10063,15 +10774,7 @@
             <a:pPr lvl="0"/>
             <a:r>
               <a:rPr lang="en" dirty="0"/>
-              <a:t>How T</a:t>
-            </a:r>
-            <a:r>
-              <a:rPr lang="en" dirty="0" smtClean="0"/>
-              <a:t>o Test “Through The </a:t>
-            </a:r>
-            <a:r>
-              <a:rPr lang="en" dirty="0"/>
-              <a:t>API”?</a:t>
+              <a:t>How To Test “Through The API”?</a:t>
             </a:r>
           </a:p>
         </p:txBody>
@@ -10205,7 +10908,7 @@
                   <a:spcPct val="90000"/>
                 </a:lnSpc>
               </a:pPr>
-              <a:endParaRPr lang="nl-NL" sz="1600" smtClean="0"/>
+              <a:endParaRPr lang="nl-NL" sz="1600"/>
             </a:p>
           </p:txBody>
         </p:sp>
@@ -10247,14 +10950,13 @@
           <a:p>
             <a:pPr algn="ctr"/>
             <a:r>
-              <a:rPr lang="nl-NL" dirty="0" err="1" smtClean="0"/>
+              <a:rPr lang="nl-NL" dirty="0" err="1"/>
               <a:t>Your</a:t>
             </a:r>
             <a:r>
-              <a:rPr lang="nl-NL" dirty="0" smtClean="0"/>
+              <a:rPr lang="nl-NL" dirty="0"/>
               <a:t> Application</a:t>
             </a:r>
-            <a:endParaRPr lang="nl-NL" dirty="0"/>
           </a:p>
         </p:txBody>
       </p:sp>
@@ -10360,7 +11062,7 @@
                   <a:spcPct val="90000"/>
                 </a:lnSpc>
               </a:pPr>
-              <a:endParaRPr lang="nl-NL" sz="1600" smtClean="0"/>
+              <a:endParaRPr lang="nl-NL" sz="1600"/>
             </a:p>
           </p:txBody>
         </p:sp>
@@ -10402,7 +11104,7 @@
           <a:p>
             <a:pPr algn="ctr"/>
             <a:r>
-              <a:rPr lang="nl-NL" dirty="0" err="1" smtClean="0"/>
+              <a:rPr lang="nl-NL" dirty="0" err="1"/>
               <a:t>Cucumber</a:t>
             </a:r>
             <a:endParaRPr lang="nl-NL" dirty="0"/>
@@ -10446,7 +11148,7 @@
           <a:p>
             <a:pPr algn="ctr"/>
             <a:r>
-              <a:rPr lang="nl-NL" dirty="0" err="1" smtClean="0"/>
+              <a:rPr lang="nl-NL" dirty="0" err="1"/>
               <a:t>Wiremock</a:t>
             </a:r>
             <a:endParaRPr lang="nl-NL" dirty="0"/>
@@ -10555,7 +11257,7 @@
                   <a:spcPct val="90000"/>
                 </a:lnSpc>
               </a:pPr>
-              <a:endParaRPr lang="nl-NL" sz="1600" smtClean="0"/>
+              <a:endParaRPr lang="nl-NL" sz="1600"/>
             </a:p>
           </p:txBody>
         </p:sp>
@@ -10687,17 +11389,10 @@
   <p:clrMapOvr>
     <a:masterClrMapping/>
   </p:clrMapOvr>
-  <p:timing>
-    <p:tnLst>
-      <p:par>
-        <p:cTn id="1" dur="indefinite" restart="never" nodeType="tmRoot"/>
-      </p:par>
-    </p:tnLst>
-  </p:timing>
 </p:sld>
 </file>
 
-<file path=ppt/slides/slide5.xml><?xml version="1.0" encoding="utf-8"?>
+<file path=ppt/slides/slide6.xml><?xml version="1.0" encoding="utf-8"?>
 <p:sld xmlns:a="http://schemas.openxmlformats.org/drawingml/2006/main" xmlns:r="http://schemas.openxmlformats.org/officeDocument/2006/relationships" xmlns:p="http://schemas.openxmlformats.org/presentationml/2006/main">
   <p:cSld>
     <p:bg>
@@ -10756,10 +11451,9 @@
               <a:buNone/>
             </a:pPr>
             <a:r>
-              <a:rPr lang="en" dirty="0" smtClean="0"/>
+              <a:rPr lang="en" dirty="0"/>
               <a:t>Cucumber</a:t>
             </a:r>
-            <a:endParaRPr lang="en" dirty="0"/>
           </a:p>
         </p:txBody>
       </p:sp>
@@ -10828,7 +11522,7 @@
         </p:nvSpPr>
         <p:spPr>
           <a:xfrm>
-            <a:off x="329366" y="1503218"/>
+            <a:off x="461039" y="1501001"/>
             <a:ext cx="8562109" cy="1938992"/>
           </a:xfrm>
           <a:prstGeom prst="rect">
@@ -10847,15 +11541,15 @@
               <a:buChar char="•"/>
             </a:pPr>
             <a:r>
-              <a:rPr lang="nl-NL" sz="2000" dirty="0" smtClean="0"/>
+              <a:rPr lang="nl-NL" sz="2000" dirty="0"/>
               <a:t>A tool </a:t>
             </a:r>
             <a:r>
-              <a:rPr lang="nl-NL" sz="2000" dirty="0" err="1" smtClean="0"/>
+              <a:rPr lang="nl-NL" sz="2000" dirty="0" err="1"/>
               <a:t>for</a:t>
             </a:r>
             <a:r>
-              <a:rPr lang="nl-NL" sz="2000" dirty="0" smtClean="0"/>
+              <a:rPr lang="nl-NL" sz="2000" dirty="0"/>
               <a:t> BDD</a:t>
             </a:r>
           </a:p>
@@ -10865,120 +11559,32 @@
               <a:buChar char="•"/>
             </a:pPr>
             <a:r>
-              <a:rPr lang="nl-NL" sz="2000" dirty="0" err="1" smtClean="0"/>
+              <a:rPr lang="nl-NL" sz="2000" dirty="0" err="1"/>
               <a:t>Merges</a:t>
             </a:r>
             <a:r>
-              <a:rPr lang="nl-NL" sz="2000" dirty="0" smtClean="0"/>
+              <a:rPr lang="nl-NL" sz="2000" dirty="0"/>
               <a:t> </a:t>
             </a:r>
             <a:r>
-              <a:rPr lang="nl-NL" sz="2000" dirty="0" err="1" smtClean="0"/>
+              <a:rPr lang="nl-NL" sz="2000" dirty="0" err="1"/>
               <a:t>specification</a:t>
             </a:r>
             <a:r>
-              <a:rPr lang="nl-NL" sz="2000" dirty="0" smtClean="0"/>
+              <a:rPr lang="nl-NL" sz="2000" dirty="0"/>
               <a:t> </a:t>
             </a:r>
             <a:r>
-              <a:rPr lang="nl-NL" sz="2000" dirty="0" err="1" smtClean="0"/>
+              <a:rPr lang="nl-NL" sz="2000" dirty="0" err="1"/>
               <a:t>and</a:t>
             </a:r>
             <a:r>
-              <a:rPr lang="nl-NL" sz="2000" dirty="0" smtClean="0"/>
+              <a:rPr lang="nl-NL" sz="2000" dirty="0"/>
               <a:t> test </a:t>
             </a:r>
             <a:r>
-              <a:rPr lang="nl-NL" sz="2000" dirty="0" err="1" smtClean="0"/>
+              <a:rPr lang="nl-NL" sz="2000" dirty="0" err="1"/>
               <a:t>documentation</a:t>
-            </a:r>
-            <a:endParaRPr lang="nl-NL" sz="2000" dirty="0" smtClean="0"/>
-          </a:p>
-          <a:p>
-            <a:pPr marL="285750" indent="-285750">
-              <a:buFont typeface="Arial" panose="020B0604020202020204" pitchFamily="34" charset="0"/>
-              <a:buChar char="•"/>
-            </a:pPr>
-            <a:r>
-              <a:rPr lang="nl-NL" sz="2000" dirty="0" err="1" smtClean="0"/>
-              <a:t>Facilitates</a:t>
-            </a:r>
-            <a:r>
-              <a:rPr lang="nl-NL" sz="2000" dirty="0" smtClean="0"/>
-              <a:t> TDD</a:t>
-            </a:r>
-          </a:p>
-          <a:p>
-            <a:pPr marL="285750" indent="-285750">
-              <a:buFont typeface="Arial" panose="020B0604020202020204" pitchFamily="34" charset="0"/>
-              <a:buChar char="•"/>
-            </a:pPr>
-            <a:r>
-              <a:rPr lang="nl-NL" sz="2000" dirty="0" smtClean="0"/>
-              <a:t>Supports different </a:t>
-            </a:r>
-            <a:r>
-              <a:rPr lang="nl-NL" sz="2000" dirty="0" err="1" smtClean="0"/>
-              <a:t>languages</a:t>
-            </a:r>
-            <a:r>
-              <a:rPr lang="nl-NL" sz="2000" dirty="0" smtClean="0"/>
-              <a:t> </a:t>
-            </a:r>
-            <a:r>
-              <a:rPr lang="nl-NL" sz="2000" dirty="0" err="1" smtClean="0"/>
-              <a:t>and</a:t>
-            </a:r>
-            <a:r>
-              <a:rPr lang="nl-NL" sz="2000" dirty="0" smtClean="0"/>
-              <a:t> </a:t>
-            </a:r>
-            <a:r>
-              <a:rPr lang="nl-NL" sz="2000" dirty="0" err="1" smtClean="0"/>
-              <a:t>frameworks</a:t>
-            </a:r>
-            <a:endParaRPr lang="nl-NL" sz="2000" dirty="0" smtClean="0"/>
-          </a:p>
-          <a:p>
-            <a:pPr marL="285750" indent="-285750">
-              <a:buFont typeface="Arial" panose="020B0604020202020204" pitchFamily="34" charset="0"/>
-              <a:buChar char="•"/>
-            </a:pPr>
-            <a:r>
-              <a:rPr lang="nl-NL" sz="2000" dirty="0" smtClean="0"/>
-              <a:t>Tests are </a:t>
-            </a:r>
-            <a:r>
-              <a:rPr lang="nl-NL" sz="2000" dirty="0" err="1" smtClean="0"/>
-              <a:t>written</a:t>
-            </a:r>
-            <a:r>
-              <a:rPr lang="nl-NL" sz="2000" dirty="0" smtClean="0"/>
-              <a:t> in </a:t>
-            </a:r>
-            <a:r>
-              <a:rPr lang="nl-NL" sz="2000" dirty="0" err="1" smtClean="0"/>
-              <a:t>Gherkin</a:t>
-            </a:r>
-            <a:r>
-              <a:rPr lang="nl-NL" sz="2000" dirty="0" smtClean="0"/>
-              <a:t> </a:t>
-            </a:r>
-            <a:r>
-              <a:rPr lang="nl-NL" sz="2000" dirty="0" err="1" smtClean="0"/>
-              <a:t>language</a:t>
-            </a:r>
-            <a:r>
-              <a:rPr lang="nl-NL" sz="2000" dirty="0" smtClean="0"/>
-              <a:t> (</a:t>
-            </a:r>
-            <a:r>
-              <a:rPr lang="nl-NL" sz="2000" dirty="0" err="1" smtClean="0"/>
-              <a:t>plain-text</a:t>
-            </a:r>
-            <a:r>
-              <a:rPr lang="nl-NL" sz="2000" dirty="0" smtClean="0"/>
-              <a:t> English)</a:t>
             </a:r>
             <a:endParaRPr lang="nl-NL" sz="2000" dirty="0"/>
           </a:p>
@@ -10988,36 +11594,95 @@
               <a:buChar char="•"/>
             </a:pPr>
             <a:r>
-              <a:rPr lang="en-US" sz="2000" dirty="0" smtClean="0"/>
-              <a:t>Each non-blank </a:t>
-            </a:r>
+              <a:rPr lang="nl-NL" sz="2000" dirty="0" err="1"/>
+              <a:t>Facilitates</a:t>
+            </a:r>
+            <a:r>
+              <a:rPr lang="nl-NL" sz="2000" dirty="0"/>
+              <a:t> TDD</a:t>
+            </a:r>
+          </a:p>
+          <a:p>
+            <a:pPr marL="285750" indent="-285750">
+              <a:buFont typeface="Arial" panose="020B0604020202020204" pitchFamily="34" charset="0"/>
+              <a:buChar char="•"/>
+            </a:pPr>
+            <a:r>
+              <a:rPr lang="nl-NL" sz="2000" dirty="0"/>
+              <a:t>Supports different </a:t>
+            </a:r>
+            <a:r>
+              <a:rPr lang="nl-NL" sz="2000" dirty="0" err="1"/>
+              <a:t>languages</a:t>
+            </a:r>
+            <a:r>
+              <a:rPr lang="nl-NL" sz="2000" dirty="0"/>
+              <a:t> </a:t>
+            </a:r>
+            <a:r>
+              <a:rPr lang="nl-NL" sz="2000" dirty="0" err="1"/>
+              <a:t>and</a:t>
+            </a:r>
+            <a:r>
+              <a:rPr lang="nl-NL" sz="2000" dirty="0"/>
+              <a:t> </a:t>
+            </a:r>
+            <a:r>
+              <a:rPr lang="nl-NL" sz="2000" dirty="0" err="1"/>
+              <a:t>frameworks</a:t>
+            </a:r>
+            <a:endParaRPr lang="nl-NL" sz="2000" dirty="0"/>
+          </a:p>
+          <a:p>
+            <a:pPr marL="285750" indent="-285750">
+              <a:buFont typeface="Arial" panose="020B0604020202020204" pitchFamily="34" charset="0"/>
+              <a:buChar char="•"/>
+            </a:pPr>
+            <a:r>
+              <a:rPr lang="nl-NL" sz="2000" dirty="0"/>
+              <a:t>Tests are </a:t>
+            </a:r>
+            <a:r>
+              <a:rPr lang="nl-NL" sz="2000" dirty="0" err="1"/>
+              <a:t>written</a:t>
+            </a:r>
+            <a:r>
+              <a:rPr lang="nl-NL" sz="2000" dirty="0"/>
+              <a:t> in </a:t>
+            </a:r>
+            <a:r>
+              <a:rPr lang="nl-NL" sz="2000" dirty="0" err="1"/>
+              <a:t>Gherkin</a:t>
+            </a:r>
+            <a:r>
+              <a:rPr lang="nl-NL" sz="2000" dirty="0"/>
+              <a:t> </a:t>
+            </a:r>
+            <a:r>
+              <a:rPr lang="nl-NL" sz="2000" dirty="0" err="1"/>
+              <a:t>language</a:t>
+            </a:r>
+            <a:r>
+              <a:rPr lang="nl-NL" sz="2000" dirty="0"/>
+              <a:t> (</a:t>
+            </a:r>
+            <a:r>
+              <a:rPr lang="nl-NL" sz="2000" dirty="0" err="1"/>
+              <a:t>plain-text</a:t>
+            </a:r>
+            <a:r>
+              <a:rPr lang="nl-NL" sz="2000" dirty="0"/>
+              <a:t> English)</a:t>
+            </a:r>
+          </a:p>
+          <a:p>
+            <a:pPr marL="285750" indent="-285750">
+              <a:buFont typeface="Arial" panose="020B0604020202020204" pitchFamily="34" charset="0"/>
+              <a:buChar char="•"/>
+            </a:pPr>
             <a:r>
               <a:rPr lang="en-US" sz="2000" dirty="0"/>
-              <a:t>line </a:t>
-            </a:r>
-            <a:r>
-              <a:rPr lang="en-US" sz="2000" dirty="0" smtClean="0"/>
-              <a:t>starts </a:t>
-            </a:r>
-            <a:r>
-              <a:rPr lang="en-US" sz="2000" dirty="0"/>
-              <a:t>with a </a:t>
-            </a:r>
-            <a:r>
-              <a:rPr lang="en-US" sz="2000" dirty="0" smtClean="0"/>
-              <a:t>keyword, </a:t>
-            </a:r>
-            <a:r>
-              <a:rPr lang="en-US" sz="2000" dirty="0"/>
-              <a:t>followed by </a:t>
-            </a:r>
-            <a:r>
-              <a:rPr lang="en-US" sz="2000" dirty="0" smtClean="0"/>
-              <a:t>arbitrary </a:t>
-            </a:r>
-            <a:r>
-              <a:rPr lang="en-US" sz="2000" dirty="0"/>
-              <a:t>text</a:t>
+              <a:t>Each non-blank line starts with a keyword, followed by arbitrary text</a:t>
             </a:r>
             <a:endParaRPr lang="nl-NL" sz="2000" dirty="0"/>
           </a:p>
@@ -11057,17 +11722,528 @@
   <p:clrMapOvr>
     <a:masterClrMapping/>
   </p:clrMapOvr>
-  <p:timing>
-    <p:tnLst>
-      <p:par>
-        <p:cTn id="1" dur="indefinite" restart="never" nodeType="tmRoot"/>
-      </p:par>
-    </p:tnLst>
-  </p:timing>
 </p:sld>
 </file>
 
-<file path=ppt/slides/slide6.xml><?xml version="1.0" encoding="utf-8"?>
+<file path=ppt/slides/slide7.xml><?xml version="1.0" encoding="utf-8"?>
+<p:sld xmlns:a="http://schemas.openxmlformats.org/drawingml/2006/main" xmlns:r="http://schemas.openxmlformats.org/officeDocument/2006/relationships" xmlns:p="http://schemas.openxmlformats.org/presentationml/2006/main">
+  <p:cSld>
+    <p:bg>
+      <p:bgPr>
+        <a:solidFill>
+          <a:schemeClr val="bg2">
+            <a:lumMod val="75000"/>
+          </a:schemeClr>
+        </a:solidFill>
+        <a:effectLst/>
+      </p:bgPr>
+    </p:bg>
+    <p:spTree>
+      <p:nvGrpSpPr>
+        <p:cNvPr id="1" name="Shape 157"/>
+        <p:cNvGrpSpPr/>
+        <p:nvPr/>
+      </p:nvGrpSpPr>
+      <p:grpSpPr>
+        <a:xfrm>
+          <a:off x="0" y="0"/>
+          <a:ext cx="0" cy="0"/>
+          <a:chOff x="0" y="0"/>
+          <a:chExt cx="0" cy="0"/>
+        </a:xfrm>
+      </p:grpSpPr>
+      <p:sp>
+        <p:nvSpPr>
+          <p:cNvPr id="158" name="Shape 158"/>
+          <p:cNvSpPr txBox="1">
+            <a:spLocks noGrp="1"/>
+          </p:cNvSpPr>
+          <p:nvPr>
+            <p:ph type="title" idx="4294967295"/>
+          </p:nvPr>
+        </p:nvSpPr>
+        <p:spPr>
+          <a:xfrm>
+            <a:off x="1297500" y="393750"/>
+            <a:ext cx="7038900" cy="914100"/>
+          </a:xfrm>
+          <a:prstGeom prst="rect">
+            <a:avLst/>
+          </a:prstGeom>
+        </p:spPr>
+        <p:txBody>
+          <a:bodyPr wrap="square" lIns="91425" tIns="91425" rIns="91425" bIns="91425" anchor="t" anchorCtr="0">
+            <a:noAutofit/>
+          </a:bodyPr>
+          <a:lstStyle/>
+          <a:p>
+            <a:pPr marL="0" lvl="0" indent="0" rtl="0">
+              <a:spcBef>
+                <a:spcPts val="0"/>
+              </a:spcBef>
+              <a:buNone/>
+            </a:pPr>
+            <a:r>
+              <a:rPr lang="en" dirty="0"/>
+              <a:t>Cucumber Workflow</a:t>
+            </a:r>
+          </a:p>
+        </p:txBody>
+      </p:sp>
+      <p:pic>
+        <p:nvPicPr>
+          <p:cNvPr id="159" name="Shape 159"/>
+          <p:cNvPicPr preferRelativeResize="0"/>
+          <p:nvPr/>
+        </p:nvPicPr>
+        <p:blipFill rotWithShape="1">
+          <a:blip r:embed="rId3">
+            <a:alphaModFix/>
+          </a:blip>
+          <a:srcRect b="59924"/>
+          <a:stretch/>
+        </p:blipFill>
+        <p:spPr>
+          <a:xfrm rot="10800000" flipH="1">
+            <a:off x="-163775" y="0"/>
+            <a:ext cx="1638476" cy="1307850"/>
+          </a:xfrm>
+          <a:prstGeom prst="rect">
+            <a:avLst/>
+          </a:prstGeom>
+          <a:noFill/>
+          <a:ln>
+            <a:noFill/>
+          </a:ln>
+        </p:spPr>
+      </p:pic>
+      <p:cxnSp>
+        <p:nvCxnSpPr>
+          <p:cNvPr id="12" name="Curved Connector 11"/>
+          <p:cNvCxnSpPr>
+            <a:cxnSpLocks/>
+            <a:stCxn id="37" idx="2"/>
+            <a:endCxn id="46" idx="1"/>
+          </p:cNvCxnSpPr>
+          <p:nvPr/>
+        </p:nvCxnSpPr>
+        <p:spPr>
+          <a:xfrm rot="16200000" flipH="1">
+            <a:off x="1612484" y="2993001"/>
+            <a:ext cx="1488830" cy="719956"/>
+          </a:xfrm>
+          <a:prstGeom prst="curvedConnector2">
+            <a:avLst/>
+          </a:prstGeom>
+          <a:ln w="28575" cmpd="sng">
+            <a:solidFill>
+              <a:schemeClr val="accent5">
+                <a:lumMod val="20000"/>
+                <a:lumOff val="80000"/>
+              </a:schemeClr>
+            </a:solidFill>
+            <a:tailEnd type="triangle"/>
+          </a:ln>
+        </p:spPr>
+        <p:style>
+          <a:lnRef idx="1">
+            <a:schemeClr val="accent1"/>
+          </a:lnRef>
+          <a:fillRef idx="0">
+            <a:schemeClr val="accent1"/>
+          </a:fillRef>
+          <a:effectRef idx="0">
+            <a:schemeClr val="accent1"/>
+          </a:effectRef>
+          <a:fontRef idx="minor">
+            <a:schemeClr val="tx1"/>
+          </a:fontRef>
+        </p:style>
+      </p:cxnSp>
+      <p:cxnSp>
+        <p:nvCxnSpPr>
+          <p:cNvPr id="16" name="Curved Connector 15"/>
+          <p:cNvCxnSpPr>
+            <a:cxnSpLocks/>
+            <a:stCxn id="47" idx="3"/>
+            <a:endCxn id="54" idx="0"/>
+          </p:cNvCxnSpPr>
+          <p:nvPr/>
+        </p:nvCxnSpPr>
+        <p:spPr>
+          <a:xfrm>
+            <a:off x="5512293" y="2156146"/>
+            <a:ext cx="699421" cy="1492088"/>
+          </a:xfrm>
+          <a:prstGeom prst="curvedConnector2">
+            <a:avLst/>
+          </a:prstGeom>
+          <a:ln w="28575">
+            <a:solidFill>
+              <a:schemeClr val="bg1"/>
+            </a:solidFill>
+            <a:tailEnd type="triangle"/>
+          </a:ln>
+        </p:spPr>
+        <p:style>
+          <a:lnRef idx="1">
+            <a:schemeClr val="accent1"/>
+          </a:lnRef>
+          <a:fillRef idx="0">
+            <a:schemeClr val="accent1"/>
+          </a:fillRef>
+          <a:effectRef idx="0">
+            <a:schemeClr val="accent1"/>
+          </a:effectRef>
+          <a:fontRef idx="minor">
+            <a:schemeClr val="tx1"/>
+          </a:fontRef>
+        </p:style>
+      </p:cxnSp>
+      <p:cxnSp>
+        <p:nvCxnSpPr>
+          <p:cNvPr id="19" name="Curved Connector 18"/>
+          <p:cNvCxnSpPr>
+            <a:cxnSpLocks/>
+            <a:stCxn id="54" idx="3"/>
+            <a:endCxn id="55" idx="2"/>
+          </p:cNvCxnSpPr>
+          <p:nvPr/>
+        </p:nvCxnSpPr>
+        <p:spPr>
+          <a:xfrm flipV="1">
+            <a:off x="6911135" y="2605306"/>
+            <a:ext cx="717688" cy="1492089"/>
+          </a:xfrm>
+          <a:prstGeom prst="curvedConnector2">
+            <a:avLst/>
+          </a:prstGeom>
+          <a:ln w="28575">
+            <a:solidFill>
+              <a:schemeClr val="bg1"/>
+            </a:solidFill>
+            <a:tailEnd type="triangle"/>
+          </a:ln>
+        </p:spPr>
+        <p:style>
+          <a:lnRef idx="1">
+            <a:schemeClr val="accent1"/>
+          </a:lnRef>
+          <a:fillRef idx="0">
+            <a:schemeClr val="accent1"/>
+          </a:fillRef>
+          <a:effectRef idx="0">
+            <a:schemeClr val="accent1"/>
+          </a:effectRef>
+          <a:fontRef idx="minor">
+            <a:schemeClr val="tx1"/>
+          </a:fontRef>
+        </p:style>
+      </p:cxnSp>
+      <p:cxnSp>
+        <p:nvCxnSpPr>
+          <p:cNvPr id="23" name="Curved Connector 22"/>
+          <p:cNvCxnSpPr>
+            <a:cxnSpLocks/>
+            <a:stCxn id="46" idx="0"/>
+            <a:endCxn id="47" idx="1"/>
+          </p:cNvCxnSpPr>
+          <p:nvPr/>
+        </p:nvCxnSpPr>
+        <p:spPr>
+          <a:xfrm rot="5400000" flipH="1" flipV="1">
+            <a:off x="3018831" y="2553614"/>
+            <a:ext cx="1492087" cy="697153"/>
+          </a:xfrm>
+          <a:prstGeom prst="curvedConnector2">
+            <a:avLst/>
+          </a:prstGeom>
+          <a:ln w="31750">
+            <a:solidFill>
+              <a:schemeClr val="bg1"/>
+            </a:solidFill>
+            <a:tailEnd type="triangle"/>
+          </a:ln>
+        </p:spPr>
+        <p:style>
+          <a:lnRef idx="1">
+            <a:schemeClr val="accent1"/>
+          </a:lnRef>
+          <a:fillRef idx="0">
+            <a:schemeClr val="accent1"/>
+          </a:fillRef>
+          <a:effectRef idx="0">
+            <a:schemeClr val="accent1"/>
+          </a:effectRef>
+          <a:fontRef idx="minor">
+            <a:schemeClr val="tx1"/>
+          </a:fontRef>
+        </p:style>
+      </p:cxnSp>
+      <p:sp>
+        <p:nvSpPr>
+          <p:cNvPr id="37" name="Rounded Rectangle 36">
+            <a:extLst>
+              <a:ext uri="{FF2B5EF4-FFF2-40B4-BE49-F238E27FC236}">
+                <a16:creationId xmlns:a16="http://schemas.microsoft.com/office/drawing/2014/main" id="{DAEA13E8-D36D-FE4C-B7FE-40C4A4545614}"/>
+              </a:ext>
+            </a:extLst>
+          </p:cNvPr>
+          <p:cNvSpPr/>
+          <p:nvPr/>
+        </p:nvSpPr>
+        <p:spPr>
+          <a:xfrm>
+            <a:off x="1297500" y="1710243"/>
+            <a:ext cx="1398842" cy="898321"/>
+          </a:xfrm>
+          <a:prstGeom prst="roundRect">
+            <a:avLst/>
+          </a:prstGeom>
+        </p:spPr>
+        <p:style>
+          <a:lnRef idx="2">
+            <a:schemeClr val="accent1">
+              <a:shade val="50000"/>
+            </a:schemeClr>
+          </a:lnRef>
+          <a:fillRef idx="1">
+            <a:schemeClr val="accent1"/>
+          </a:fillRef>
+          <a:effectRef idx="0">
+            <a:schemeClr val="accent1"/>
+          </a:effectRef>
+          <a:fontRef idx="minor">
+            <a:schemeClr val="lt1"/>
+          </a:fontRef>
+        </p:style>
+        <p:txBody>
+          <a:bodyPr rtlCol="0" anchor="ctr"/>
+          <a:lstStyle/>
+          <a:p>
+            <a:pPr algn="ctr"/>
+            <a:r>
+              <a:rPr lang="en-US" dirty="0"/>
+              <a:t>Describe </a:t>
+            </a:r>
+            <a:r>
+              <a:rPr lang="en-US" dirty="0" err="1"/>
+              <a:t>behaviour</a:t>
+            </a:r>
+            <a:endParaRPr lang="en-US" dirty="0"/>
+          </a:p>
+        </p:txBody>
+      </p:sp>
+      <p:sp>
+        <p:nvSpPr>
+          <p:cNvPr id="46" name="Rounded Rectangle 45">
+            <a:extLst>
+              <a:ext uri="{FF2B5EF4-FFF2-40B4-BE49-F238E27FC236}">
+                <a16:creationId xmlns:a16="http://schemas.microsoft.com/office/drawing/2014/main" id="{70DD7F88-A5EF-954F-A0F8-06BBFD11D17E}"/>
+              </a:ext>
+            </a:extLst>
+          </p:cNvPr>
+          <p:cNvSpPr/>
+          <p:nvPr/>
+        </p:nvSpPr>
+        <p:spPr>
+          <a:xfrm>
+            <a:off x="2716877" y="3648233"/>
+            <a:ext cx="1398842" cy="898321"/>
+          </a:xfrm>
+          <a:prstGeom prst="roundRect">
+            <a:avLst/>
+          </a:prstGeom>
+        </p:spPr>
+        <p:style>
+          <a:lnRef idx="2">
+            <a:schemeClr val="accent1">
+              <a:shade val="50000"/>
+            </a:schemeClr>
+          </a:lnRef>
+          <a:fillRef idx="1">
+            <a:schemeClr val="accent1"/>
+          </a:fillRef>
+          <a:effectRef idx="0">
+            <a:schemeClr val="accent1"/>
+          </a:effectRef>
+          <a:fontRef idx="minor">
+            <a:schemeClr val="lt1"/>
+          </a:fontRef>
+        </p:style>
+        <p:txBody>
+          <a:bodyPr rtlCol="0" anchor="ctr"/>
+          <a:lstStyle/>
+          <a:p>
+            <a:pPr algn="ctr"/>
+            <a:r>
+              <a:rPr lang="en-US" dirty="0"/>
+              <a:t>Write step definition code</a:t>
+            </a:r>
+          </a:p>
+        </p:txBody>
+      </p:sp>
+      <p:sp>
+        <p:nvSpPr>
+          <p:cNvPr id="47" name="Rounded Rectangle 46">
+            <a:extLst>
+              <a:ext uri="{FF2B5EF4-FFF2-40B4-BE49-F238E27FC236}">
+                <a16:creationId xmlns:a16="http://schemas.microsoft.com/office/drawing/2014/main" id="{ED32994B-3900-A14A-BDFA-AC7C1080D212}"/>
+              </a:ext>
+            </a:extLst>
+          </p:cNvPr>
+          <p:cNvSpPr/>
+          <p:nvPr/>
+        </p:nvSpPr>
+        <p:spPr>
+          <a:xfrm>
+            <a:off x="4113451" y="1706985"/>
+            <a:ext cx="1398842" cy="898321"/>
+          </a:xfrm>
+          <a:prstGeom prst="roundRect">
+            <a:avLst/>
+          </a:prstGeom>
+        </p:spPr>
+        <p:style>
+          <a:lnRef idx="2">
+            <a:schemeClr val="accent1">
+              <a:shade val="50000"/>
+            </a:schemeClr>
+          </a:lnRef>
+          <a:fillRef idx="1">
+            <a:schemeClr val="accent1"/>
+          </a:fillRef>
+          <a:effectRef idx="0">
+            <a:schemeClr val="accent1"/>
+          </a:effectRef>
+          <a:fontRef idx="minor">
+            <a:schemeClr val="lt1"/>
+          </a:fontRef>
+        </p:style>
+        <p:txBody>
+          <a:bodyPr rtlCol="0" anchor="ctr"/>
+          <a:lstStyle/>
+          <a:p>
+            <a:pPr algn="ctr"/>
+            <a:r>
+              <a:rPr lang="en-US" dirty="0"/>
+              <a:t>Run and fail</a:t>
+            </a:r>
+          </a:p>
+        </p:txBody>
+      </p:sp>
+      <p:sp>
+        <p:nvSpPr>
+          <p:cNvPr id="54" name="Rounded Rectangle 53">
+            <a:extLst>
+              <a:ext uri="{FF2B5EF4-FFF2-40B4-BE49-F238E27FC236}">
+                <a16:creationId xmlns:a16="http://schemas.microsoft.com/office/drawing/2014/main" id="{91617B01-16CD-1F44-B6D3-78E4E3C3EAB3}"/>
+              </a:ext>
+            </a:extLst>
+          </p:cNvPr>
+          <p:cNvSpPr/>
+          <p:nvPr/>
+        </p:nvSpPr>
+        <p:spPr>
+          <a:xfrm>
+            <a:off x="5512293" y="3648234"/>
+            <a:ext cx="1398842" cy="898321"/>
+          </a:xfrm>
+          <a:prstGeom prst="roundRect">
+            <a:avLst/>
+          </a:prstGeom>
+        </p:spPr>
+        <p:style>
+          <a:lnRef idx="2">
+            <a:schemeClr val="accent1">
+              <a:shade val="50000"/>
+            </a:schemeClr>
+          </a:lnRef>
+          <a:fillRef idx="1">
+            <a:schemeClr val="accent1"/>
+          </a:fillRef>
+          <a:effectRef idx="0">
+            <a:schemeClr val="accent1"/>
+          </a:effectRef>
+          <a:fontRef idx="minor">
+            <a:schemeClr val="lt1"/>
+          </a:fontRef>
+        </p:style>
+        <p:txBody>
+          <a:bodyPr rtlCol="0" anchor="ctr"/>
+          <a:lstStyle/>
+          <a:p>
+            <a:pPr algn="ctr"/>
+            <a:r>
+              <a:rPr lang="en-US" dirty="0"/>
+              <a:t>Write business logic</a:t>
+            </a:r>
+          </a:p>
+        </p:txBody>
+      </p:sp>
+      <p:sp>
+        <p:nvSpPr>
+          <p:cNvPr id="55" name="Rounded Rectangle 54">
+            <a:extLst>
+              <a:ext uri="{FF2B5EF4-FFF2-40B4-BE49-F238E27FC236}">
+                <a16:creationId xmlns:a16="http://schemas.microsoft.com/office/drawing/2014/main" id="{39598860-6854-0542-93D4-533C290D8804}"/>
+              </a:ext>
+            </a:extLst>
+          </p:cNvPr>
+          <p:cNvSpPr/>
+          <p:nvPr/>
+        </p:nvSpPr>
+        <p:spPr>
+          <a:xfrm>
+            <a:off x="6929402" y="1706985"/>
+            <a:ext cx="1398842" cy="898321"/>
+          </a:xfrm>
+          <a:prstGeom prst="roundRect">
+            <a:avLst/>
+          </a:prstGeom>
+        </p:spPr>
+        <p:style>
+          <a:lnRef idx="2">
+            <a:schemeClr val="accent1">
+              <a:shade val="50000"/>
+            </a:schemeClr>
+          </a:lnRef>
+          <a:fillRef idx="1">
+            <a:schemeClr val="accent1"/>
+          </a:fillRef>
+          <a:effectRef idx="0">
+            <a:schemeClr val="accent1"/>
+          </a:effectRef>
+          <a:fontRef idx="minor">
+            <a:schemeClr val="lt1"/>
+          </a:fontRef>
+        </p:style>
+        <p:txBody>
+          <a:bodyPr rtlCol="0" anchor="ctr"/>
+          <a:lstStyle/>
+          <a:p>
+            <a:pPr algn="ctr"/>
+            <a:r>
+              <a:rPr lang="en-US" dirty="0"/>
+              <a:t>Run and pass</a:t>
+            </a:r>
+          </a:p>
+        </p:txBody>
+      </p:sp>
+    </p:spTree>
+    <p:extLst>
+      <p:ext uri="{BB962C8B-B14F-4D97-AF65-F5344CB8AC3E}">
+        <p14:creationId xmlns:p14="http://schemas.microsoft.com/office/powerpoint/2010/main" val="561458133"/>
+      </p:ext>
+    </p:extLst>
+  </p:cSld>
+  <p:clrMapOvr>
+    <a:masterClrMapping/>
+  </p:clrMapOvr>
+</p:sld>
+</file>
+
+<file path=ppt/slides/slide8.xml><?xml version="1.0" encoding="utf-8"?>
 <p:sld xmlns:a="http://schemas.openxmlformats.org/drawingml/2006/main" xmlns:r="http://schemas.openxmlformats.org/officeDocument/2006/relationships" xmlns:p="http://schemas.openxmlformats.org/presentationml/2006/main">
   <p:cSld>
     <p:bg>
@@ -11126,10 +12302,9 @@
               <a:buNone/>
             </a:pPr>
             <a:r>
-              <a:rPr lang="en" dirty="0" smtClean="0"/>
+              <a:rPr lang="en" dirty="0"/>
               <a:t>Wiremock</a:t>
             </a:r>
-            <a:endParaRPr lang="en" dirty="0"/>
           </a:p>
         </p:txBody>
       </p:sp>
@@ -11187,43 +12362,43 @@
               <a:buChar char="•"/>
             </a:pPr>
             <a:r>
-              <a:rPr lang="nl-NL" sz="2000" dirty="0" smtClean="0"/>
+              <a:rPr lang="nl-NL" sz="2000" dirty="0"/>
               <a:t>HTTP(S) </a:t>
             </a:r>
             <a:r>
-              <a:rPr lang="nl-NL" sz="2000" dirty="0" err="1" smtClean="0"/>
+              <a:rPr lang="nl-NL" sz="2000" dirty="0" err="1"/>
               <a:t>mock</a:t>
             </a:r>
             <a:r>
-              <a:rPr lang="nl-NL" sz="2000" dirty="0" smtClean="0"/>
+              <a:rPr lang="nl-NL" sz="2000" dirty="0"/>
               <a:t> server </a:t>
             </a:r>
             <a:r>
-              <a:rPr lang="nl-NL" sz="2000" dirty="0" smtClean="0">
+              <a:rPr lang="nl-NL" sz="2000" dirty="0">
                 <a:sym typeface="Wingdings" panose="05000000000000000000" pitchFamily="2" charset="2"/>
               </a:rPr>
               <a:t> </a:t>
             </a:r>
             <a:r>
-              <a:rPr lang="nl-NL" sz="2000" dirty="0" err="1" smtClean="0">
+              <a:rPr lang="nl-NL" sz="2000" dirty="0" err="1">
                 <a:sym typeface="Wingdings" panose="05000000000000000000" pitchFamily="2" charset="2"/>
               </a:rPr>
               <a:t>like</a:t>
             </a:r>
             <a:r>
-              <a:rPr lang="nl-NL" sz="2000" dirty="0" smtClean="0">
+              <a:rPr lang="nl-NL" sz="2000" dirty="0">
                 <a:sym typeface="Wingdings" panose="05000000000000000000" pitchFamily="2" charset="2"/>
               </a:rPr>
               <a:t> </a:t>
             </a:r>
             <a:r>
-              <a:rPr lang="nl-NL" sz="2000" dirty="0" err="1" smtClean="0">
+              <a:rPr lang="nl-NL" sz="2000" dirty="0" err="1">
                 <a:sym typeface="Wingdings" panose="05000000000000000000" pitchFamily="2" charset="2"/>
               </a:rPr>
               <a:t>Mockito</a:t>
             </a:r>
             <a:r>
-              <a:rPr lang="nl-NL" sz="2000" dirty="0" smtClean="0">
+              <a:rPr lang="nl-NL" sz="2000" dirty="0">
                 <a:sym typeface="Wingdings" panose="05000000000000000000" pitchFamily="2" charset="2"/>
               </a:rPr>
               <a:t> in unit tests</a:t>
@@ -11235,72 +12410,66 @@
               <a:buChar char="•"/>
             </a:pPr>
             <a:r>
-              <a:rPr lang="nl-NL" sz="2000" dirty="0" smtClean="0">
-                <a:sym typeface="Wingdings" panose="05000000000000000000" pitchFamily="2" charset="2"/>
-              </a:rPr>
-              <a:t>Supports </a:t>
-            </a:r>
-            <a:r>
-              <a:rPr lang="nl-NL" sz="2000" dirty="0" err="1" smtClean="0">
-                <a:sym typeface="Wingdings" panose="05000000000000000000" pitchFamily="2" charset="2"/>
-              </a:rPr>
-              <a:t>stubbing</a:t>
-            </a:r>
-            <a:r>
               <a:rPr lang="nl-NL" sz="2000" dirty="0">
                 <a:sym typeface="Wingdings" panose="05000000000000000000" pitchFamily="2" charset="2"/>
               </a:rPr>
-              <a:t>,</a:t>
-            </a:r>
-            <a:r>
-              <a:rPr lang="nl-NL" sz="2000" dirty="0" smtClean="0">
+              <a:t>Supports </a:t>
+            </a:r>
+            <a:r>
+              <a:rPr lang="nl-NL" sz="2000" dirty="0" err="1">
                 <a:sym typeface="Wingdings" panose="05000000000000000000" pitchFamily="2" charset="2"/>
               </a:rPr>
+              <a:t>stubbing</a:t>
+            </a:r>
+            <a:r>
+              <a:rPr lang="nl-NL" sz="2000" dirty="0">
+                <a:sym typeface="Wingdings" panose="05000000000000000000" pitchFamily="2" charset="2"/>
+              </a:rPr>
+              <a:t>, </a:t>
+            </a:r>
+            <a:r>
+              <a:rPr lang="nl-NL" sz="2000" dirty="0" err="1">
+                <a:sym typeface="Wingdings" panose="05000000000000000000" pitchFamily="2" charset="2"/>
+              </a:rPr>
+              <a:t>verification</a:t>
+            </a:r>
+            <a:r>
+              <a:rPr lang="nl-NL" sz="2000" dirty="0">
+                <a:sym typeface="Wingdings" panose="05000000000000000000" pitchFamily="2" charset="2"/>
+              </a:rPr>
               <a:t> </a:t>
             </a:r>
             <a:r>
-              <a:rPr lang="nl-NL" sz="2000" dirty="0" err="1" smtClean="0">
+              <a:rPr lang="nl-NL" sz="2000" dirty="0" err="1">
                 <a:sym typeface="Wingdings" panose="05000000000000000000" pitchFamily="2" charset="2"/>
               </a:rPr>
-              <a:t>verification</a:t>
-            </a:r>
-            <a:r>
-              <a:rPr lang="nl-NL" sz="2000" dirty="0" smtClean="0">
+              <a:t>and</a:t>
+            </a:r>
+            <a:r>
+              <a:rPr lang="nl-NL" sz="2000" dirty="0">
                 <a:sym typeface="Wingdings" panose="05000000000000000000" pitchFamily="2" charset="2"/>
               </a:rPr>
               <a:t> </a:t>
             </a:r>
             <a:r>
-              <a:rPr lang="nl-NL" sz="2000" dirty="0" err="1" smtClean="0">
+              <a:rPr lang="nl-NL" sz="2000" dirty="0" err="1">
                 <a:sym typeface="Wingdings" panose="05000000000000000000" pitchFamily="2" charset="2"/>
               </a:rPr>
-              <a:t>and</a:t>
-            </a:r>
-            <a:r>
-              <a:rPr lang="nl-NL" sz="2000" dirty="0" smtClean="0">
+              <a:t>stateful</a:t>
+            </a:r>
+            <a:r>
+              <a:rPr lang="nl-NL" sz="2000" dirty="0">
                 <a:sym typeface="Wingdings" panose="05000000000000000000" pitchFamily="2" charset="2"/>
               </a:rPr>
               <a:t> </a:t>
             </a:r>
             <a:r>
-              <a:rPr lang="nl-NL" sz="2000" dirty="0" err="1" smtClean="0">
+              <a:rPr lang="nl-NL" sz="2000" dirty="0" err="1">
                 <a:sym typeface="Wingdings" panose="05000000000000000000" pitchFamily="2" charset="2"/>
               </a:rPr>
-              <a:t>stateful</a:t>
-            </a:r>
-            <a:r>
-              <a:rPr lang="nl-NL" sz="2000" dirty="0" smtClean="0">
-                <a:sym typeface="Wingdings" panose="05000000000000000000" pitchFamily="2" charset="2"/>
-              </a:rPr>
-              <a:t> </a:t>
-            </a:r>
-            <a:r>
-              <a:rPr lang="nl-NL" sz="2000" dirty="0" err="1" smtClean="0">
-                <a:sym typeface="Wingdings" panose="05000000000000000000" pitchFamily="2" charset="2"/>
-              </a:rPr>
               <a:t>behaviour</a:t>
             </a:r>
-            <a:endParaRPr lang="nl-NL" sz="2000" dirty="0" smtClean="0">
+            <a:endParaRPr lang="nl-NL" sz="2000" dirty="0">
               <a:sym typeface="Wingdings" panose="05000000000000000000" pitchFamily="2" charset="2"/>
             </a:endParaRPr>
           </a:p>
@@ -11310,48 +12479,48 @@
               <a:buChar char="•"/>
             </a:pPr>
             <a:r>
-              <a:rPr lang="nl-NL" sz="2000" dirty="0" err="1" smtClean="0">
+              <a:rPr lang="nl-NL" sz="2000" dirty="0" err="1">
                 <a:sym typeface="Wingdings" panose="05000000000000000000" pitchFamily="2" charset="2"/>
               </a:rPr>
               <a:t>Can</a:t>
             </a:r>
             <a:r>
-              <a:rPr lang="nl-NL" sz="2000" dirty="0" smtClean="0">
+              <a:rPr lang="nl-NL" sz="2000" dirty="0">
                 <a:sym typeface="Wingdings" panose="05000000000000000000" pitchFamily="2" charset="2"/>
               </a:rPr>
               <a:t> speed up </a:t>
             </a:r>
             <a:r>
-              <a:rPr lang="nl-NL" sz="2000" dirty="0" err="1" smtClean="0">
+              <a:rPr lang="nl-NL" sz="2000" dirty="0" err="1">
                 <a:sym typeface="Wingdings" panose="05000000000000000000" pitchFamily="2" charset="2"/>
               </a:rPr>
               <a:t>integration</a:t>
             </a:r>
             <a:r>
-              <a:rPr lang="nl-NL" sz="2000" dirty="0" smtClean="0">
+              <a:rPr lang="nl-NL" sz="2000" dirty="0">
                 <a:sym typeface="Wingdings" panose="05000000000000000000" pitchFamily="2" charset="2"/>
               </a:rPr>
               <a:t> </a:t>
             </a:r>
             <a:r>
-              <a:rPr lang="nl-NL" sz="2000" dirty="0" err="1" smtClean="0">
+              <a:rPr lang="nl-NL" sz="2000" dirty="0" err="1">
                 <a:sym typeface="Wingdings" panose="05000000000000000000" pitchFamily="2" charset="2"/>
               </a:rPr>
               <a:t>with</a:t>
             </a:r>
             <a:r>
-              <a:rPr lang="nl-NL" sz="2000" dirty="0" smtClean="0">
+              <a:rPr lang="nl-NL" sz="2000" dirty="0">
                 <a:sym typeface="Wingdings" panose="05000000000000000000" pitchFamily="2" charset="2"/>
               </a:rPr>
               <a:t> incomplete </a:t>
             </a:r>
             <a:r>
-              <a:rPr lang="nl-NL" sz="2000" dirty="0" err="1" smtClean="0">
+              <a:rPr lang="nl-NL" sz="2000" dirty="0" err="1">
                 <a:sym typeface="Wingdings" panose="05000000000000000000" pitchFamily="2" charset="2"/>
               </a:rPr>
               <a:t>APIs</a:t>
             </a:r>
-            <a:endParaRPr lang="nl-NL" sz="2000" dirty="0" smtClean="0">
+            <a:endParaRPr lang="nl-NL" sz="2000" dirty="0">
               <a:sym typeface="Wingdings" panose="05000000000000000000" pitchFamily="2" charset="2"/>
             </a:endParaRPr>
           </a:p>
@@ -11361,72 +12530,72 @@
               <a:buChar char="•"/>
             </a:pPr>
             <a:r>
-              <a:rPr lang="nl-NL" sz="2000" dirty="0" err="1" smtClean="0">
+              <a:rPr lang="nl-NL" sz="2000" dirty="0" err="1">
                 <a:sym typeface="Wingdings" panose="05000000000000000000" pitchFamily="2" charset="2"/>
               </a:rPr>
               <a:t>Good</a:t>
             </a:r>
             <a:r>
-              <a:rPr lang="nl-NL" sz="2000" dirty="0" smtClean="0">
+              <a:rPr lang="nl-NL" sz="2000" dirty="0">
                 <a:sym typeface="Wingdings" panose="05000000000000000000" pitchFamily="2" charset="2"/>
               </a:rPr>
               <a:t> </a:t>
             </a:r>
             <a:r>
-              <a:rPr lang="nl-NL" sz="2000" dirty="0" err="1" smtClean="0">
+              <a:rPr lang="nl-NL" sz="2000" dirty="0" err="1">
                 <a:sym typeface="Wingdings" panose="05000000000000000000" pitchFamily="2" charset="2"/>
               </a:rPr>
               <a:t>for</a:t>
             </a:r>
             <a:r>
-              <a:rPr lang="nl-NL" sz="2000" dirty="0" smtClean="0">
+              <a:rPr lang="nl-NL" sz="2000" dirty="0">
                 <a:sym typeface="Wingdings" panose="05000000000000000000" pitchFamily="2" charset="2"/>
               </a:rPr>
               <a:t> </a:t>
             </a:r>
             <a:r>
-              <a:rPr lang="nl-NL" sz="2000" dirty="0" err="1" smtClean="0">
+              <a:rPr lang="nl-NL" sz="2000" dirty="0" err="1">
                 <a:sym typeface="Wingdings" panose="05000000000000000000" pitchFamily="2" charset="2"/>
               </a:rPr>
               <a:t>edge</a:t>
             </a:r>
             <a:r>
-              <a:rPr lang="nl-NL" sz="2000" dirty="0" smtClean="0">
+              <a:rPr lang="nl-NL" sz="2000" dirty="0">
                 <a:sym typeface="Wingdings" panose="05000000000000000000" pitchFamily="2" charset="2"/>
               </a:rPr>
               <a:t> cases </a:t>
             </a:r>
             <a:r>
-              <a:rPr lang="nl-NL" sz="2000" dirty="0" err="1" smtClean="0">
+              <a:rPr lang="nl-NL" sz="2000" dirty="0" err="1">
                 <a:sym typeface="Wingdings" panose="05000000000000000000" pitchFamily="2" charset="2"/>
               </a:rPr>
               <a:t>and</a:t>
             </a:r>
             <a:r>
-              <a:rPr lang="nl-NL" sz="2000" dirty="0" smtClean="0">
+              <a:rPr lang="nl-NL" sz="2000" dirty="0">
                 <a:sym typeface="Wingdings" panose="05000000000000000000" pitchFamily="2" charset="2"/>
               </a:rPr>
               <a:t> </a:t>
             </a:r>
             <a:r>
-              <a:rPr lang="nl-NL" sz="2000" dirty="0" err="1" smtClean="0">
+              <a:rPr lang="nl-NL" sz="2000" dirty="0" err="1">
                 <a:sym typeface="Wingdings" panose="05000000000000000000" pitchFamily="2" charset="2"/>
               </a:rPr>
               <a:t>fault</a:t>
             </a:r>
             <a:r>
-              <a:rPr lang="nl-NL" sz="2000" dirty="0" smtClean="0">
+              <a:rPr lang="nl-NL" sz="2000" dirty="0">
                 <a:sym typeface="Wingdings" panose="05000000000000000000" pitchFamily="2" charset="2"/>
               </a:rPr>
               <a:t> </a:t>
             </a:r>
             <a:r>
-              <a:rPr lang="nl-NL" sz="2000" dirty="0" err="1" smtClean="0">
+              <a:rPr lang="nl-NL" sz="2000" dirty="0" err="1">
                 <a:sym typeface="Wingdings" panose="05000000000000000000" pitchFamily="2" charset="2"/>
               </a:rPr>
               <a:t>scenarios</a:t>
             </a:r>
-            <a:endParaRPr lang="nl-NL" sz="2000" dirty="0" smtClean="0"/>
+            <a:endParaRPr lang="nl-NL" sz="2000" dirty="0"/>
           </a:p>
           <a:p>
             <a:pPr marL="285750" indent="-285750">
@@ -11435,21 +12604,9 @@
             </a:pPr>
             <a:r>
               <a:rPr lang="en-US" sz="2000" dirty="0"/>
-              <a:t>Can be used as a </a:t>
-            </a:r>
-            <a:r>
-              <a:rPr lang="en-US" sz="2000" dirty="0" smtClean="0"/>
-              <a:t>library (JVM) </a:t>
-            </a:r>
-            <a:r>
-              <a:rPr lang="en-US" sz="2000" dirty="0"/>
-              <a:t>or </a:t>
-            </a:r>
-            <a:r>
-              <a:rPr lang="en-US" sz="2000" dirty="0" smtClean="0"/>
-              <a:t>fat jar</a:t>
-            </a:r>
-            <a:endParaRPr lang="nl-NL" sz="2000" dirty="0" smtClean="0"/>
+              <a:t>Can be used as a library (JVM) or fat jar</a:t>
+            </a:r>
+            <a:endParaRPr lang="nl-NL" sz="2000" dirty="0"/>
           </a:p>
           <a:p>
             <a:pPr marL="285750" indent="-285750">
@@ -11457,14 +12614,14 @@
               <a:buChar char="•"/>
             </a:pPr>
             <a:r>
-              <a:rPr lang="nl-NL" sz="2000" dirty="0" smtClean="0"/>
+              <a:rPr lang="nl-NL" sz="2000" dirty="0"/>
               <a:t>Runs on </a:t>
             </a:r>
             <a:r>
-              <a:rPr lang="nl-NL" sz="2000" dirty="0" err="1" smtClean="0"/>
+              <a:rPr lang="nl-NL" sz="2000" dirty="0" err="1"/>
               <a:t>Jetty</a:t>
             </a:r>
-            <a:endParaRPr lang="nl-NL" sz="2000" dirty="0" smtClean="0"/>
+            <a:endParaRPr lang="nl-NL" sz="2000" dirty="0"/>
           </a:p>
           <a:p>
             <a:pPr marL="285750" indent="-285750">
@@ -11475,7 +12632,7 @@
               <a:rPr lang="en-US" sz="2000" dirty="0"/>
               <a:t>Configurable via REST (JSON) interface or Java API</a:t>
             </a:r>
-            <a:endParaRPr lang="nl-NL" sz="2000" dirty="0" smtClean="0"/>
+            <a:endParaRPr lang="nl-NL" sz="2000" dirty="0"/>
           </a:p>
           <a:p>
             <a:pPr marL="285750" indent="-285750">
@@ -11483,38 +12640,38 @@
               <a:buChar char="•"/>
             </a:pPr>
             <a:r>
-              <a:rPr lang="nl-NL" sz="2000" dirty="0" smtClean="0"/>
+              <a:rPr lang="nl-NL" sz="2000" dirty="0"/>
               <a:t>Easy </a:t>
             </a:r>
             <a:r>
-              <a:rPr lang="nl-NL" sz="2000" dirty="0" err="1" smtClean="0"/>
+              <a:rPr lang="nl-NL" sz="2000" dirty="0" err="1"/>
               <a:t>JUnit</a:t>
             </a:r>
             <a:r>
-              <a:rPr lang="nl-NL" sz="2000" dirty="0" smtClean="0"/>
+              <a:rPr lang="nl-NL" sz="2000" dirty="0"/>
               <a:t> 4 </a:t>
             </a:r>
             <a:r>
-              <a:rPr lang="nl-NL" sz="2000" dirty="0" err="1" smtClean="0"/>
+              <a:rPr lang="nl-NL" sz="2000" dirty="0" err="1"/>
               <a:t>integration</a:t>
             </a:r>
             <a:r>
-              <a:rPr lang="nl-NL" sz="2000" dirty="0" smtClean="0"/>
+              <a:rPr lang="nl-NL" sz="2000" dirty="0"/>
               <a:t> </a:t>
             </a:r>
             <a:r>
-              <a:rPr lang="nl-NL" sz="2000" dirty="0" err="1" smtClean="0"/>
+              <a:rPr lang="nl-NL" sz="2000" dirty="0" err="1"/>
               <a:t>with</a:t>
             </a:r>
             <a:r>
-              <a:rPr lang="nl-NL" sz="2000" dirty="0" smtClean="0"/>
+              <a:rPr lang="nl-NL" sz="2000" dirty="0"/>
               <a:t> </a:t>
             </a:r>
             <a:r>
-              <a:rPr lang="nl-NL" sz="2000" dirty="0" err="1" smtClean="0"/>
+              <a:rPr lang="nl-NL" sz="2000" dirty="0" err="1"/>
               <a:t>Rule</a:t>
             </a:r>
-            <a:endParaRPr lang="nl-NL" sz="2000" dirty="0" smtClean="0"/>
+            <a:endParaRPr lang="nl-NL" sz="2000" dirty="0"/>
           </a:p>
         </p:txBody>
       </p:sp>
@@ -11544,7 +12701,6 @@
               <a:rPr lang="nl-NL" sz="1000" dirty="0"/>
               <a:t>http://wiremock.org</a:t>
             </a:r>
-            <a:endParaRPr lang="nl-NL" sz="1000" dirty="0"/>
           </a:p>
         </p:txBody>
       </p:sp>
@@ -11553,17 +12709,10 @@
   <p:clrMapOvr>
     <a:masterClrMapping/>
   </p:clrMapOvr>
-  <p:timing>
-    <p:tnLst>
-      <p:par>
-        <p:cTn id="1" dur="indefinite" restart="never" nodeType="tmRoot"/>
-      </p:par>
-    </p:tnLst>
-  </p:timing>
 </p:sld>
 </file>
 
-<file path=ppt/slides/slide7.xml><?xml version="1.0" encoding="utf-8"?>
+<file path=ppt/slides/slide9.xml><?xml version="1.0" encoding="utf-8"?>
 <p:sld xmlns:a="http://schemas.openxmlformats.org/drawingml/2006/main" xmlns:r="http://schemas.openxmlformats.org/officeDocument/2006/relationships" xmlns:p="http://schemas.openxmlformats.org/presentationml/2006/main">
   <p:cSld>
     <p:bg>
@@ -11622,10 +12771,9 @@
               <a:buNone/>
             </a:pPr>
             <a:r>
-              <a:rPr lang="en" dirty="0" smtClean="0"/>
+              <a:rPr lang="en" dirty="0"/>
               <a:t>Let’s See Some Code!</a:t>
             </a:r>
-            <a:endParaRPr lang="en" dirty="0"/>
           </a:p>
         </p:txBody>
       </p:sp>
@@ -11687,354 +12835,11 @@
         </p:spPr>
       </p:pic>
     </p:spTree>
-  </p:cSld>
-  <p:clrMapOvr>
-    <a:masterClrMapping/>
-  </p:clrMapOvr>
-</p:sld>
-</file>
-
-<file path=ppt/slides/slide8.xml><?xml version="1.0" encoding="utf-8"?>
-<p:sld xmlns:a="http://schemas.openxmlformats.org/drawingml/2006/main" xmlns:r="http://schemas.openxmlformats.org/officeDocument/2006/relationships" xmlns:p="http://schemas.openxmlformats.org/presentationml/2006/main">
-  <p:cSld>
-    <p:bg>
-      <p:bgPr>
-        <a:solidFill>
-          <a:schemeClr val="bg2">
-            <a:lumMod val="75000"/>
-          </a:schemeClr>
-        </a:solidFill>
-        <a:effectLst/>
-      </p:bgPr>
-    </p:bg>
-    <p:spTree>
-      <p:nvGrpSpPr>
-        <p:cNvPr id="1" name="Shape 188"/>
-        <p:cNvGrpSpPr/>
-        <p:nvPr/>
-      </p:nvGrpSpPr>
-      <p:grpSpPr>
-        <a:xfrm>
-          <a:off x="0" y="0"/>
-          <a:ext cx="0" cy="0"/>
-          <a:chOff x="0" y="0"/>
-          <a:chExt cx="0" cy="0"/>
-        </a:xfrm>
-      </p:grpSpPr>
-      <p:sp>
-        <p:nvSpPr>
-          <p:cNvPr id="189" name="Shape 189"/>
-          <p:cNvSpPr txBox="1"/>
-          <p:nvPr/>
-        </p:nvSpPr>
-        <p:spPr>
-          <a:xfrm>
-            <a:off x="0" y="4888200"/>
-            <a:ext cx="3401100" cy="255300"/>
-          </a:xfrm>
-          <a:prstGeom prst="rect">
-            <a:avLst/>
-          </a:prstGeom>
-          <a:noFill/>
-          <a:ln>
-            <a:noFill/>
-          </a:ln>
-        </p:spPr>
-        <p:txBody>
-          <a:bodyPr wrap="square" lIns="91425" tIns="91425" rIns="91425" bIns="91425" anchor="ctr" anchorCtr="0">
-            <a:noAutofit/>
-          </a:bodyPr>
-          <a:lstStyle/>
-          <a:p>
-            <a:pPr marL="0" lvl="0" indent="0" rtl="0">
-              <a:lnSpc>
-                <a:spcPct val="115000"/>
-              </a:lnSpc>
-              <a:spcBef>
-                <a:spcPts val="0"/>
-              </a:spcBef>
-              <a:spcAft>
-                <a:spcPts val="1600"/>
-              </a:spcAft>
-              <a:buNone/>
-            </a:pPr>
-            <a:r>
-              <a:rPr lang="en" sz="1600">
-                <a:solidFill>
-                  <a:schemeClr val="lt1"/>
-                </a:solidFill>
-                <a:latin typeface="Syncopate"/>
-                <a:ea typeface="Syncopate"/>
-                <a:cs typeface="Syncopate"/>
-                <a:sym typeface="Syncopate"/>
-              </a:rPr>
-              <a:t>BLUE HARVEST</a:t>
-            </a:r>
-          </a:p>
-        </p:txBody>
-      </p:sp>
-      <p:sp>
-        <p:nvSpPr>
-          <p:cNvPr id="190" name="Shape 190"/>
-          <p:cNvSpPr txBox="1"/>
-          <p:nvPr/>
-        </p:nvSpPr>
-        <p:spPr>
-          <a:xfrm>
-            <a:off x="5742900" y="4888200"/>
-            <a:ext cx="3401100" cy="255300"/>
-          </a:xfrm>
-          <a:prstGeom prst="rect">
-            <a:avLst/>
-          </a:prstGeom>
-          <a:noFill/>
-          <a:ln>
-            <a:noFill/>
-          </a:ln>
-        </p:spPr>
-        <p:txBody>
-          <a:bodyPr wrap="square" lIns="91425" tIns="91425" rIns="91425" bIns="91425" anchor="ctr" anchorCtr="0">
-            <a:noAutofit/>
-          </a:bodyPr>
-          <a:lstStyle/>
-          <a:p>
-            <a:pPr marL="0" lvl="0" indent="0" algn="r" rtl="0">
-              <a:lnSpc>
-                <a:spcPct val="115000"/>
-              </a:lnSpc>
-              <a:spcBef>
-                <a:spcPts val="0"/>
-              </a:spcBef>
-              <a:spcAft>
-                <a:spcPts val="1600"/>
-              </a:spcAft>
-              <a:buNone/>
-            </a:pPr>
-            <a:r>
-              <a:rPr lang="en">
-                <a:solidFill>
-                  <a:schemeClr val="lt1"/>
-                </a:solidFill>
-                <a:highlight>
-                  <a:srgbClr val="DA2029"/>
-                </a:highlight>
-                <a:latin typeface="Calibri"/>
-                <a:ea typeface="Calibri"/>
-                <a:cs typeface="Calibri"/>
-                <a:sym typeface="Calibri"/>
-              </a:rPr>
-              <a:t>DON’T</a:t>
-            </a:r>
-            <a:r>
-              <a:rPr lang="en">
-                <a:solidFill>
-                  <a:schemeClr val="lt1"/>
-                </a:solidFill>
-                <a:highlight>
-                  <a:srgbClr val="FFFFFF"/>
-                </a:highlight>
-                <a:latin typeface="Calibri"/>
-                <a:ea typeface="Calibri"/>
-                <a:cs typeface="Calibri"/>
-                <a:sym typeface="Calibri"/>
-              </a:rPr>
-              <a:t> </a:t>
-            </a:r>
-            <a:r>
-              <a:rPr lang="en">
-                <a:solidFill>
-                  <a:schemeClr val="lt1"/>
-                </a:solidFill>
-                <a:highlight>
-                  <a:srgbClr val="F7921C"/>
-                </a:highlight>
-                <a:latin typeface="Calibri"/>
-                <a:ea typeface="Calibri"/>
-                <a:cs typeface="Calibri"/>
-                <a:sym typeface="Calibri"/>
-              </a:rPr>
-              <a:t>THINK</a:t>
-            </a:r>
-            <a:r>
-              <a:rPr lang="en">
-                <a:solidFill>
-                  <a:schemeClr val="lt1"/>
-                </a:solidFill>
-                <a:highlight>
-                  <a:srgbClr val="FFFFFF"/>
-                </a:highlight>
-                <a:latin typeface="Calibri"/>
-                <a:ea typeface="Calibri"/>
-                <a:cs typeface="Calibri"/>
-                <a:sym typeface="Calibri"/>
-              </a:rPr>
-              <a:t> </a:t>
-            </a:r>
-            <a:r>
-              <a:rPr lang="en">
-                <a:solidFill>
-                  <a:srgbClr val="FFFFFF"/>
-                </a:solidFill>
-                <a:highlight>
-                  <a:srgbClr val="84202C"/>
-                </a:highlight>
-                <a:latin typeface="Calibri"/>
-                <a:ea typeface="Calibri"/>
-                <a:cs typeface="Calibri"/>
-                <a:sym typeface="Calibri"/>
-              </a:rPr>
-              <a:t>IN</a:t>
-            </a:r>
-            <a:r>
-              <a:rPr lang="en">
-                <a:solidFill>
-                  <a:schemeClr val="lt1"/>
-                </a:solidFill>
-                <a:highlight>
-                  <a:srgbClr val="FFFFFF"/>
-                </a:highlight>
-                <a:latin typeface="Calibri"/>
-                <a:ea typeface="Calibri"/>
-                <a:cs typeface="Calibri"/>
-                <a:sym typeface="Calibri"/>
-              </a:rPr>
-              <a:t> </a:t>
-            </a:r>
-            <a:r>
-              <a:rPr lang="en">
-                <a:solidFill>
-                  <a:srgbClr val="FFFFFF"/>
-                </a:solidFill>
-                <a:highlight>
-                  <a:srgbClr val="01ACB4"/>
-                </a:highlight>
-                <a:latin typeface="Calibri"/>
-                <a:ea typeface="Calibri"/>
-                <a:cs typeface="Calibri"/>
-                <a:sym typeface="Calibri"/>
-              </a:rPr>
-              <a:t>BLACK</a:t>
-            </a:r>
-            <a:r>
-              <a:rPr lang="en">
-                <a:solidFill>
-                  <a:schemeClr val="lt1"/>
-                </a:solidFill>
-                <a:highlight>
-                  <a:srgbClr val="FFFFFF"/>
-                </a:highlight>
-                <a:latin typeface="Calibri"/>
-                <a:ea typeface="Calibri"/>
-                <a:cs typeface="Calibri"/>
-                <a:sym typeface="Calibri"/>
-              </a:rPr>
-              <a:t> </a:t>
-            </a:r>
-            <a:r>
-              <a:rPr lang="en">
-                <a:solidFill>
-                  <a:schemeClr val="lt1"/>
-                </a:solidFill>
-                <a:highlight>
-                  <a:srgbClr val="005454"/>
-                </a:highlight>
-                <a:latin typeface="Calibri"/>
-                <a:ea typeface="Calibri"/>
-                <a:cs typeface="Calibri"/>
-                <a:sym typeface="Calibri"/>
-              </a:rPr>
-              <a:t>&amp;</a:t>
-            </a:r>
-            <a:r>
-              <a:rPr lang="en">
-                <a:solidFill>
-                  <a:schemeClr val="lt1"/>
-                </a:solidFill>
-                <a:highlight>
-                  <a:srgbClr val="FFFFFF"/>
-                </a:highlight>
-                <a:latin typeface="Calibri"/>
-                <a:ea typeface="Calibri"/>
-                <a:cs typeface="Calibri"/>
-                <a:sym typeface="Calibri"/>
-              </a:rPr>
-              <a:t> </a:t>
-            </a:r>
-            <a:r>
-              <a:rPr lang="en">
-                <a:solidFill>
-                  <a:srgbClr val="FFFFFF"/>
-                </a:solidFill>
-                <a:highlight>
-                  <a:srgbClr val="8FCF20"/>
-                </a:highlight>
-                <a:latin typeface="Calibri"/>
-                <a:ea typeface="Calibri"/>
-                <a:cs typeface="Calibri"/>
-                <a:sym typeface="Calibri"/>
-              </a:rPr>
-              <a:t>WHITE</a:t>
-            </a:r>
-          </a:p>
-        </p:txBody>
-      </p:sp>
-      <p:pic>
-        <p:nvPicPr>
-          <p:cNvPr id="191" name="Shape 191"/>
-          <p:cNvPicPr preferRelativeResize="0"/>
-          <p:nvPr/>
-        </p:nvPicPr>
-        <p:blipFill>
-          <a:blip r:embed="rId3">
-            <a:alphaModFix/>
-          </a:blip>
-          <a:stretch>
-            <a:fillRect/>
-          </a:stretch>
-        </p:blipFill>
-        <p:spPr>
-          <a:xfrm>
-            <a:off x="3046575" y="1160505"/>
-            <a:ext cx="1510429" cy="2846133"/>
-          </a:xfrm>
-          <a:prstGeom prst="rect">
-            <a:avLst/>
-          </a:prstGeom>
-          <a:noFill/>
-          <a:ln>
-            <a:noFill/>
-          </a:ln>
-        </p:spPr>
-      </p:pic>
-      <p:pic>
-        <p:nvPicPr>
-          <p:cNvPr id="192" name="Shape 192"/>
-          <p:cNvPicPr preferRelativeResize="0"/>
-          <p:nvPr/>
-        </p:nvPicPr>
-        <p:blipFill>
-          <a:blip r:embed="rId3">
-            <a:alphaModFix/>
-          </a:blip>
-          <a:stretch>
-            <a:fillRect/>
-          </a:stretch>
-        </p:blipFill>
-        <p:spPr>
-          <a:xfrm rot="10800000">
-            <a:off x="4586996" y="1136862"/>
-            <a:ext cx="1510429" cy="2846133"/>
-          </a:xfrm>
-          <a:prstGeom prst="rect">
-            <a:avLst/>
-          </a:prstGeom>
-          <a:noFill/>
-          <a:ln>
-            <a:noFill/>
-          </a:ln>
-        </p:spPr>
-      </p:pic>
-    </p:spTree>
+    <p:extLst>
+      <p:ext uri="{BB962C8B-B14F-4D97-AF65-F5344CB8AC3E}">
+        <p14:creationId xmlns:p14="http://schemas.microsoft.com/office/powerpoint/2010/main" val="3876637902"/>
+      </p:ext>
+    </p:extLst>
   </p:cSld>
   <p:clrMapOvr>
     <a:masterClrMapping/>

--- a/automated_functional_testing.pptx
+++ b/automated_functional_testing.pptx
@@ -5,7 +5,7 @@
     <p:sldMasterId id="2147483659" r:id="rId1"/>
   </p:sldMasterIdLst>
   <p:notesMasterIdLst>
-    <p:notesMasterId r:id="rId12"/>
+    <p:notesMasterId r:id="rId13"/>
   </p:notesMasterIdLst>
   <p:sldIdLst>
     <p:sldId id="256" r:id="rId2"/>
@@ -17,36 +17,37 @@
     <p:sldId id="267" r:id="rId8"/>
     <p:sldId id="260" r:id="rId9"/>
     <p:sldId id="268" r:id="rId10"/>
-    <p:sldId id="263" r:id="rId11"/>
+    <p:sldId id="269" r:id="rId11"/>
+    <p:sldId id="263" r:id="rId12"/>
   </p:sldIdLst>
   <p:sldSz cx="9144000" cy="5143500" type="screen16x9"/>
   <p:notesSz cx="6858000" cy="9144000"/>
   <p:embeddedFontLst>
     <p:embeddedFont>
       <p:font typeface="Calibri" panose="020F0502020204030204" pitchFamily="34" charset="0"/>
-      <p:regular r:id="rId13"/>
-      <p:bold r:id="rId14"/>
-      <p:italic r:id="rId15"/>
-      <p:boldItalic r:id="rId16"/>
+      <p:regular r:id="rId14"/>
+      <p:bold r:id="rId15"/>
+      <p:italic r:id="rId16"/>
+      <p:boldItalic r:id="rId17"/>
     </p:embeddedFont>
     <p:embeddedFont>
       <p:font typeface="Lato" panose="020F0502020204030203" pitchFamily="34" charset="77"/>
-      <p:regular r:id="rId17"/>
-      <p:bold r:id="rId18"/>
-      <p:italic r:id="rId19"/>
-      <p:boldItalic r:id="rId20"/>
+      <p:regular r:id="rId18"/>
+      <p:bold r:id="rId19"/>
+      <p:italic r:id="rId20"/>
+      <p:boldItalic r:id="rId21"/>
     </p:embeddedFont>
     <p:embeddedFont>
       <p:font typeface="Montserrat" pitchFamily="2" charset="77"/>
-      <p:regular r:id="rId21"/>
-      <p:bold r:id="rId22"/>
-      <p:italic r:id="rId23"/>
-      <p:boldItalic r:id="rId24"/>
+      <p:regular r:id="rId22"/>
+      <p:bold r:id="rId23"/>
+      <p:italic r:id="rId24"/>
+      <p:boldItalic r:id="rId25"/>
     </p:embeddedFont>
     <p:embeddedFont>
       <p:font typeface="Syncopate" panose="02000505000000020003" pitchFamily="2" charset="0"/>
-      <p:regular r:id="rId25"/>
-      <p:bold r:id="rId26"/>
+      <p:regular r:id="rId26"/>
+      <p:bold r:id="rId27"/>
     </p:embeddedFont>
   </p:embeddedFontLst>
   <p:defaultTextStyle>
@@ -646,6 +647,112 @@
 </file>
 
 <file path=ppt/notesSlides/notesSlide10.xml><?xml version="1.0" encoding="utf-8"?>
+<p:notes xmlns:a="http://schemas.openxmlformats.org/drawingml/2006/main" xmlns:r="http://schemas.openxmlformats.org/officeDocument/2006/relationships" xmlns:p="http://schemas.openxmlformats.org/presentationml/2006/main" showMasterSp="0" showMasterPhAnim="0">
+  <p:cSld>
+    <p:spTree>
+      <p:nvGrpSpPr>
+        <p:cNvPr id="1" name="Shape 171"/>
+        <p:cNvGrpSpPr/>
+        <p:nvPr/>
+      </p:nvGrpSpPr>
+      <p:grpSpPr>
+        <a:xfrm>
+          <a:off x="0" y="0"/>
+          <a:ext cx="0" cy="0"/>
+          <a:chOff x="0" y="0"/>
+          <a:chExt cx="0" cy="0"/>
+        </a:xfrm>
+      </p:grpSpPr>
+      <p:sp>
+        <p:nvSpPr>
+          <p:cNvPr id="172" name="Shape 172"/>
+          <p:cNvSpPr>
+            <a:spLocks noGrp="1" noRot="1" noChangeAspect="1"/>
+          </p:cNvSpPr>
+          <p:nvPr>
+            <p:ph type="sldImg" idx="2"/>
+          </p:nvPr>
+        </p:nvSpPr>
+        <p:spPr>
+          <a:xfrm>
+            <a:off x="381000" y="685800"/>
+            <a:ext cx="6096000" cy="3429000"/>
+          </a:xfrm>
+          <a:custGeom>
+            <a:avLst/>
+            <a:gdLst/>
+            <a:ahLst/>
+            <a:cxnLst/>
+            <a:rect l="0" t="0" r="0" b="0"/>
+            <a:pathLst>
+              <a:path w="120000" h="120000" extrusionOk="0">
+                <a:moveTo>
+                  <a:pt x="0" y="0"/>
+                </a:moveTo>
+                <a:lnTo>
+                  <a:pt x="120000" y="0"/>
+                </a:lnTo>
+                <a:lnTo>
+                  <a:pt x="120000" y="120000"/>
+                </a:lnTo>
+                <a:lnTo>
+                  <a:pt x="0" y="120000"/>
+                </a:lnTo>
+                <a:close/>
+              </a:path>
+            </a:pathLst>
+          </a:custGeom>
+        </p:spPr>
+      </p:sp>
+      <p:sp>
+        <p:nvSpPr>
+          <p:cNvPr id="173" name="Shape 173"/>
+          <p:cNvSpPr txBox="1">
+            <a:spLocks noGrp="1"/>
+          </p:cNvSpPr>
+          <p:nvPr>
+            <p:ph type="body" idx="1"/>
+          </p:nvPr>
+        </p:nvSpPr>
+        <p:spPr>
+          <a:xfrm>
+            <a:off x="685800" y="4343400"/>
+            <a:ext cx="5486400" cy="4114800"/>
+          </a:xfrm>
+          <a:prstGeom prst="rect">
+            <a:avLst/>
+          </a:prstGeom>
+        </p:spPr>
+        <p:txBody>
+          <a:bodyPr wrap="square" lIns="91425" tIns="91425" rIns="91425" bIns="91425" anchor="t" anchorCtr="0">
+            <a:noAutofit/>
+          </a:bodyPr>
+          <a:lstStyle/>
+          <a:p>
+            <a:pPr marL="0" lvl="0" indent="0" rtl="0">
+              <a:spcBef>
+                <a:spcPts val="0"/>
+              </a:spcBef>
+              <a:buNone/>
+            </a:pPr>
+            <a:endParaRPr/>
+          </a:p>
+        </p:txBody>
+      </p:sp>
+    </p:spTree>
+    <p:extLst>
+      <p:ext uri="{BB962C8B-B14F-4D97-AF65-F5344CB8AC3E}">
+        <p14:creationId xmlns:p14="http://schemas.microsoft.com/office/powerpoint/2010/main" val="1491623723"/>
+      </p:ext>
+    </p:extLst>
+  </p:cSld>
+  <p:clrMapOvr>
+    <a:masterClrMapping/>
+  </p:clrMapOvr>
+</p:notes>
+</file>
+
+<file path=ppt/notesSlides/notesSlide11.xml><?xml version="1.0" encoding="utf-8"?>
 <p:notes xmlns:a="http://schemas.openxmlformats.org/drawingml/2006/main" xmlns:r="http://schemas.openxmlformats.org/officeDocument/2006/relationships" xmlns:p="http://schemas.openxmlformats.org/presentationml/2006/main" showMasterSp="0" showMasterPhAnim="0">
   <p:cSld>
     <p:spTree>
@@ -8728,6 +8835,168 @@
     </p:bg>
     <p:spTree>
       <p:nvGrpSpPr>
+        <p:cNvPr id="1" name="Shape 174"/>
+        <p:cNvGrpSpPr/>
+        <p:nvPr/>
+      </p:nvGrpSpPr>
+      <p:grpSpPr>
+        <a:xfrm>
+          <a:off x="0" y="0"/>
+          <a:ext cx="0" cy="0"/>
+          <a:chOff x="0" y="0"/>
+          <a:chExt cx="0" cy="0"/>
+        </a:xfrm>
+      </p:grpSpPr>
+      <p:sp>
+        <p:nvSpPr>
+          <p:cNvPr id="175" name="Shape 175"/>
+          <p:cNvSpPr txBox="1">
+            <a:spLocks noGrp="1"/>
+          </p:cNvSpPr>
+          <p:nvPr>
+            <p:ph type="title" idx="4294967295"/>
+          </p:nvPr>
+        </p:nvSpPr>
+        <p:spPr>
+          <a:xfrm>
+            <a:off x="1297500" y="393750"/>
+            <a:ext cx="7038900" cy="914100"/>
+          </a:xfrm>
+          <a:prstGeom prst="rect">
+            <a:avLst/>
+          </a:prstGeom>
+        </p:spPr>
+        <p:txBody>
+          <a:bodyPr wrap="square" lIns="91425" tIns="91425" rIns="91425" bIns="91425" anchor="t" anchorCtr="0">
+            <a:noAutofit/>
+          </a:bodyPr>
+          <a:lstStyle/>
+          <a:p>
+            <a:pPr marL="0" lvl="0" indent="0" rtl="0">
+              <a:spcBef>
+                <a:spcPts val="0"/>
+              </a:spcBef>
+              <a:buNone/>
+            </a:pPr>
+            <a:r>
+              <a:rPr lang="en" dirty="0"/>
+              <a:t>User Story</a:t>
+            </a:r>
+          </a:p>
+        </p:txBody>
+      </p:sp>
+      <p:pic>
+        <p:nvPicPr>
+          <p:cNvPr id="176" name="Shape 176"/>
+          <p:cNvPicPr preferRelativeResize="0"/>
+          <p:nvPr/>
+        </p:nvPicPr>
+        <p:blipFill rotWithShape="1">
+          <a:blip r:embed="rId3">
+            <a:alphaModFix/>
+          </a:blip>
+          <a:srcRect b="59924"/>
+          <a:stretch/>
+        </p:blipFill>
+        <p:spPr>
+          <a:xfrm rot="10800000" flipH="1">
+            <a:off x="-163775" y="0"/>
+            <a:ext cx="1638476" cy="1307850"/>
+          </a:xfrm>
+          <a:prstGeom prst="rect">
+            <a:avLst/>
+          </a:prstGeom>
+          <a:noFill/>
+          <a:ln>
+            <a:noFill/>
+          </a:ln>
+        </p:spPr>
+      </p:pic>
+      <p:sp>
+        <p:nvSpPr>
+          <p:cNvPr id="3" name="TextBox 2">
+            <a:extLst>
+              <a:ext uri="{FF2B5EF4-FFF2-40B4-BE49-F238E27FC236}">
+                <a16:creationId xmlns:a16="http://schemas.microsoft.com/office/drawing/2014/main" id="{DF2AFA37-0B34-0543-9390-91325804E723}"/>
+              </a:ext>
+            </a:extLst>
+          </p:cNvPr>
+          <p:cNvSpPr txBox="1"/>
+          <p:nvPr/>
+        </p:nvSpPr>
+        <p:spPr>
+          <a:xfrm>
+            <a:off x="1344259" y="2315782"/>
+            <a:ext cx="6945382" cy="1569660"/>
+          </a:xfrm>
+          <a:prstGeom prst="rect">
+            <a:avLst/>
+          </a:prstGeom>
+          <a:solidFill>
+            <a:schemeClr val="bg1"/>
+          </a:solidFill>
+          <a:ln w="25400">
+            <a:solidFill>
+              <a:schemeClr val="tx1"/>
+            </a:solidFill>
+          </a:ln>
+        </p:spPr>
+        <p:txBody>
+          <a:bodyPr wrap="square" rtlCol="0" anchor="ctr">
+            <a:spAutoFit/>
+          </a:bodyPr>
+          <a:lstStyle/>
+          <a:p>
+            <a:pPr algn="ctr"/>
+            <a:endParaRPr lang="en-US" sz="2400" dirty="0">
+              <a:latin typeface="MS Reference Sans Serif" panose="020B0604030504040204" pitchFamily="34" charset="0"/>
+            </a:endParaRPr>
+          </a:p>
+          <a:p>
+            <a:pPr algn="ctr"/>
+            <a:r>
+              <a:rPr lang="en-US" sz="2400" dirty="0">
+                <a:latin typeface="MS Reference Sans Serif" panose="020B0604030504040204" pitchFamily="34" charset="0"/>
+              </a:rPr>
+              <a:t>As a client, I want to see both my debit and my credit cards listed on one screen</a:t>
+            </a:r>
+          </a:p>
+          <a:p>
+            <a:pPr algn="ctr"/>
+            <a:endParaRPr lang="en-US" sz="2400" dirty="0">
+              <a:latin typeface="MS Reference Sans Serif" panose="020B0604030504040204" pitchFamily="34" charset="0"/>
+            </a:endParaRPr>
+          </a:p>
+        </p:txBody>
+      </p:sp>
+    </p:spTree>
+    <p:extLst>
+      <p:ext uri="{BB962C8B-B14F-4D97-AF65-F5344CB8AC3E}">
+        <p14:creationId xmlns:p14="http://schemas.microsoft.com/office/powerpoint/2010/main" val="1245906423"/>
+      </p:ext>
+    </p:extLst>
+  </p:cSld>
+  <p:clrMapOvr>
+    <a:masterClrMapping/>
+  </p:clrMapOvr>
+</p:sld>
+</file>
+
+<file path=ppt/slides/slide11.xml><?xml version="1.0" encoding="utf-8"?>
+<p:sld xmlns:a="http://schemas.openxmlformats.org/drawingml/2006/main" xmlns:r="http://schemas.openxmlformats.org/officeDocument/2006/relationships" xmlns:p="http://schemas.openxmlformats.org/presentationml/2006/main">
+  <p:cSld>
+    <p:bg>
+      <p:bgPr>
+        <a:solidFill>
+          <a:schemeClr val="bg2">
+            <a:lumMod val="75000"/>
+          </a:schemeClr>
+        </a:solidFill>
+        <a:effectLst/>
+      </p:bgPr>
+    </p:bg>
+    <p:spTree>
+      <p:nvGrpSpPr>
         <p:cNvPr id="1" name="Shape 188"/>
         <p:cNvGrpSpPr/>
         <p:nvPr/>
@@ -12772,7 +13041,7 @@
             </a:pPr>
             <a:r>
               <a:rPr lang="en" dirty="0"/>
-              <a:t>Let’s See Some Code!</a:t>
+              <a:t>This is not what you’ve promised!</a:t>
             </a:r>
           </a:p>
         </p:txBody>

--- a/automated_functional_testing.pptx
+++ b/automated_functional_testing.pptx
@@ -5,49 +5,50 @@
     <p:sldMasterId id="2147483659" r:id="rId1"/>
   </p:sldMasterIdLst>
   <p:notesMasterIdLst>
-    <p:notesMasterId r:id="rId13"/>
+    <p:notesMasterId r:id="rId14"/>
   </p:notesMasterIdLst>
   <p:sldIdLst>
-    <p:sldId id="256" r:id="rId2"/>
-    <p:sldId id="266" r:id="rId3"/>
-    <p:sldId id="265" r:id="rId4"/>
-    <p:sldId id="258" r:id="rId5"/>
-    <p:sldId id="264" r:id="rId6"/>
-    <p:sldId id="259" r:id="rId7"/>
-    <p:sldId id="267" r:id="rId8"/>
-    <p:sldId id="260" r:id="rId9"/>
-    <p:sldId id="268" r:id="rId10"/>
-    <p:sldId id="269" r:id="rId11"/>
-    <p:sldId id="263" r:id="rId12"/>
+    <p:sldId id="270" r:id="rId2"/>
+    <p:sldId id="256" r:id="rId3"/>
+    <p:sldId id="266" r:id="rId4"/>
+    <p:sldId id="265" r:id="rId5"/>
+    <p:sldId id="258" r:id="rId6"/>
+    <p:sldId id="264" r:id="rId7"/>
+    <p:sldId id="259" r:id="rId8"/>
+    <p:sldId id="267" r:id="rId9"/>
+    <p:sldId id="260" r:id="rId10"/>
+    <p:sldId id="268" r:id="rId11"/>
+    <p:sldId id="269" r:id="rId12"/>
+    <p:sldId id="263" r:id="rId13"/>
   </p:sldIdLst>
   <p:sldSz cx="9144000" cy="5143500" type="screen16x9"/>
   <p:notesSz cx="6858000" cy="9144000"/>
   <p:embeddedFontLst>
     <p:embeddedFont>
       <p:font typeface="Calibri" panose="020F0502020204030204" pitchFamily="34" charset="0"/>
-      <p:regular r:id="rId14"/>
-      <p:bold r:id="rId15"/>
-      <p:italic r:id="rId16"/>
-      <p:boldItalic r:id="rId17"/>
+      <p:regular r:id="rId15"/>
+      <p:bold r:id="rId16"/>
+      <p:italic r:id="rId17"/>
+      <p:boldItalic r:id="rId18"/>
     </p:embeddedFont>
     <p:embeddedFont>
       <p:font typeface="Lato" panose="020F0502020204030203" pitchFamily="34" charset="77"/>
-      <p:regular r:id="rId18"/>
-      <p:bold r:id="rId19"/>
-      <p:italic r:id="rId20"/>
-      <p:boldItalic r:id="rId21"/>
+      <p:regular r:id="rId19"/>
+      <p:bold r:id="rId20"/>
+      <p:italic r:id="rId21"/>
+      <p:boldItalic r:id="rId22"/>
     </p:embeddedFont>
     <p:embeddedFont>
       <p:font typeface="Montserrat" pitchFamily="2" charset="77"/>
-      <p:regular r:id="rId22"/>
-      <p:bold r:id="rId23"/>
-      <p:italic r:id="rId24"/>
-      <p:boldItalic r:id="rId25"/>
+      <p:regular r:id="rId23"/>
+      <p:bold r:id="rId24"/>
+      <p:italic r:id="rId25"/>
+      <p:boldItalic r:id="rId26"/>
     </p:embeddedFont>
     <p:embeddedFont>
       <p:font typeface="Syncopate" panose="02000505000000020003" pitchFamily="2" charset="0"/>
-      <p:regular r:id="rId26"/>
-      <p:bold r:id="rId27"/>
+      <p:regular r:id="rId27"/>
+      <p:bold r:id="rId28"/>
     </p:embeddedFont>
   </p:embeddedFontLst>
   <p:defaultTextStyle>
@@ -8620,16 +8621,14 @@
     <p:bg>
       <p:bgPr>
         <a:solidFill>
-          <a:schemeClr val="bg2">
-            <a:lumMod val="75000"/>
-          </a:schemeClr>
+          <a:schemeClr val="bg1"/>
         </a:solidFill>
         <a:effectLst/>
       </p:bgPr>
     </p:bg>
     <p:spTree>
       <p:nvGrpSpPr>
-        <p:cNvPr id="1" name="Shape 133"/>
+        <p:cNvPr id="1" name=""/>
         <p:cNvGrpSpPr/>
         <p:nvPr/>
       </p:nvGrpSpPr>
@@ -8643,18 +8642,136 @@
       </p:grpSpPr>
       <p:sp>
         <p:nvSpPr>
-          <p:cNvPr id="134" name="Shape 134"/>
+          <p:cNvPr id="5" name="TextBox 4">
+            <a:extLst>
+              <a:ext uri="{FF2B5EF4-FFF2-40B4-BE49-F238E27FC236}">
+                <a16:creationId xmlns:a16="http://schemas.microsoft.com/office/drawing/2014/main" id="{6AD4F400-BCE8-AE45-A071-14F5E323B270}"/>
+              </a:ext>
+            </a:extLst>
+          </p:cNvPr>
+          <p:cNvSpPr txBox="1"/>
+          <p:nvPr/>
+        </p:nvSpPr>
+        <p:spPr>
+          <a:xfrm>
+            <a:off x="315066" y="678924"/>
+            <a:ext cx="8513869" cy="3785652"/>
+          </a:xfrm>
+          <a:prstGeom prst="rect">
+            <a:avLst/>
+          </a:prstGeom>
+          <a:noFill/>
+        </p:spPr>
+        <p:txBody>
+          <a:bodyPr wrap="none" rtlCol="0">
+            <a:spAutoFit/>
+          </a:bodyPr>
+          <a:lstStyle/>
+          <a:p>
+            <a:r>
+              <a:rPr lang="en-US" sz="4000" b="1" dirty="0"/>
+              <a:t>AGENDA</a:t>
+            </a:r>
+          </a:p>
+          <a:p>
+            <a:endParaRPr lang="en-US" sz="4000" b="1" dirty="0"/>
+          </a:p>
+          <a:p>
+            <a:r>
+              <a:rPr lang="en-US" sz="4000" dirty="0"/>
+              <a:t>15:30 – 15:45 presentation</a:t>
+            </a:r>
+          </a:p>
+          <a:p>
+            <a:r>
+              <a:rPr lang="en-US" sz="4000" dirty="0"/>
+              <a:t>15:45 – 16:00 bridging the gap</a:t>
+            </a:r>
+          </a:p>
+          <a:p>
+            <a:r>
+              <a:rPr lang="en-US" sz="4000" dirty="0"/>
+              <a:t>16:00 – 16:05 snacks</a:t>
+            </a:r>
+            <a:r>
+              <a:rPr lang="en-US" sz="2400" dirty="0"/>
+              <a:t> </a:t>
+            </a:r>
+            <a:r>
+              <a:rPr lang="en-US" sz="1600" dirty="0"/>
+              <a:t>(chance for non-</a:t>
+            </a:r>
+            <a:r>
+              <a:rPr lang="en-US" sz="1600" dirty="0" err="1"/>
+              <a:t>devs</a:t>
+            </a:r>
+            <a:r>
+              <a:rPr lang="en-US" sz="1600" dirty="0"/>
+              <a:t> to sneak away)</a:t>
+            </a:r>
+          </a:p>
+          <a:p>
+            <a:r>
+              <a:rPr lang="en-US" sz="4000" dirty="0"/>
+              <a:t>16:05 – 16:30 coding examples</a:t>
+            </a:r>
+          </a:p>
+        </p:txBody>
+      </p:sp>
+    </p:spTree>
+    <p:extLst>
+      <p:ext uri="{BB962C8B-B14F-4D97-AF65-F5344CB8AC3E}">
+        <p14:creationId xmlns:p14="http://schemas.microsoft.com/office/powerpoint/2010/main" val="4152457486"/>
+      </p:ext>
+    </p:extLst>
+  </p:cSld>
+  <p:clrMapOvr>
+    <a:masterClrMapping/>
+  </p:clrMapOvr>
+</p:sld>
+</file>
+
+<file path=ppt/slides/slide10.xml><?xml version="1.0" encoding="utf-8"?>
+<p:sld xmlns:a="http://schemas.openxmlformats.org/drawingml/2006/main" xmlns:r="http://schemas.openxmlformats.org/officeDocument/2006/relationships" xmlns:p="http://schemas.openxmlformats.org/presentationml/2006/main">
+  <p:cSld>
+    <p:bg>
+      <p:bgPr>
+        <a:solidFill>
+          <a:schemeClr val="bg2">
+            <a:lumMod val="75000"/>
+          </a:schemeClr>
+        </a:solidFill>
+        <a:effectLst/>
+      </p:bgPr>
+    </p:bg>
+    <p:spTree>
+      <p:nvGrpSpPr>
+        <p:cNvPr id="1" name="Shape 174"/>
+        <p:cNvGrpSpPr/>
+        <p:nvPr/>
+      </p:nvGrpSpPr>
+      <p:grpSpPr>
+        <a:xfrm>
+          <a:off x="0" y="0"/>
+          <a:ext cx="0" cy="0"/>
+          <a:chOff x="0" y="0"/>
+          <a:chExt cx="0" cy="0"/>
+        </a:xfrm>
+      </p:grpSpPr>
+      <p:sp>
+        <p:nvSpPr>
+          <p:cNvPr id="175" name="Shape 175"/>
           <p:cNvSpPr txBox="1">
             <a:spLocks noGrp="1"/>
           </p:cNvSpPr>
           <p:nvPr>
-            <p:ph type="ctrTitle" idx="4294967295"/>
+            <p:ph type="title" idx="4294967295"/>
           </p:nvPr>
         </p:nvSpPr>
         <p:spPr>
           <a:xfrm>
-            <a:off x="3537150" y="786560"/>
-            <a:ext cx="5017500" cy="2877947"/>
+            <a:off x="1297500" y="393750"/>
+            <a:ext cx="7038900" cy="914100"/>
           </a:xfrm>
           <a:prstGeom prst="rect">
             <a:avLst/>
@@ -8673,83 +8790,29 @@
               <a:buNone/>
             </a:pPr>
             <a:r>
-              <a:rPr lang="en" sz="4200" b="1" dirty="0">
-                <a:solidFill>
-                  <a:srgbClr val="DA2029"/>
-                </a:solidFill>
-              </a:rPr>
-              <a:t>Automated Functional Testing</a:t>
-            </a:r>
-            <a:br>
-              <a:rPr lang="en" sz="3000" dirty="0"/>
-            </a:br>
-            <a:r>
-              <a:rPr lang="en" sz="2400" dirty="0"/>
-              <a:t>Using Cucumber and Wiremock</a:t>
-            </a:r>
-          </a:p>
-        </p:txBody>
-      </p:sp>
-      <p:sp>
-        <p:nvSpPr>
-          <p:cNvPr id="135" name="Shape 135"/>
-          <p:cNvSpPr txBox="1">
-            <a:spLocks noGrp="1"/>
-          </p:cNvSpPr>
-          <p:nvPr>
-            <p:ph type="subTitle" idx="4294967295"/>
-          </p:nvPr>
-        </p:nvSpPr>
-        <p:spPr>
-          <a:xfrm>
-            <a:off x="5083950" y="3924925"/>
-            <a:ext cx="3470700" cy="506100"/>
-          </a:xfrm>
-          <a:prstGeom prst="rect">
-            <a:avLst/>
-          </a:prstGeom>
-        </p:spPr>
-        <p:txBody>
-          <a:bodyPr wrap="square" lIns="91425" tIns="91425" rIns="91425" bIns="91425" anchor="t" anchorCtr="0">
-            <a:noAutofit/>
-          </a:bodyPr>
-          <a:lstStyle/>
-          <a:p>
-            <a:pPr marL="0" lvl="0" indent="0" algn="r" rtl="0">
-              <a:spcBef>
-                <a:spcPts val="0"/>
-              </a:spcBef>
-              <a:buNone/>
-            </a:pPr>
-            <a:r>
               <a:rPr lang="en" dirty="0"/>
-              <a:t>Daniel Flores, 2018</a:t>
-            </a:r>
-            <a:br>
-              <a:rPr lang="en" dirty="0"/>
-            </a:br>
-            <a:endParaRPr lang="en" dirty="0"/>
+              <a:t>This is not what you’ve promised!</a:t>
+            </a:r>
           </a:p>
         </p:txBody>
       </p:sp>
       <p:pic>
         <p:nvPicPr>
-          <p:cNvPr id="136" name="Shape 136"/>
+          <p:cNvPr id="176" name="Shape 176"/>
           <p:cNvPicPr preferRelativeResize="0"/>
           <p:nvPr/>
         </p:nvPicPr>
-        <p:blipFill>
+        <p:blipFill rotWithShape="1">
           <a:blip r:embed="rId3">
             <a:alphaModFix/>
           </a:blip>
-          <a:stretch>
-            <a:fillRect/>
-          </a:stretch>
+          <a:srcRect b="59924"/>
+          <a:stretch/>
         </p:blipFill>
         <p:spPr>
-          <a:xfrm>
-            <a:off x="562600" y="0"/>
-            <a:ext cx="2582399" cy="5143501"/>
+          <a:xfrm rot="10800000" flipH="1">
+            <a:off x="-163775" y="0"/>
+            <a:ext cx="1638476" cy="1307850"/>
           </a:xfrm>
           <a:prstGeom prst="rect">
             <a:avLst/>
@@ -8760,59 +8823,42 @@
           </a:ln>
         </p:spPr>
       </p:pic>
-      <p:sp>
-        <p:nvSpPr>
-          <p:cNvPr id="137" name="Shape 137"/>
-          <p:cNvSpPr txBox="1"/>
+      <p:pic>
+        <p:nvPicPr>
+          <p:cNvPr id="2" name="Picture 1"/>
+          <p:cNvPicPr>
+            <a:picLocks noChangeAspect="1"/>
+          </p:cNvPicPr>
           <p:nvPr/>
-        </p:nvSpPr>
+        </p:nvPicPr>
+        <p:blipFill>
+          <a:blip r:embed="rId4">
+            <a:extLst>
+              <a:ext uri="{28A0092B-C50C-407E-A947-70E740481C1C}">
+                <a14:useLocalDpi xmlns:a14="http://schemas.microsoft.com/office/drawing/2010/main" val="0"/>
+              </a:ext>
+            </a:extLst>
+          </a:blip>
+          <a:stretch>
+            <a:fillRect/>
+          </a:stretch>
+        </p:blipFill>
         <p:spPr>
-          <a:xfrm rot="1843218">
-            <a:off x="1487131" y="751625"/>
-            <a:ext cx="920235" cy="195201"/>
+          <a:xfrm>
+            <a:off x="2559525" y="1815369"/>
+            <a:ext cx="4514850" cy="2524125"/>
           </a:xfrm>
           <a:prstGeom prst="rect">
             <a:avLst/>
           </a:prstGeom>
-          <a:noFill/>
-          <a:ln>
-            <a:noFill/>
-          </a:ln>
         </p:spPr>
-        <p:txBody>
-          <a:bodyPr wrap="square" lIns="91425" tIns="91425" rIns="91425" bIns="91425" anchor="ctr" anchorCtr="0">
-            <a:noAutofit/>
-          </a:bodyPr>
-          <a:lstStyle/>
-          <a:p>
-            <a:pPr marL="0" lvl="0" indent="0" rtl="0">
-              <a:lnSpc>
-                <a:spcPct val="115000"/>
-              </a:lnSpc>
-              <a:spcBef>
-                <a:spcPts val="0"/>
-              </a:spcBef>
-              <a:spcAft>
-                <a:spcPts val="1600"/>
-              </a:spcAft>
-              <a:buNone/>
-            </a:pPr>
-            <a:r>
-              <a:rPr lang="en" sz="600">
-                <a:solidFill>
-                  <a:srgbClr val="1C212B"/>
-                </a:solidFill>
-                <a:latin typeface="Syncopate"/>
-                <a:ea typeface="Syncopate"/>
-                <a:cs typeface="Syncopate"/>
-                <a:sym typeface="Syncopate"/>
-              </a:rPr>
-              <a:t>BLUE HARVEST</a:t>
-            </a:r>
-          </a:p>
-        </p:txBody>
-      </p:sp>
+      </p:pic>
     </p:spTree>
+    <p:extLst>
+      <p:ext uri="{BB962C8B-B14F-4D97-AF65-F5344CB8AC3E}">
+        <p14:creationId xmlns:p14="http://schemas.microsoft.com/office/powerpoint/2010/main" val="3876637902"/>
+      </p:ext>
+    </p:extLst>
   </p:cSld>
   <p:clrMapOvr>
     <a:masterClrMapping/>
@@ -8820,7 +8866,7 @@
 </p:sld>
 </file>
 
-<file path=ppt/slides/slide10.xml><?xml version="1.0" encoding="utf-8"?>
+<file path=ppt/slides/slide11.xml><?xml version="1.0" encoding="utf-8"?>
 <p:sld xmlns:a="http://schemas.openxmlformats.org/drawingml/2006/main" xmlns:r="http://schemas.openxmlformats.org/officeDocument/2006/relationships" xmlns:p="http://schemas.openxmlformats.org/presentationml/2006/main">
   <p:cSld>
     <p:bg>
@@ -8982,7 +9028,7 @@
 </p:sld>
 </file>
 
-<file path=ppt/slides/slide11.xml><?xml version="1.0" encoding="utf-8"?>
+<file path=ppt/slides/slide12.xml><?xml version="1.0" encoding="utf-8"?>
 <p:sld xmlns:a="http://schemas.openxmlformats.org/drawingml/2006/main" xmlns:r="http://schemas.openxmlformats.org/officeDocument/2006/relationships" xmlns:p="http://schemas.openxmlformats.org/presentationml/2006/main">
   <p:cSld>
     <p:bg>
@@ -9331,6 +9377,212 @@
 </file>
 
 <file path=ppt/slides/slide2.xml><?xml version="1.0" encoding="utf-8"?>
+<p:sld xmlns:a="http://schemas.openxmlformats.org/drawingml/2006/main" xmlns:r="http://schemas.openxmlformats.org/officeDocument/2006/relationships" xmlns:p="http://schemas.openxmlformats.org/presentationml/2006/main">
+  <p:cSld>
+    <p:bg>
+      <p:bgPr>
+        <a:solidFill>
+          <a:schemeClr val="bg2">
+            <a:lumMod val="75000"/>
+          </a:schemeClr>
+        </a:solidFill>
+        <a:effectLst/>
+      </p:bgPr>
+    </p:bg>
+    <p:spTree>
+      <p:nvGrpSpPr>
+        <p:cNvPr id="1" name="Shape 133"/>
+        <p:cNvGrpSpPr/>
+        <p:nvPr/>
+      </p:nvGrpSpPr>
+      <p:grpSpPr>
+        <a:xfrm>
+          <a:off x="0" y="0"/>
+          <a:ext cx="0" cy="0"/>
+          <a:chOff x="0" y="0"/>
+          <a:chExt cx="0" cy="0"/>
+        </a:xfrm>
+      </p:grpSpPr>
+      <p:sp>
+        <p:nvSpPr>
+          <p:cNvPr id="134" name="Shape 134"/>
+          <p:cNvSpPr txBox="1">
+            <a:spLocks noGrp="1"/>
+          </p:cNvSpPr>
+          <p:nvPr>
+            <p:ph type="ctrTitle" idx="4294967295"/>
+          </p:nvPr>
+        </p:nvSpPr>
+        <p:spPr>
+          <a:xfrm>
+            <a:off x="3537150" y="786560"/>
+            <a:ext cx="5017500" cy="2877947"/>
+          </a:xfrm>
+          <a:prstGeom prst="rect">
+            <a:avLst/>
+          </a:prstGeom>
+        </p:spPr>
+        <p:txBody>
+          <a:bodyPr wrap="square" lIns="91425" tIns="91425" rIns="91425" bIns="91425" anchor="t" anchorCtr="0">
+            <a:noAutofit/>
+          </a:bodyPr>
+          <a:lstStyle/>
+          <a:p>
+            <a:pPr marL="0" lvl="0" indent="0" rtl="0">
+              <a:spcBef>
+                <a:spcPts val="0"/>
+              </a:spcBef>
+              <a:buNone/>
+            </a:pPr>
+            <a:r>
+              <a:rPr lang="en" sz="4200" b="1" dirty="0">
+                <a:solidFill>
+                  <a:srgbClr val="DA2029"/>
+                </a:solidFill>
+              </a:rPr>
+              <a:t>Automated Functional Testing</a:t>
+            </a:r>
+            <a:br>
+              <a:rPr lang="en" sz="3000" dirty="0"/>
+            </a:br>
+            <a:r>
+              <a:rPr lang="en" sz="2400" dirty="0"/>
+              <a:t>Using Cucumber and Wiremock</a:t>
+            </a:r>
+          </a:p>
+        </p:txBody>
+      </p:sp>
+      <p:sp>
+        <p:nvSpPr>
+          <p:cNvPr id="135" name="Shape 135"/>
+          <p:cNvSpPr txBox="1">
+            <a:spLocks noGrp="1"/>
+          </p:cNvSpPr>
+          <p:nvPr>
+            <p:ph type="subTitle" idx="4294967295"/>
+          </p:nvPr>
+        </p:nvSpPr>
+        <p:spPr>
+          <a:xfrm>
+            <a:off x="5083950" y="3924925"/>
+            <a:ext cx="3470700" cy="506100"/>
+          </a:xfrm>
+          <a:prstGeom prst="rect">
+            <a:avLst/>
+          </a:prstGeom>
+        </p:spPr>
+        <p:txBody>
+          <a:bodyPr wrap="square" lIns="91425" tIns="91425" rIns="91425" bIns="91425" anchor="t" anchorCtr="0">
+            <a:noAutofit/>
+          </a:bodyPr>
+          <a:lstStyle/>
+          <a:p>
+            <a:pPr marL="0" lvl="0" indent="0" algn="r" rtl="0">
+              <a:spcBef>
+                <a:spcPts val="0"/>
+              </a:spcBef>
+              <a:buNone/>
+            </a:pPr>
+            <a:r>
+              <a:rPr lang="en" dirty="0"/>
+              <a:t>Daniel Flores, 2018</a:t>
+            </a:r>
+            <a:br>
+              <a:rPr lang="en" dirty="0"/>
+            </a:br>
+            <a:endParaRPr lang="en" dirty="0"/>
+          </a:p>
+        </p:txBody>
+      </p:sp>
+      <p:pic>
+        <p:nvPicPr>
+          <p:cNvPr id="136" name="Shape 136"/>
+          <p:cNvPicPr preferRelativeResize="0"/>
+          <p:nvPr/>
+        </p:nvPicPr>
+        <p:blipFill>
+          <a:blip r:embed="rId3">
+            <a:alphaModFix/>
+          </a:blip>
+          <a:stretch>
+            <a:fillRect/>
+          </a:stretch>
+        </p:blipFill>
+        <p:spPr>
+          <a:xfrm>
+            <a:off x="562600" y="0"/>
+            <a:ext cx="2582399" cy="5143501"/>
+          </a:xfrm>
+          <a:prstGeom prst="rect">
+            <a:avLst/>
+          </a:prstGeom>
+          <a:noFill/>
+          <a:ln>
+            <a:noFill/>
+          </a:ln>
+        </p:spPr>
+      </p:pic>
+      <p:sp>
+        <p:nvSpPr>
+          <p:cNvPr id="137" name="Shape 137"/>
+          <p:cNvSpPr txBox="1"/>
+          <p:nvPr/>
+        </p:nvSpPr>
+        <p:spPr>
+          <a:xfrm rot="1843218">
+            <a:off x="1487131" y="751625"/>
+            <a:ext cx="920235" cy="195201"/>
+          </a:xfrm>
+          <a:prstGeom prst="rect">
+            <a:avLst/>
+          </a:prstGeom>
+          <a:noFill/>
+          <a:ln>
+            <a:noFill/>
+          </a:ln>
+        </p:spPr>
+        <p:txBody>
+          <a:bodyPr wrap="square" lIns="91425" tIns="91425" rIns="91425" bIns="91425" anchor="ctr" anchorCtr="0">
+            <a:noAutofit/>
+          </a:bodyPr>
+          <a:lstStyle/>
+          <a:p>
+            <a:pPr marL="0" lvl="0" indent="0" rtl="0">
+              <a:lnSpc>
+                <a:spcPct val="115000"/>
+              </a:lnSpc>
+              <a:spcBef>
+                <a:spcPts val="0"/>
+              </a:spcBef>
+              <a:spcAft>
+                <a:spcPts val="1600"/>
+              </a:spcAft>
+              <a:buNone/>
+            </a:pPr>
+            <a:r>
+              <a:rPr lang="en" sz="600">
+                <a:solidFill>
+                  <a:srgbClr val="1C212B"/>
+                </a:solidFill>
+                <a:latin typeface="Syncopate"/>
+                <a:ea typeface="Syncopate"/>
+                <a:cs typeface="Syncopate"/>
+                <a:sym typeface="Syncopate"/>
+              </a:rPr>
+              <a:t>BLUE HARVEST</a:t>
+            </a:r>
+          </a:p>
+        </p:txBody>
+      </p:sp>
+    </p:spTree>
+  </p:cSld>
+  <p:clrMapOvr>
+    <a:masterClrMapping/>
+  </p:clrMapOvr>
+</p:sld>
+</file>
+
+<file path=ppt/slides/slide3.xml><?xml version="1.0" encoding="utf-8"?>
 <p:sld xmlns:a="http://schemas.openxmlformats.org/drawingml/2006/main" xmlns:r="http://schemas.openxmlformats.org/officeDocument/2006/relationships" xmlns:p="http://schemas.openxmlformats.org/presentationml/2006/main" show="0">
   <p:cSld>
     <p:bg>
@@ -9571,7 +9823,7 @@
 </p:sld>
 </file>
 
-<file path=ppt/slides/slide3.xml><?xml version="1.0" encoding="utf-8"?>
+<file path=ppt/slides/slide4.xml><?xml version="1.0" encoding="utf-8"?>
 <p:sld xmlns:a="http://schemas.openxmlformats.org/drawingml/2006/main" xmlns:r="http://schemas.openxmlformats.org/officeDocument/2006/relationships" xmlns:p="http://schemas.openxmlformats.org/presentationml/2006/main">
   <p:cSld>
     <p:bg>
@@ -9630,7 +9882,7 @@
               <a:buNone/>
             </a:pPr>
             <a:r>
-              <a:rPr lang="en" sz="3000" dirty="0"/>
+              <a:rPr lang="en" dirty="0"/>
               <a:t>(Automated) Test Pyramid</a:t>
             </a:r>
           </a:p>
@@ -10210,7 +10462,7 @@
 </p:sld>
 </file>
 
-<file path=ppt/slides/slide4.xml><?xml version="1.0" encoding="utf-8"?>
+<file path=ppt/slides/slide5.xml><?xml version="1.0" encoding="utf-8"?>
 <p:sld xmlns:a="http://schemas.openxmlformats.org/drawingml/2006/main" xmlns:r="http://schemas.openxmlformats.org/officeDocument/2006/relationships" xmlns:p="http://schemas.openxmlformats.org/presentationml/2006/main">
   <p:cSld>
     <p:bg>
@@ -10988,7 +11240,7 @@
 </p:sld>
 </file>
 
-<file path=ppt/slides/slide5.xml><?xml version="1.0" encoding="utf-8"?>
+<file path=ppt/slides/slide6.xml><?xml version="1.0" encoding="utf-8"?>
 <p:sld xmlns:a="http://schemas.openxmlformats.org/drawingml/2006/main" xmlns:r="http://schemas.openxmlformats.org/officeDocument/2006/relationships" xmlns:p="http://schemas.openxmlformats.org/presentationml/2006/main">
   <p:cSld>
     <p:bg>
@@ -11661,7 +11913,7 @@
 </p:sld>
 </file>
 
-<file path=ppt/slides/slide6.xml><?xml version="1.0" encoding="utf-8"?>
+<file path=ppt/slides/slide7.xml><?xml version="1.0" encoding="utf-8"?>
 <p:sld xmlns:a="http://schemas.openxmlformats.org/drawingml/2006/main" xmlns:r="http://schemas.openxmlformats.org/officeDocument/2006/relationships" xmlns:p="http://schemas.openxmlformats.org/presentationml/2006/main">
   <p:cSld>
     <p:bg>
@@ -11819,7 +12071,23 @@
             </a:r>
             <a:r>
               <a:rPr lang="nl-NL" sz="2000" dirty="0"/>
-              <a:t> BDD</a:t>
+              <a:t> </a:t>
+            </a:r>
+            <a:r>
+              <a:rPr lang="nl-NL" sz="2000" dirty="0" err="1"/>
+              <a:t>Behaviour</a:t>
+            </a:r>
+            <a:r>
+              <a:rPr lang="nl-NL" sz="2000" dirty="0"/>
+              <a:t> </a:t>
+            </a:r>
+            <a:r>
+              <a:rPr lang="nl-NL" sz="2000" dirty="0" err="1"/>
+              <a:t>Driven</a:t>
+            </a:r>
+            <a:r>
+              <a:rPr lang="nl-NL" sz="2000" dirty="0"/>
+              <a:t> Development</a:t>
             </a:r>
           </a:p>
           <a:p>
@@ -11868,7 +12136,15 @@
             </a:r>
             <a:r>
               <a:rPr lang="nl-NL" sz="2000" dirty="0"/>
-              <a:t> TDD</a:t>
+              <a:t> Test </a:t>
+            </a:r>
+            <a:r>
+              <a:rPr lang="nl-NL" sz="2000" dirty="0" err="1"/>
+              <a:t>Driven</a:t>
+            </a:r>
+            <a:r>
+              <a:rPr lang="nl-NL" sz="2000" dirty="0"/>
+              <a:t> Development</a:t>
             </a:r>
           </a:p>
           <a:p>
@@ -11994,7 +12270,7 @@
 </p:sld>
 </file>
 
-<file path=ppt/slides/slide7.xml><?xml version="1.0" encoding="utf-8"?>
+<file path=ppt/slides/slide8.xml><?xml version="1.0" encoding="utf-8"?>
 <p:sld xmlns:a="http://schemas.openxmlformats.org/drawingml/2006/main" xmlns:r="http://schemas.openxmlformats.org/officeDocument/2006/relationships" xmlns:p="http://schemas.openxmlformats.org/presentationml/2006/main">
   <p:cSld>
     <p:bg>
@@ -12512,7 +12788,7 @@
 </p:sld>
 </file>
 
-<file path=ppt/slides/slide8.xml><?xml version="1.0" encoding="utf-8"?>
+<file path=ppt/slides/slide9.xml><?xml version="1.0" encoding="utf-8"?>
 <p:sld xmlns:a="http://schemas.openxmlformats.org/drawingml/2006/main" xmlns:r="http://schemas.openxmlformats.org/officeDocument/2006/relationships" xmlns:p="http://schemas.openxmlformats.org/presentationml/2006/main">
   <p:cSld>
     <p:bg>
@@ -12974,141 +13250,6 @@
         </p:txBody>
       </p:sp>
     </p:spTree>
-  </p:cSld>
-  <p:clrMapOvr>
-    <a:masterClrMapping/>
-  </p:clrMapOvr>
-</p:sld>
-</file>
-
-<file path=ppt/slides/slide9.xml><?xml version="1.0" encoding="utf-8"?>
-<p:sld xmlns:a="http://schemas.openxmlformats.org/drawingml/2006/main" xmlns:r="http://schemas.openxmlformats.org/officeDocument/2006/relationships" xmlns:p="http://schemas.openxmlformats.org/presentationml/2006/main">
-  <p:cSld>
-    <p:bg>
-      <p:bgPr>
-        <a:solidFill>
-          <a:schemeClr val="bg2">
-            <a:lumMod val="75000"/>
-          </a:schemeClr>
-        </a:solidFill>
-        <a:effectLst/>
-      </p:bgPr>
-    </p:bg>
-    <p:spTree>
-      <p:nvGrpSpPr>
-        <p:cNvPr id="1" name="Shape 174"/>
-        <p:cNvGrpSpPr/>
-        <p:nvPr/>
-      </p:nvGrpSpPr>
-      <p:grpSpPr>
-        <a:xfrm>
-          <a:off x="0" y="0"/>
-          <a:ext cx="0" cy="0"/>
-          <a:chOff x="0" y="0"/>
-          <a:chExt cx="0" cy="0"/>
-        </a:xfrm>
-      </p:grpSpPr>
-      <p:sp>
-        <p:nvSpPr>
-          <p:cNvPr id="175" name="Shape 175"/>
-          <p:cNvSpPr txBox="1">
-            <a:spLocks noGrp="1"/>
-          </p:cNvSpPr>
-          <p:nvPr>
-            <p:ph type="title" idx="4294967295"/>
-          </p:nvPr>
-        </p:nvSpPr>
-        <p:spPr>
-          <a:xfrm>
-            <a:off x="1297500" y="393750"/>
-            <a:ext cx="7038900" cy="914100"/>
-          </a:xfrm>
-          <a:prstGeom prst="rect">
-            <a:avLst/>
-          </a:prstGeom>
-        </p:spPr>
-        <p:txBody>
-          <a:bodyPr wrap="square" lIns="91425" tIns="91425" rIns="91425" bIns="91425" anchor="t" anchorCtr="0">
-            <a:noAutofit/>
-          </a:bodyPr>
-          <a:lstStyle/>
-          <a:p>
-            <a:pPr marL="0" lvl="0" indent="0" rtl="0">
-              <a:spcBef>
-                <a:spcPts val="0"/>
-              </a:spcBef>
-              <a:buNone/>
-            </a:pPr>
-            <a:r>
-              <a:rPr lang="en" dirty="0"/>
-              <a:t>This is not what you’ve promised!</a:t>
-            </a:r>
-          </a:p>
-        </p:txBody>
-      </p:sp>
-      <p:pic>
-        <p:nvPicPr>
-          <p:cNvPr id="176" name="Shape 176"/>
-          <p:cNvPicPr preferRelativeResize="0"/>
-          <p:nvPr/>
-        </p:nvPicPr>
-        <p:blipFill rotWithShape="1">
-          <a:blip r:embed="rId3">
-            <a:alphaModFix/>
-          </a:blip>
-          <a:srcRect b="59924"/>
-          <a:stretch/>
-        </p:blipFill>
-        <p:spPr>
-          <a:xfrm rot="10800000" flipH="1">
-            <a:off x="-163775" y="0"/>
-            <a:ext cx="1638476" cy="1307850"/>
-          </a:xfrm>
-          <a:prstGeom prst="rect">
-            <a:avLst/>
-          </a:prstGeom>
-          <a:noFill/>
-          <a:ln>
-            <a:noFill/>
-          </a:ln>
-        </p:spPr>
-      </p:pic>
-      <p:pic>
-        <p:nvPicPr>
-          <p:cNvPr id="2" name="Picture 1"/>
-          <p:cNvPicPr>
-            <a:picLocks noChangeAspect="1"/>
-          </p:cNvPicPr>
-          <p:nvPr/>
-        </p:nvPicPr>
-        <p:blipFill>
-          <a:blip r:embed="rId4">
-            <a:extLst>
-              <a:ext uri="{28A0092B-C50C-407E-A947-70E740481C1C}">
-                <a14:useLocalDpi xmlns:a14="http://schemas.microsoft.com/office/drawing/2010/main" val="0"/>
-              </a:ext>
-            </a:extLst>
-          </a:blip>
-          <a:stretch>
-            <a:fillRect/>
-          </a:stretch>
-        </p:blipFill>
-        <p:spPr>
-          <a:xfrm>
-            <a:off x="2559525" y="1815369"/>
-            <a:ext cx="4514850" cy="2524125"/>
-          </a:xfrm>
-          <a:prstGeom prst="rect">
-            <a:avLst/>
-          </a:prstGeom>
-        </p:spPr>
-      </p:pic>
-    </p:spTree>
-    <p:extLst>
-      <p:ext uri="{BB962C8B-B14F-4D97-AF65-F5344CB8AC3E}">
-        <p14:creationId xmlns:p14="http://schemas.microsoft.com/office/powerpoint/2010/main" val="3876637902"/>
-      </p:ext>
-    </p:extLst>
   </p:cSld>
   <p:clrMapOvr>
     <a:masterClrMapping/>

--- a/automated_functional_testing.pptx
+++ b/automated_functional_testing.pptx
@@ -10564,6 +10564,16 @@
         </p:nvPicPr>
         <p:blipFill>
           <a:blip r:embed="rId4">
+            <a:clrChange>
+              <a:clrFrom>
+                <a:srgbClr val="FFFFFF"/>
+              </a:clrFrom>
+              <a:clrTo>
+                <a:srgbClr val="FFFFFF">
+                  <a:alpha val="0"/>
+                </a:srgbClr>
+              </a:clrTo>
+            </a:clrChange>
             <a:extLst>
               <a:ext uri="{28A0092B-C50C-407E-A947-70E740481C1C}">
                 <a14:useLocalDpi xmlns:a14="http://schemas.microsoft.com/office/drawing/2010/main" val="0"/>
@@ -10576,38 +10586,8 @@
         </p:blipFill>
         <p:spPr>
           <a:xfrm>
-            <a:off x="552913" y="1701600"/>
+            <a:off x="690816" y="1783349"/>
             <a:ext cx="1640840" cy="972820"/>
-          </a:xfrm>
-          <a:prstGeom prst="rect">
-            <a:avLst/>
-          </a:prstGeom>
-        </p:spPr>
-      </p:pic>
-      <p:pic>
-        <p:nvPicPr>
-          <p:cNvPr id="3" name="Picture 2"/>
-          <p:cNvPicPr>
-            <a:picLocks noChangeAspect="1"/>
-          </p:cNvPicPr>
-          <p:nvPr/>
-        </p:nvPicPr>
-        <p:blipFill>
-          <a:blip r:embed="rId5">
-            <a:extLst>
-              <a:ext uri="{28A0092B-C50C-407E-A947-70E740481C1C}">
-                <a14:useLocalDpi xmlns:a14="http://schemas.microsoft.com/office/drawing/2010/main" val="0"/>
-              </a:ext>
-            </a:extLst>
-          </a:blip>
-          <a:stretch>
-            <a:fillRect/>
-          </a:stretch>
-        </p:blipFill>
-        <p:spPr>
-          <a:xfrm>
-            <a:off x="946136" y="3068169"/>
-            <a:ext cx="854393" cy="854393"/>
           </a:xfrm>
           <a:prstGeom prst="rect">
             <a:avLst/>
@@ -11080,15 +11060,15 @@
         <p:nvCxnSpPr>
           <p:cNvPr id="7" name="Straight Arrow Connector 6"/>
           <p:cNvCxnSpPr>
-            <a:stCxn id="2" idx="3"/>
+            <a:cxnSpLocks/>
             <a:endCxn id="11" idx="7"/>
           </p:cNvCxnSpPr>
           <p:nvPr/>
         </p:nvCxnSpPr>
         <p:spPr>
           <a:xfrm>
-            <a:off x="2193753" y="2188010"/>
-            <a:ext cx="1226234" cy="213402"/>
+            <a:off x="1870364" y="2235844"/>
+            <a:ext cx="1549623" cy="165568"/>
           </a:xfrm>
           <a:prstGeom prst="straightConnector1">
             <a:avLst/>
@@ -11119,15 +11099,16 @@
         <p:nvCxnSpPr>
           <p:cNvPr id="23" name="Straight Arrow Connector 22"/>
           <p:cNvCxnSpPr>
-            <a:stCxn id="3" idx="3"/>
+            <a:cxnSpLocks/>
+            <a:stCxn id="12" idx="3"/>
             <a:endCxn id="11" idx="1"/>
           </p:cNvCxnSpPr>
           <p:nvPr/>
         </p:nvCxnSpPr>
         <p:spPr>
           <a:xfrm flipV="1">
-            <a:off x="1800529" y="2616938"/>
-            <a:ext cx="1619458" cy="878428"/>
+            <a:off x="1800528" y="2616938"/>
+            <a:ext cx="1619459" cy="893430"/>
           </a:xfrm>
           <a:prstGeom prst="straightConnector1">
             <a:avLst/>
@@ -11232,6 +11213,36 @@
           </a:fontRef>
         </p:style>
       </p:cxnSp>
+      <p:pic>
+        <p:nvPicPr>
+          <p:cNvPr id="12" name="Picture 11">
+            <a:extLst>
+              <a:ext uri="{FF2B5EF4-FFF2-40B4-BE49-F238E27FC236}">
+                <a16:creationId xmlns:a16="http://schemas.microsoft.com/office/drawing/2014/main" id="{8D05FDFF-F7EF-E142-9585-F2056A4F2850}"/>
+              </a:ext>
+            </a:extLst>
+          </p:cNvPr>
+          <p:cNvPicPr>
+            <a:picLocks noChangeAspect="1"/>
+          </p:cNvPicPr>
+          <p:nvPr/>
+        </p:nvPicPr>
+        <p:blipFill>
+          <a:blip r:embed="rId5"/>
+          <a:stretch>
+            <a:fillRect/>
+          </a:stretch>
+        </p:blipFill>
+        <p:spPr>
+          <a:xfrm>
+            <a:off x="1018937" y="3088309"/>
+            <a:ext cx="781591" cy="844118"/>
+          </a:xfrm>
+          <a:prstGeom prst="rect">
+            <a:avLst/>
+          </a:prstGeom>
+        </p:spPr>
+      </p:pic>
     </p:spTree>
   </p:cSld>
   <p:clrMapOvr>

--- a/automated_functional_testing.pptx
+++ b/automated_functional_testing.pptx
@@ -10564,6 +10564,16 @@
         </p:nvPicPr>
         <p:blipFill>
           <a:blip r:embed="rId4">
+            <a:clrChange>
+              <a:clrFrom>
+                <a:srgbClr val="FFFFFF"/>
+              </a:clrFrom>
+              <a:clrTo>
+                <a:srgbClr val="FFFFFF">
+                  <a:alpha val="0"/>
+                </a:srgbClr>
+              </a:clrTo>
+            </a:clrChange>
             <a:extLst>
               <a:ext uri="{28A0092B-C50C-407E-A947-70E740481C1C}">
                 <a14:useLocalDpi xmlns:a14="http://schemas.microsoft.com/office/drawing/2010/main" val="0"/>
@@ -10578,36 +10588,6 @@
           <a:xfrm>
             <a:off x="552913" y="1701600"/>
             <a:ext cx="1640840" cy="972820"/>
-          </a:xfrm>
-          <a:prstGeom prst="rect">
-            <a:avLst/>
-          </a:prstGeom>
-        </p:spPr>
-      </p:pic>
-      <p:pic>
-        <p:nvPicPr>
-          <p:cNvPr id="3" name="Picture 2"/>
-          <p:cNvPicPr>
-            <a:picLocks noChangeAspect="1"/>
-          </p:cNvPicPr>
-          <p:nvPr/>
-        </p:nvPicPr>
-        <p:blipFill>
-          <a:blip r:embed="rId5">
-            <a:extLst>
-              <a:ext uri="{28A0092B-C50C-407E-A947-70E740481C1C}">
-                <a14:useLocalDpi xmlns:a14="http://schemas.microsoft.com/office/drawing/2010/main" val="0"/>
-              </a:ext>
-            </a:extLst>
-          </a:blip>
-          <a:stretch>
-            <a:fillRect/>
-          </a:stretch>
-        </p:blipFill>
-        <p:spPr>
-          <a:xfrm>
-            <a:off x="946136" y="3068169"/>
-            <a:ext cx="854393" cy="854393"/>
           </a:xfrm>
           <a:prstGeom prst="rect">
             <a:avLst/>
@@ -11080,15 +11060,15 @@
         <p:nvCxnSpPr>
           <p:cNvPr id="7" name="Straight Arrow Connector 6"/>
           <p:cNvCxnSpPr>
-            <a:stCxn id="2" idx="3"/>
+            <a:cxnSpLocks/>
             <a:endCxn id="11" idx="7"/>
           </p:cNvCxnSpPr>
           <p:nvPr/>
         </p:nvCxnSpPr>
         <p:spPr>
           <a:xfrm>
-            <a:off x="2193753" y="2188010"/>
-            <a:ext cx="1226234" cy="213402"/>
+            <a:off x="1741792" y="2090074"/>
+            <a:ext cx="1678195" cy="311338"/>
           </a:xfrm>
           <a:prstGeom prst="straightConnector1">
             <a:avLst/>
@@ -11119,7 +11099,7 @@
         <p:nvCxnSpPr>
           <p:cNvPr id="23" name="Straight Arrow Connector 22"/>
           <p:cNvCxnSpPr>
-            <a:stCxn id="3" idx="3"/>
+            <a:cxnSpLocks/>
             <a:endCxn id="11" idx="1"/>
           </p:cNvCxnSpPr>
           <p:nvPr/>
@@ -11232,6 +11212,36 @@
           </a:fontRef>
         </p:style>
       </p:cxnSp>
+      <p:pic>
+        <p:nvPicPr>
+          <p:cNvPr id="8" name="Picture 7">
+            <a:extLst>
+              <a:ext uri="{FF2B5EF4-FFF2-40B4-BE49-F238E27FC236}">
+                <a16:creationId xmlns:a16="http://schemas.microsoft.com/office/drawing/2014/main" id="{226A9EBB-5C7A-2B4E-A574-139985F8A1C1}"/>
+              </a:ext>
+            </a:extLst>
+          </p:cNvPr>
+          <p:cNvPicPr>
+            <a:picLocks noChangeAspect="1"/>
+          </p:cNvPicPr>
+          <p:nvPr/>
+        </p:nvPicPr>
+        <p:blipFill>
+          <a:blip r:embed="rId5"/>
+          <a:stretch>
+            <a:fillRect/>
+          </a:stretch>
+        </p:blipFill>
+        <p:spPr>
+          <a:xfrm>
+            <a:off x="1004874" y="3097926"/>
+            <a:ext cx="736918" cy="795872"/>
+          </a:xfrm>
+          <a:prstGeom prst="rect">
+            <a:avLst/>
+          </a:prstGeom>
+        </p:spPr>
+      </p:pic>
     </p:spTree>
   </p:cSld>
   <p:clrMapOvr>

--- a/automated_functional_testing.pptx
+++ b/automated_functional_testing.pptx
@@ -10586,7 +10586,7 @@
         </p:blipFill>
         <p:spPr>
           <a:xfrm>
-            <a:off x="690816" y="1783349"/>
+            <a:off x="552913" y="1701600"/>
             <a:ext cx="1640840" cy="972820"/>
           </a:xfrm>
           <a:prstGeom prst="rect">
@@ -11067,8 +11067,8 @@
         </p:nvCxnSpPr>
         <p:spPr>
           <a:xfrm>
-            <a:off x="1870364" y="2235844"/>
-            <a:ext cx="1549623" cy="165568"/>
+            <a:off x="1741792" y="2090074"/>
+            <a:ext cx="1678195" cy="311338"/>
           </a:xfrm>
           <a:prstGeom prst="straightConnector1">
             <a:avLst/>
@@ -11100,15 +11100,14 @@
           <p:cNvPr id="23" name="Straight Arrow Connector 22"/>
           <p:cNvCxnSpPr>
             <a:cxnSpLocks/>
-            <a:stCxn id="12" idx="3"/>
             <a:endCxn id="11" idx="1"/>
           </p:cNvCxnSpPr>
           <p:nvPr/>
         </p:nvCxnSpPr>
         <p:spPr>
           <a:xfrm flipV="1">
-            <a:off x="1800528" y="2616938"/>
-            <a:ext cx="1619459" cy="893430"/>
+            <a:off x="1800529" y="2616938"/>
+            <a:ext cx="1619458" cy="878428"/>
           </a:xfrm>
           <a:prstGeom prst="straightConnector1">
             <a:avLst/>
@@ -11215,10 +11214,10 @@
       </p:cxnSp>
       <p:pic>
         <p:nvPicPr>
-          <p:cNvPr id="12" name="Picture 11">
+          <p:cNvPr id="8" name="Picture 7">
             <a:extLst>
               <a:ext uri="{FF2B5EF4-FFF2-40B4-BE49-F238E27FC236}">
-                <a16:creationId xmlns:a16="http://schemas.microsoft.com/office/drawing/2014/main" id="{8D05FDFF-F7EF-E142-9585-F2056A4F2850}"/>
+                <a16:creationId xmlns:a16="http://schemas.microsoft.com/office/drawing/2014/main" id="{226A9EBB-5C7A-2B4E-A574-139985F8A1C1}"/>
               </a:ext>
             </a:extLst>
           </p:cNvPr>
@@ -11235,8 +11234,8 @@
         </p:blipFill>
         <p:spPr>
           <a:xfrm>
-            <a:off x="1018937" y="3088309"/>
-            <a:ext cx="781591" cy="844118"/>
+            <a:off x="1004874" y="3097926"/>
+            <a:ext cx="736918" cy="795872"/>
           </a:xfrm>
           <a:prstGeom prst="rect">
             <a:avLst/>
